--- a/Introduction to Java Programming.pptx
+++ b/Introduction to Java Programming.pptx
@@ -17,23 +17,35 @@
     <p:sldId id="264" r:id="rId11"/>
     <p:sldId id="265" r:id="rId12"/>
     <p:sldId id="266" r:id="rId13"/>
-    <p:sldId id="267" r:id="rId14"/>
-    <p:sldId id="268" r:id="rId15"/>
-    <p:sldId id="269" r:id="rId16"/>
-    <p:sldId id="271" r:id="rId17"/>
-    <p:sldId id="272" r:id="rId18"/>
-    <p:sldId id="273" r:id="rId19"/>
-    <p:sldId id="274" r:id="rId20"/>
-    <p:sldId id="286" r:id="rId21"/>
-    <p:sldId id="276" r:id="rId22"/>
-    <p:sldId id="287" r:id="rId23"/>
-    <p:sldId id="278" r:id="rId24"/>
-    <p:sldId id="279" r:id="rId25"/>
-    <p:sldId id="282" r:id="rId26"/>
-    <p:sldId id="283" r:id="rId27"/>
-    <p:sldId id="284" r:id="rId28"/>
-    <p:sldId id="288" r:id="rId29"/>
-    <p:sldId id="289" r:id="rId30"/>
+    <p:sldId id="271" r:id="rId14"/>
+    <p:sldId id="272" r:id="rId15"/>
+    <p:sldId id="273" r:id="rId16"/>
+    <p:sldId id="274" r:id="rId17"/>
+    <p:sldId id="286" r:id="rId18"/>
+    <p:sldId id="276" r:id="rId19"/>
+    <p:sldId id="287" r:id="rId20"/>
+    <p:sldId id="278" r:id="rId21"/>
+    <p:sldId id="279" r:id="rId22"/>
+    <p:sldId id="282" r:id="rId23"/>
+    <p:sldId id="283" r:id="rId24"/>
+    <p:sldId id="284" r:id="rId25"/>
+    <p:sldId id="289" r:id="rId26"/>
+    <p:sldId id="290" r:id="rId27"/>
+    <p:sldId id="291" r:id="rId28"/>
+    <p:sldId id="301" r:id="rId29"/>
+    <p:sldId id="297" r:id="rId30"/>
+    <p:sldId id="298" r:id="rId31"/>
+    <p:sldId id="299" r:id="rId32"/>
+    <p:sldId id="300" r:id="rId33"/>
+    <p:sldId id="292" r:id="rId34"/>
+    <p:sldId id="302" r:id="rId35"/>
+    <p:sldId id="303" r:id="rId36"/>
+    <p:sldId id="304" r:id="rId37"/>
+    <p:sldId id="305" r:id="rId38"/>
+    <p:sldId id="293" r:id="rId39"/>
+    <p:sldId id="294" r:id="rId40"/>
+    <p:sldId id="295" r:id="rId41"/>
+    <p:sldId id="296" r:id="rId42"/>
   </p:sldIdLst>
   <p:sldSz cx="9144000" cy="6858000" type="screen4x3"/>
   <p:notesSz cx="6858000" cy="9144000"/>
@@ -278,7 +290,7 @@
           <a:p>
             <a:fld id="{3F57F615-55C3-4F4F-83D6-4B35940FA14F}" type="datetimeFigureOut">
               <a:rPr lang="en-US" smtClean="0"/>
-              <a:t>5/27/2013</a:t>
+              <a:t>5/31/2013</a:t>
             </a:fld>
             <a:endParaRPr lang="en-US"/>
           </a:p>
@@ -644,7 +656,7 @@
           <a:p>
             <a:fld id="{3F57F615-55C3-4F4F-83D6-4B35940FA14F}" type="datetimeFigureOut">
               <a:rPr lang="en-US" smtClean="0"/>
-              <a:t>5/27/2013</a:t>
+              <a:t>5/31/2013</a:t>
             </a:fld>
             <a:endParaRPr lang="en-US"/>
           </a:p>
@@ -826,7 +838,7 @@
           <a:p>
             <a:fld id="{3F57F615-55C3-4F4F-83D6-4B35940FA14F}" type="datetimeFigureOut">
               <a:rPr lang="en-US" smtClean="0"/>
-              <a:t>5/27/2013</a:t>
+              <a:t>5/31/2013</a:t>
             </a:fld>
             <a:endParaRPr lang="en-US"/>
           </a:p>
@@ -1068,7 +1080,7 @@
           <a:p>
             <a:fld id="{3F57F615-55C3-4F4F-83D6-4B35940FA14F}" type="datetimeFigureOut">
               <a:rPr lang="en-US" smtClean="0"/>
-              <a:t>5/27/2013</a:t>
+              <a:t>5/31/2013</a:t>
             </a:fld>
             <a:endParaRPr lang="en-US"/>
           </a:p>
@@ -1344,7 +1356,7 @@
           <a:p>
             <a:fld id="{3F57F615-55C3-4F4F-83D6-4B35940FA14F}" type="datetimeFigureOut">
               <a:rPr lang="en-US" smtClean="0"/>
-              <a:t>5/27/2013</a:t>
+              <a:t>5/31/2013</a:t>
             </a:fld>
             <a:endParaRPr lang="en-US"/>
           </a:p>
@@ -1571,7 +1583,7 @@
           <a:p>
             <a:fld id="{3F57F615-55C3-4F4F-83D6-4B35940FA14F}" type="datetimeFigureOut">
               <a:rPr lang="en-US" smtClean="0"/>
-              <a:t>5/27/2013</a:t>
+              <a:t>5/31/2013</a:t>
             </a:fld>
             <a:endParaRPr lang="en-US"/>
           </a:p>
@@ -1930,7 +1942,7 @@
           <a:p>
             <a:fld id="{3F57F615-55C3-4F4F-83D6-4B35940FA14F}" type="datetimeFigureOut">
               <a:rPr lang="en-US" smtClean="0"/>
-              <a:t>5/27/2013</a:t>
+              <a:t>5/31/2013</a:t>
             </a:fld>
             <a:endParaRPr lang="en-US"/>
           </a:p>
@@ -2169,7 +2181,7 @@
           <a:p>
             <a:fld id="{3F57F615-55C3-4F4F-83D6-4B35940FA14F}" type="datetimeFigureOut">
               <a:rPr lang="en-US" smtClean="0"/>
-              <a:t>5/27/2013</a:t>
+              <a:t>5/31/2013</a:t>
             </a:fld>
             <a:endParaRPr lang="en-US"/>
           </a:p>
@@ -2316,7 +2328,7 @@
           <a:p>
             <a:fld id="{3F57F615-55C3-4F4F-83D6-4B35940FA14F}" type="datetimeFigureOut">
               <a:rPr lang="en-US" smtClean="0"/>
-              <a:t>5/27/2013</a:t>
+              <a:t>5/31/2013</a:t>
             </a:fld>
             <a:endParaRPr lang="en-US"/>
           </a:p>
@@ -2600,7 +2612,7 @@
           <a:p>
             <a:fld id="{3F57F615-55C3-4F4F-83D6-4B35940FA14F}" type="datetimeFigureOut">
               <a:rPr lang="en-US" smtClean="0"/>
-              <a:t>5/27/2013</a:t>
+              <a:t>5/31/2013</a:t>
             </a:fld>
             <a:endParaRPr lang="en-US"/>
           </a:p>
@@ -3014,7 +3026,7 @@
           <a:p>
             <a:fld id="{3F57F615-55C3-4F4F-83D6-4B35940FA14F}" type="datetimeFigureOut">
               <a:rPr lang="en-US" smtClean="0"/>
-              <a:t>5/27/2013</a:t>
+              <a:t>5/31/2013</a:t>
             </a:fld>
             <a:endParaRPr lang="en-US"/>
           </a:p>
@@ -3359,7 +3371,7 @@
           <a:p>
             <a:fld id="{3F57F615-55C3-4F4F-83D6-4B35940FA14F}" type="datetimeFigureOut">
               <a:rPr lang="en-US" smtClean="0"/>
-              <a:t>5/27/2013</a:t>
+              <a:t>5/31/2013</a:t>
             </a:fld>
             <a:endParaRPr lang="en-US"/>
           </a:p>
@@ -4214,7 +4226,6 @@
               <a:rPr lang="en-US" dirty="0" smtClean="0"/>
               <a:t>Use the provided CD</a:t>
             </a:r>
-            <a:endParaRPr lang="en-US" dirty="0" smtClean="0"/>
           </a:p>
           <a:p>
             <a:endParaRPr lang="en-US" dirty="0" smtClean="0"/>
@@ -4396,7 +4407,7 @@
       </p:grpSpPr>
       <p:sp>
         <p:nvSpPr>
-          <p:cNvPr id="4" name="Title 3"/>
+          <p:cNvPr id="7" name="Title 6"/>
           <p:cNvSpPr>
             <a:spLocks noGrp="1"/>
           </p:cNvSpPr>
@@ -4411,7 +4422,7 @@
           <a:p>
             <a:r>
               <a:rPr lang="en-US" dirty="0" smtClean="0"/>
-              <a:t>Questions</a:t>
+              <a:t>Hour 2</a:t>
             </a:r>
             <a:endParaRPr lang="en-US" dirty="0"/>
           </a:p>
@@ -4419,12 +4430,12 @@
       </p:sp>
       <p:sp>
         <p:nvSpPr>
-          <p:cNvPr id="5" name="Content Placeholder 4"/>
-          <p:cNvSpPr>
-            <a:spLocks noGrp="1"/>
-          </p:cNvSpPr>
-          <p:nvPr>
-            <p:ph sz="quarter" idx="1"/>
+          <p:cNvPr id="8" name="Text Placeholder 7"/>
+          <p:cNvSpPr>
+            <a:spLocks noGrp="1"/>
+          </p:cNvSpPr>
+          <p:nvPr>
+            <p:ph type="body" idx="1"/>
           </p:nvPr>
         </p:nvSpPr>
         <p:spPr/>
@@ -4432,14 +4443,18 @@
           <a:bodyPr/>
           <a:lstStyle/>
           <a:p>
-            <a:endParaRPr lang="en-US"/>
+            <a:r>
+              <a:rPr lang="en-US" dirty="0" smtClean="0"/>
+              <a:t>Writing Your First Program</a:t>
+            </a:r>
+            <a:endParaRPr lang="en-US" dirty="0"/>
           </a:p>
         </p:txBody>
       </p:sp>
     </p:spTree>
     <p:extLst>
       <p:ext uri="{BB962C8B-B14F-4D97-AF65-F5344CB8AC3E}">
-        <p14:creationId xmlns:p14="http://schemas.microsoft.com/office/powerpoint/2010/main" val="3192096662"/>
+        <p14:creationId xmlns:p14="http://schemas.microsoft.com/office/powerpoint/2010/main" val="2508065229"/>
       </p:ext>
     </p:extLst>
   </p:cSld>
@@ -4490,7 +4505,7 @@
           <a:p>
             <a:r>
               <a:rPr lang="en-US" dirty="0" smtClean="0"/>
-              <a:t>Workshop</a:t>
+              <a:t>What You Need To Write Programs</a:t>
             </a:r>
             <a:endParaRPr lang="en-US" dirty="0"/>
           </a:p>
@@ -4511,14 +4526,49 @@
           <a:bodyPr/>
           <a:lstStyle/>
           <a:p>
-            <a:endParaRPr lang="en-US"/>
+            <a:r>
+              <a:rPr lang="en-US" dirty="0" err="1" smtClean="0"/>
+              <a:t>Netbeans</a:t>
+            </a:r>
+            <a:r>
+              <a:rPr lang="en-US" dirty="0" smtClean="0"/>
+              <a:t> IDE</a:t>
+            </a:r>
+          </a:p>
+          <a:p>
+            <a:r>
+              <a:rPr lang="en-US" dirty="0" smtClean="0"/>
+              <a:t>Source code (Text) editor</a:t>
+            </a:r>
+          </a:p>
+          <a:p>
+            <a:r>
+              <a:rPr lang="en-US" dirty="0" smtClean="0"/>
+              <a:t>Simple text files – can open in Notepad</a:t>
+            </a:r>
+          </a:p>
+          <a:p>
+            <a:r>
+              <a:rPr lang="en-US" dirty="0" smtClean="0"/>
+              <a:t>Color highlights</a:t>
+            </a:r>
+          </a:p>
+          <a:p>
+            <a:endParaRPr lang="en-US" dirty="0" smtClean="0"/>
+          </a:p>
+          <a:p>
+            <a:pPr lvl="1"/>
+            <a:endParaRPr lang="en-US" dirty="0" smtClean="0"/>
+          </a:p>
+          <a:p>
+            <a:endParaRPr lang="en-US" dirty="0"/>
           </a:p>
         </p:txBody>
       </p:sp>
     </p:spTree>
     <p:extLst>
       <p:ext uri="{BB962C8B-B14F-4D97-AF65-F5344CB8AC3E}">
-        <p14:creationId xmlns:p14="http://schemas.microsoft.com/office/powerpoint/2010/main" val="3581548926"/>
+        <p14:creationId xmlns:p14="http://schemas.microsoft.com/office/powerpoint/2010/main" val="1663183183"/>
       </p:ext>
     </p:extLst>
   </p:cSld>
@@ -4569,7 +4619,7 @@
           <a:p>
             <a:r>
               <a:rPr lang="en-US" dirty="0" smtClean="0"/>
-              <a:t>Activities</a:t>
+              <a:t>Creating a Project for This Class</a:t>
             </a:r>
             <a:endParaRPr lang="en-US" dirty="0"/>
           </a:p>
@@ -4590,6 +4640,107 @@
           <a:bodyPr/>
           <a:lstStyle/>
           <a:p>
+            <a:r>
+              <a:rPr lang="en-US" dirty="0" smtClean="0"/>
+              <a:t>We need to create a project for this class</a:t>
+            </a:r>
+          </a:p>
+          <a:p>
+            <a:r>
+              <a:rPr lang="en-US" dirty="0" smtClean="0"/>
+              <a:t>All our programs will go into this project</a:t>
+            </a:r>
+          </a:p>
+          <a:p>
+            <a:pPr marL="788670" lvl="1" indent="-514350">
+              <a:buFont typeface="+mj-lt"/>
+              <a:buAutoNum type="arabicPeriod"/>
+            </a:pPr>
+            <a:r>
+              <a:rPr lang="en-US" dirty="0" smtClean="0"/>
+              <a:t>Open </a:t>
+            </a:r>
+            <a:r>
+              <a:rPr lang="en-US" dirty="0" err="1" smtClean="0"/>
+              <a:t>Netbeans</a:t>
+            </a:r>
+            <a:endParaRPr lang="en-US" dirty="0" smtClean="0"/>
+          </a:p>
+          <a:p>
+            <a:pPr marL="788670" lvl="1" indent="-514350">
+              <a:buFont typeface="+mj-lt"/>
+              <a:buAutoNum type="arabicPeriod"/>
+            </a:pPr>
+            <a:r>
+              <a:rPr lang="en-US" dirty="0" smtClean="0"/>
+              <a:t>Select File &gt; New Project</a:t>
+            </a:r>
+          </a:p>
+          <a:p>
+            <a:pPr marL="1062990" lvl="2" indent="-514350">
+              <a:buFont typeface="+mj-lt"/>
+              <a:buAutoNum type="arabicPeriod"/>
+            </a:pPr>
+            <a:r>
+              <a:rPr lang="en-US" dirty="0" smtClean="0"/>
+              <a:t>Category: Java</a:t>
+            </a:r>
+          </a:p>
+          <a:p>
+            <a:pPr marL="1062990" lvl="2" indent="-514350">
+              <a:buFont typeface="+mj-lt"/>
+              <a:buAutoNum type="arabicPeriod"/>
+            </a:pPr>
+            <a:r>
+              <a:rPr lang="en-US" dirty="0" smtClean="0"/>
+              <a:t>Project: Java Application</a:t>
+            </a:r>
+          </a:p>
+          <a:p>
+            <a:pPr marL="1062990" lvl="2" indent="-514350">
+              <a:buFont typeface="+mj-lt"/>
+              <a:buAutoNum type="arabicPeriod"/>
+            </a:pPr>
+            <a:r>
+              <a:rPr lang="en-US" dirty="0" smtClean="0"/>
+              <a:t>Click Next</a:t>
+            </a:r>
+          </a:p>
+          <a:p>
+            <a:pPr marL="788670" lvl="1" indent="-514350">
+              <a:buFont typeface="+mj-lt"/>
+              <a:buAutoNum type="arabicPeriod"/>
+            </a:pPr>
+            <a:r>
+              <a:rPr lang="en-US" dirty="0" smtClean="0"/>
+              <a:t>Project Name: Java24</a:t>
+            </a:r>
+          </a:p>
+          <a:p>
+            <a:pPr marL="1062990" lvl="2" indent="-514350">
+              <a:buFont typeface="+mj-lt"/>
+              <a:buAutoNum type="arabicPeriod"/>
+            </a:pPr>
+            <a:r>
+              <a:rPr lang="en-US" dirty="0" smtClean="0"/>
+              <a:t>Deselect “Create Main Class”</a:t>
+            </a:r>
+          </a:p>
+          <a:p>
+            <a:pPr marL="1062990" lvl="2" indent="-514350">
+              <a:buFont typeface="+mj-lt"/>
+              <a:buAutoNum type="arabicPeriod"/>
+            </a:pPr>
+            <a:r>
+              <a:rPr lang="en-US" dirty="0" smtClean="0"/>
+              <a:t>Click Finish</a:t>
+            </a:r>
+          </a:p>
+          <a:p>
+            <a:pPr marL="1062990" lvl="2" indent="-514350">
+              <a:buFont typeface="+mj-lt"/>
+              <a:buAutoNum type="arabicPeriod"/>
+            </a:pPr>
             <a:endParaRPr lang="en-US" dirty="0"/>
           </a:p>
         </p:txBody>
@@ -4597,7 +4748,7 @@
     </p:spTree>
     <p:extLst>
       <p:ext uri="{BB962C8B-B14F-4D97-AF65-F5344CB8AC3E}">
-        <p14:creationId xmlns:p14="http://schemas.microsoft.com/office/powerpoint/2010/main" val="3896822474"/>
+        <p14:creationId xmlns:p14="http://schemas.microsoft.com/office/powerpoint/2010/main" val="1900484659"/>
       </p:ext>
     </p:extLst>
   </p:cSld>
@@ -4633,7 +4784,7 @@
       </p:grpSpPr>
       <p:sp>
         <p:nvSpPr>
-          <p:cNvPr id="7" name="Title 6"/>
+          <p:cNvPr id="4" name="Title 3"/>
           <p:cNvSpPr>
             <a:spLocks noGrp="1"/>
           </p:cNvSpPr>
@@ -4648,7 +4799,7 @@
           <a:p>
             <a:r>
               <a:rPr lang="en-US" dirty="0" smtClean="0"/>
-              <a:t>Hour 2</a:t>
+              <a:t>Beginning the “Hello World” Program</a:t>
             </a:r>
             <a:endParaRPr lang="en-US" dirty="0"/>
           </a:p>
@@ -4656,31 +4807,143 @@
       </p:sp>
       <p:sp>
         <p:nvSpPr>
-          <p:cNvPr id="8" name="Text Placeholder 7"/>
-          <p:cNvSpPr>
-            <a:spLocks noGrp="1"/>
-          </p:cNvSpPr>
-          <p:nvPr>
-            <p:ph type="body" idx="1"/>
+          <p:cNvPr id="5" name="Content Placeholder 4"/>
+          <p:cNvSpPr>
+            <a:spLocks noGrp="1"/>
+          </p:cNvSpPr>
+          <p:nvPr>
+            <p:ph sz="quarter" idx="1"/>
           </p:nvPr>
         </p:nvSpPr>
         <p:spPr/>
         <p:txBody>
-          <a:bodyPr/>
-          <a:lstStyle/>
-          <a:p>
-            <a:r>
-              <a:rPr lang="en-US" dirty="0" smtClean="0"/>
-              <a:t>Writing Your First Program</a:t>
-            </a:r>
-            <a:endParaRPr lang="en-US" dirty="0"/>
+          <a:bodyPr>
+            <a:normAutofit lnSpcReduction="10000"/>
+          </a:bodyPr>
+          <a:lstStyle/>
+          <a:p>
+            <a:r>
+              <a:rPr lang="en-US" dirty="0" smtClean="0"/>
+              <a:t>Our first program will simply print “Hello World” on the screen</a:t>
+            </a:r>
+          </a:p>
+          <a:p>
+            <a:r>
+              <a:rPr lang="en-US" dirty="0" smtClean="0"/>
+              <a:t>Add a new program to the Java24 Project</a:t>
+            </a:r>
+          </a:p>
+          <a:p>
+            <a:pPr marL="731520" lvl="1" indent="-457200">
+              <a:buFont typeface="+mj-lt"/>
+              <a:buAutoNum type="arabicPeriod"/>
+            </a:pPr>
+            <a:r>
+              <a:rPr lang="en-US" dirty="0" smtClean="0"/>
+              <a:t>File &gt; New File</a:t>
+            </a:r>
+          </a:p>
+          <a:p>
+            <a:pPr marL="1005840" lvl="2" indent="-457200">
+              <a:buFont typeface="+mj-lt"/>
+              <a:buAutoNum type="arabicPeriod"/>
+            </a:pPr>
+            <a:r>
+              <a:rPr lang="en-US" dirty="0" smtClean="0"/>
+              <a:t>Project: Java24</a:t>
+            </a:r>
+          </a:p>
+          <a:p>
+            <a:pPr marL="1005840" lvl="2" indent="-457200">
+              <a:buFont typeface="+mj-lt"/>
+              <a:buAutoNum type="arabicPeriod"/>
+            </a:pPr>
+            <a:r>
+              <a:rPr lang="en-US" dirty="0" smtClean="0"/>
+              <a:t>Categories: Java</a:t>
+            </a:r>
+          </a:p>
+          <a:p>
+            <a:pPr marL="1005840" lvl="2" indent="-457200">
+              <a:buFont typeface="+mj-lt"/>
+              <a:buAutoNum type="arabicPeriod"/>
+            </a:pPr>
+            <a:r>
+              <a:rPr lang="en-US" dirty="0" smtClean="0"/>
+              <a:t>File Types: Empty Java File</a:t>
+            </a:r>
+          </a:p>
+          <a:p>
+            <a:pPr marL="1005840" lvl="2" indent="-457200">
+              <a:buFont typeface="+mj-lt"/>
+              <a:buAutoNum type="arabicPeriod"/>
+            </a:pPr>
+            <a:r>
+              <a:rPr lang="en-US" dirty="0" smtClean="0"/>
+              <a:t>Click Next</a:t>
+            </a:r>
+          </a:p>
+          <a:p>
+            <a:pPr marL="731520" lvl="1" indent="-457200">
+              <a:buFont typeface="+mj-lt"/>
+              <a:buAutoNum type="arabicPeriod"/>
+            </a:pPr>
+            <a:r>
+              <a:rPr lang="en-US" dirty="0" smtClean="0"/>
+              <a:t>Name and Location</a:t>
+            </a:r>
+          </a:p>
+          <a:p>
+            <a:pPr marL="1005840" lvl="2" indent="-457200">
+              <a:buFont typeface="+mj-lt"/>
+              <a:buAutoNum type="arabicPeriod"/>
+            </a:pPr>
+            <a:r>
+              <a:rPr lang="en-US" dirty="0" smtClean="0"/>
+              <a:t>Name: </a:t>
+            </a:r>
+            <a:r>
+              <a:rPr lang="en-US" dirty="0" err="1" smtClean="0"/>
+              <a:t>HelloWorld</a:t>
+            </a:r>
+            <a:endParaRPr lang="en-US" dirty="0" smtClean="0"/>
+          </a:p>
+          <a:p>
+            <a:pPr marL="1005840" lvl="2" indent="-457200">
+              <a:buFont typeface="+mj-lt"/>
+              <a:buAutoNum type="arabicPeriod"/>
+            </a:pPr>
+            <a:r>
+              <a:rPr lang="en-US" dirty="0" smtClean="0"/>
+              <a:t>Package: &lt;blank&gt;</a:t>
+            </a:r>
+          </a:p>
+          <a:p>
+            <a:pPr marL="1005840" lvl="2" indent="-457200">
+              <a:buFont typeface="+mj-lt"/>
+              <a:buAutoNum type="arabicPeriod"/>
+            </a:pPr>
+            <a:r>
+              <a:rPr lang="en-US" dirty="0" smtClean="0"/>
+              <a:t>Note created file name (HelloWorld.java)</a:t>
+            </a:r>
+          </a:p>
+          <a:p>
+            <a:pPr marL="1005840" lvl="2" indent="-457200">
+              <a:buFont typeface="+mj-lt"/>
+              <a:buAutoNum type="arabicPeriod"/>
+            </a:pPr>
+            <a:r>
+              <a:rPr lang="en-US" dirty="0" smtClean="0"/>
+              <a:t>Click Finish</a:t>
+            </a:r>
           </a:p>
         </p:txBody>
       </p:sp>
     </p:spTree>
     <p:extLst>
       <p:ext uri="{BB962C8B-B14F-4D97-AF65-F5344CB8AC3E}">
-        <p14:creationId xmlns:p14="http://schemas.microsoft.com/office/powerpoint/2010/main" val="2508065229"/>
+        <p14:creationId xmlns:p14="http://schemas.microsoft.com/office/powerpoint/2010/main" val="3631166119"/>
       </p:ext>
     </p:extLst>
   </p:cSld>
@@ -4714,6 +4977,60 @@
           <a:chExt cx="0" cy="0"/>
         </a:xfrm>
       </p:grpSpPr>
+      <p:pic>
+        <p:nvPicPr>
+          <p:cNvPr id="9" name="Picture 2"/>
+          <p:cNvPicPr>
+            <a:picLocks noGrp="1" noChangeAspect="1" noChangeArrowheads="1"/>
+          </p:cNvPicPr>
+          <p:nvPr>
+            <p:ph sz="quarter" idx="1"/>
+          </p:nvPr>
+        </p:nvPicPr>
+        <p:blipFill rotWithShape="1">
+          <a:blip r:embed="rId2">
+            <a:extLst>
+              <a:ext uri="{28A0092B-C50C-407E-A947-70E740481C1C}">
+                <a14:useLocalDpi xmlns:a14="http://schemas.microsoft.com/office/drawing/2010/main" val="0"/>
+              </a:ext>
+            </a:extLst>
+          </a:blip>
+          <a:srcRect l="30000" t="11334" b="32000"/>
+          <a:stretch/>
+        </p:blipFill>
+        <p:spPr bwMode="auto">
+          <a:xfrm>
+            <a:off x="457200" y="1814081"/>
+            <a:ext cx="8229600" cy="3747362"/>
+          </a:xfrm>
+          <a:prstGeom prst="rect">
+            <a:avLst/>
+          </a:prstGeom>
+          <a:noFill/>
+          <a:ln>
+            <a:noFill/>
+          </a:ln>
+          <a:extLst>
+            <a:ext uri="{909E8E84-426E-40DD-AFC4-6F175D3DCCD1}">
+              <a14:hiddenFill xmlns:a14="http://schemas.microsoft.com/office/drawing/2010/main">
+                <a:solidFill>
+                  <a:schemeClr val="accent1"/>
+                </a:solidFill>
+              </a14:hiddenFill>
+            </a:ext>
+            <a:ext uri="{91240B29-F687-4F45-9708-019B960494DF}">
+              <a14:hiddenLine xmlns:a14="http://schemas.microsoft.com/office/drawing/2010/main" w="9525">
+                <a:solidFill>
+                  <a:schemeClr val="tx1"/>
+                </a:solidFill>
+                <a:miter lim="800000"/>
+                <a:headEnd/>
+                <a:tailEnd/>
+              </a14:hiddenLine>
+            </a:ext>
+          </a:extLst>
+        </p:spPr>
+      </p:pic>
       <p:sp>
         <p:nvSpPr>
           <p:cNvPr id="4" name="Title 3"/>
@@ -4730,71 +5047,133 @@
           <a:lstStyle/>
           <a:p>
             <a:r>
-              <a:rPr lang="en-US" dirty="0" smtClean="0"/>
-              <a:t>What You Need To Write Programs</a:t>
-            </a:r>
-            <a:endParaRPr lang="en-US" dirty="0"/>
-          </a:p>
-        </p:txBody>
-      </p:sp>
-      <p:sp>
-        <p:nvSpPr>
-          <p:cNvPr id="5" name="Content Placeholder 4"/>
-          <p:cNvSpPr>
-            <a:spLocks noGrp="1"/>
-          </p:cNvSpPr>
-          <p:nvPr>
-            <p:ph sz="quarter" idx="1"/>
-          </p:nvPr>
-        </p:nvSpPr>
-        <p:spPr/>
-        <p:txBody>
-          <a:bodyPr/>
-          <a:lstStyle/>
-          <a:p>
-            <a:r>
-              <a:rPr lang="en-US" dirty="0" err="1" smtClean="0"/>
-              <a:t>Netbeans</a:t>
-            </a:r>
-            <a:r>
-              <a:rPr lang="en-US" dirty="0" smtClean="0"/>
-              <a:t> IDE</a:t>
-            </a:r>
-          </a:p>
-          <a:p>
-            <a:r>
-              <a:rPr lang="en-US" dirty="0" smtClean="0"/>
-              <a:t>Source code (Text) editor</a:t>
-            </a:r>
-          </a:p>
-          <a:p>
-            <a:r>
-              <a:rPr lang="en-US" dirty="0" smtClean="0"/>
-              <a:t>Simple text files – can open in Notepad</a:t>
-            </a:r>
-          </a:p>
-          <a:p>
-            <a:r>
-              <a:rPr lang="en-US" dirty="0" smtClean="0"/>
-              <a:t>Color highlights</a:t>
-            </a:r>
-          </a:p>
-          <a:p>
-            <a:endParaRPr lang="en-US" dirty="0" smtClean="0"/>
-          </a:p>
-          <a:p>
-            <a:pPr lvl="1"/>
-            <a:endParaRPr lang="en-US" dirty="0" smtClean="0"/>
-          </a:p>
-          <a:p>
-            <a:endParaRPr lang="en-US" dirty="0"/>
+              <a:rPr lang="en-US" dirty="0"/>
+              <a:t>The class Statement</a:t>
+            </a:r>
+          </a:p>
+        </p:txBody>
+      </p:sp>
+      <p:sp>
+        <p:nvSpPr>
+          <p:cNvPr id="8" name="Rectangular Callout 7"/>
+          <p:cNvSpPr/>
+          <p:nvPr/>
+        </p:nvSpPr>
+        <p:spPr>
+          <a:xfrm>
+            <a:off x="1066800" y="2438400"/>
+            <a:ext cx="2362200" cy="914400"/>
+          </a:xfrm>
+          <a:prstGeom prst="wedgeRectCallout">
+            <a:avLst>
+              <a:gd name="adj1" fmla="val 4141"/>
+              <a:gd name="adj2" fmla="val 93146"/>
+            </a:avLst>
+          </a:prstGeom>
+          <a:solidFill>
+            <a:schemeClr val="bg1"/>
+          </a:solidFill>
+        </p:spPr>
+        <p:style>
+          <a:lnRef idx="2">
+            <a:schemeClr val="accent1">
+              <a:shade val="50000"/>
+            </a:schemeClr>
+          </a:lnRef>
+          <a:fillRef idx="1">
+            <a:schemeClr val="accent1"/>
+          </a:fillRef>
+          <a:effectRef idx="0">
+            <a:schemeClr val="accent1"/>
+          </a:effectRef>
+          <a:fontRef idx="minor">
+            <a:schemeClr val="lt1"/>
+          </a:fontRef>
+        </p:style>
+        <p:txBody>
+          <a:bodyPr rtlCol="0" anchor="ctr"/>
+          <a:lstStyle/>
+          <a:p>
+            <a:r>
+              <a:rPr lang="en-US" dirty="0">
+                <a:solidFill>
+                  <a:schemeClr val="tx1"/>
+                </a:solidFill>
+              </a:rPr>
+              <a:t>Gives your class (program) a name: </a:t>
+            </a:r>
+            <a:r>
+              <a:rPr lang="en-US" dirty="0" err="1">
+                <a:solidFill>
+                  <a:schemeClr val="tx1"/>
+                </a:solidFill>
+              </a:rPr>
+              <a:t>HelloWorld</a:t>
+            </a:r>
+            <a:endParaRPr lang="en-US" dirty="0">
+              <a:solidFill>
+                <a:schemeClr val="tx1"/>
+              </a:solidFill>
+            </a:endParaRPr>
+          </a:p>
+        </p:txBody>
+      </p:sp>
+      <p:sp>
+        <p:nvSpPr>
+          <p:cNvPr id="7" name="Rectangular Callout 6"/>
+          <p:cNvSpPr/>
+          <p:nvPr/>
+        </p:nvSpPr>
+        <p:spPr>
+          <a:xfrm>
+            <a:off x="5867400" y="2438400"/>
+            <a:ext cx="2362200" cy="914400"/>
+          </a:xfrm>
+          <a:prstGeom prst="wedgeRectCallout">
+            <a:avLst>
+              <a:gd name="adj1" fmla="val -186285"/>
+              <a:gd name="adj2" fmla="val -110080"/>
+            </a:avLst>
+          </a:prstGeom>
+          <a:solidFill>
+            <a:schemeClr val="bg1"/>
+          </a:solidFill>
+        </p:spPr>
+        <p:style>
+          <a:lnRef idx="2">
+            <a:schemeClr val="accent1">
+              <a:shade val="50000"/>
+            </a:schemeClr>
+          </a:lnRef>
+          <a:fillRef idx="1">
+            <a:schemeClr val="accent1"/>
+          </a:fillRef>
+          <a:effectRef idx="0">
+            <a:schemeClr val="accent1"/>
+          </a:effectRef>
+          <a:fontRef idx="minor">
+            <a:schemeClr val="lt1"/>
+          </a:fontRef>
+        </p:style>
+        <p:txBody>
+          <a:bodyPr rtlCol="0" anchor="ctr"/>
+          <a:lstStyle/>
+          <a:p>
+            <a:r>
+              <a:rPr lang="en-US" dirty="0">
+                <a:solidFill>
+                  <a:schemeClr val="tx1"/>
+                </a:solidFill>
+              </a:rPr>
+              <a:t>In Java class name always matches the file name</a:t>
+            </a:r>
           </a:p>
         </p:txBody>
       </p:sp>
     </p:spTree>
     <p:extLst>
       <p:ext uri="{BB962C8B-B14F-4D97-AF65-F5344CB8AC3E}">
-        <p14:creationId xmlns:p14="http://schemas.microsoft.com/office/powerpoint/2010/main" val="1663183183"/>
+        <p14:creationId xmlns:p14="http://schemas.microsoft.com/office/powerpoint/2010/main" val="1642368883"/>
       </p:ext>
     </p:extLst>
   </p:cSld>
@@ -4845,7 +5224,7 @@
           <a:p>
             <a:r>
               <a:rPr lang="en-US" dirty="0" smtClean="0"/>
-              <a:t>Creating a Project for This Class</a:t>
+              <a:t>What the main Statement Does</a:t>
             </a:r>
             <a:endParaRPr lang="en-US" dirty="0"/>
           </a:p>
@@ -4866,115 +5245,196 @@
           <a:bodyPr/>
           <a:lstStyle/>
           <a:p>
-            <a:r>
-              <a:rPr lang="en-US" dirty="0" smtClean="0"/>
-              <a:t>We need to create a project for this class</a:t>
-            </a:r>
-          </a:p>
-          <a:p>
-            <a:r>
-              <a:rPr lang="en-US" dirty="0" smtClean="0"/>
-              <a:t>All our programs will go into this project</a:t>
-            </a:r>
-          </a:p>
-          <a:p>
-            <a:pPr marL="788670" lvl="1" indent="-514350">
-              <a:buFont typeface="+mj-lt"/>
-              <a:buAutoNum type="arabicPeriod"/>
-            </a:pPr>
-            <a:r>
-              <a:rPr lang="en-US" dirty="0" smtClean="0"/>
-              <a:t>Open </a:t>
-            </a:r>
-            <a:r>
-              <a:rPr lang="en-US" dirty="0" err="1" smtClean="0"/>
-              <a:t>Netbeans</a:t>
-            </a:r>
             <a:endParaRPr lang="en-US" dirty="0" smtClean="0"/>
           </a:p>
           <a:p>
-            <a:pPr marL="788670" lvl="1" indent="-514350">
-              <a:buFont typeface="+mj-lt"/>
-              <a:buAutoNum type="arabicPeriod"/>
-            </a:pPr>
-            <a:r>
-              <a:rPr lang="en-US" dirty="0" smtClean="0"/>
-              <a:t>Select File &gt; New Project</a:t>
-            </a:r>
-          </a:p>
-          <a:p>
-            <a:pPr marL="1062990" lvl="2" indent="-514350">
-              <a:buFont typeface="+mj-lt"/>
-              <a:buAutoNum type="arabicPeriod"/>
-            </a:pPr>
-            <a:r>
-              <a:rPr lang="en-US" dirty="0" smtClean="0"/>
-              <a:t>Category: Java</a:t>
-            </a:r>
-          </a:p>
-          <a:p>
-            <a:pPr marL="1062990" lvl="2" indent="-514350">
-              <a:buFont typeface="+mj-lt"/>
-              <a:buAutoNum type="arabicPeriod"/>
-            </a:pPr>
-            <a:r>
-              <a:rPr lang="en-US" dirty="0" smtClean="0"/>
-              <a:t>Project: Java Application</a:t>
-            </a:r>
-          </a:p>
-          <a:p>
-            <a:pPr marL="1062990" lvl="2" indent="-514350">
-              <a:buFont typeface="+mj-lt"/>
-              <a:buAutoNum type="arabicPeriod"/>
-            </a:pPr>
-            <a:r>
-              <a:rPr lang="en-US" dirty="0" smtClean="0"/>
-              <a:t>Click Next</a:t>
-            </a:r>
-          </a:p>
-          <a:p>
-            <a:pPr marL="788670" lvl="1" indent="-514350">
-              <a:buFont typeface="+mj-lt"/>
-              <a:buAutoNum type="arabicPeriod"/>
-            </a:pPr>
-            <a:r>
-              <a:rPr lang="en-US" dirty="0" smtClean="0"/>
-              <a:t>Project Name: Java24</a:t>
-            </a:r>
-          </a:p>
-          <a:p>
-            <a:pPr marL="1062990" lvl="2" indent="-514350">
-              <a:buFont typeface="+mj-lt"/>
-              <a:buAutoNum type="arabicPeriod"/>
-            </a:pPr>
-            <a:r>
-              <a:rPr lang="en-US" dirty="0" smtClean="0"/>
-              <a:t>Deselect “Create Main Class”</a:t>
-            </a:r>
-          </a:p>
-          <a:p>
-            <a:pPr marL="1062990" lvl="2" indent="-514350">
-              <a:buFont typeface="+mj-lt"/>
-              <a:buAutoNum type="arabicPeriod"/>
-            </a:pPr>
-            <a:r>
-              <a:rPr lang="en-US" dirty="0" smtClean="0"/>
-              <a:t>Click Finish</a:t>
-            </a:r>
-          </a:p>
-          <a:p>
-            <a:pPr marL="1062990" lvl="2" indent="-514350">
-              <a:buFont typeface="+mj-lt"/>
-              <a:buAutoNum type="arabicPeriod"/>
-            </a:pPr>
             <a:endParaRPr lang="en-US" dirty="0"/>
+          </a:p>
+          <a:p>
+            <a:r>
+              <a:rPr lang="en-US" dirty="0" smtClean="0"/>
+              <a:t>The main part of the program begins here</a:t>
+            </a:r>
+          </a:p>
+          <a:p>
+            <a:pPr lvl="1"/>
+            <a:r>
+              <a:rPr lang="en-US" dirty="0" smtClean="0"/>
+              <a:t>Programs always start with main</a:t>
+            </a:r>
+          </a:p>
+          <a:p>
+            <a:r>
+              <a:rPr lang="en-US" dirty="0" smtClean="0"/>
+              <a:t>Exceptions: applets and servlets</a:t>
+            </a:r>
+          </a:p>
+          <a:p>
+            <a:pPr lvl="1"/>
+            <a:endParaRPr lang="en-US" dirty="0"/>
+          </a:p>
+        </p:txBody>
+      </p:sp>
+      <p:pic>
+        <p:nvPicPr>
+          <p:cNvPr id="7" name="Picture 2"/>
+          <p:cNvPicPr>
+            <a:picLocks noChangeAspect="1" noChangeArrowheads="1"/>
+          </p:cNvPicPr>
+          <p:nvPr/>
+        </p:nvPicPr>
+        <p:blipFill rotWithShape="1">
+          <a:blip r:embed="rId2">
+            <a:extLst>
+              <a:ext uri="{28A0092B-C50C-407E-A947-70E740481C1C}">
+                <a14:useLocalDpi xmlns:a14="http://schemas.microsoft.com/office/drawing/2010/main" val="0"/>
+              </a:ext>
+            </a:extLst>
+          </a:blip>
+          <a:srcRect l="30000" t="12000" b="32000"/>
+          <a:stretch/>
+        </p:blipFill>
+        <p:spPr bwMode="auto">
+          <a:xfrm>
+            <a:off x="457200" y="1836102"/>
+            <a:ext cx="8229600" cy="3703320"/>
+          </a:xfrm>
+          <a:prstGeom prst="rect">
+            <a:avLst/>
+          </a:prstGeom>
+          <a:noFill/>
+          <a:ln>
+            <a:noFill/>
+          </a:ln>
+          <a:extLst>
+            <a:ext uri="{909E8E84-426E-40DD-AFC4-6F175D3DCCD1}">
+              <a14:hiddenFill xmlns:a14="http://schemas.microsoft.com/office/drawing/2010/main">
+                <a:solidFill>
+                  <a:schemeClr val="accent1"/>
+                </a:solidFill>
+              </a14:hiddenFill>
+            </a:ext>
+            <a:ext uri="{91240B29-F687-4F45-9708-019B960494DF}">
+              <a14:hiddenLine xmlns:a14="http://schemas.microsoft.com/office/drawing/2010/main" w="9525">
+                <a:solidFill>
+                  <a:schemeClr val="tx1"/>
+                </a:solidFill>
+                <a:miter lim="800000"/>
+                <a:headEnd/>
+                <a:tailEnd/>
+              </a14:hiddenLine>
+            </a:ext>
+          </a:extLst>
+        </p:spPr>
+      </p:pic>
+      <p:sp>
+        <p:nvSpPr>
+          <p:cNvPr id="8" name="Rectangular Callout 7"/>
+          <p:cNvSpPr/>
+          <p:nvPr/>
+        </p:nvSpPr>
+        <p:spPr>
+          <a:xfrm>
+            <a:off x="1066800" y="2438400"/>
+            <a:ext cx="2362200" cy="914400"/>
+          </a:xfrm>
+          <a:prstGeom prst="wedgeRectCallout">
+            <a:avLst>
+              <a:gd name="adj1" fmla="val 25369"/>
+              <a:gd name="adj2" fmla="val 114114"/>
+            </a:avLst>
+          </a:prstGeom>
+          <a:solidFill>
+            <a:schemeClr val="bg1"/>
+          </a:solidFill>
+        </p:spPr>
+        <p:style>
+          <a:lnRef idx="2">
+            <a:schemeClr val="accent1">
+              <a:shade val="50000"/>
+            </a:schemeClr>
+          </a:lnRef>
+          <a:fillRef idx="1">
+            <a:schemeClr val="accent1"/>
+          </a:fillRef>
+          <a:effectRef idx="0">
+            <a:schemeClr val="accent1"/>
+          </a:effectRef>
+          <a:fontRef idx="minor">
+            <a:schemeClr val="lt1"/>
+          </a:fontRef>
+        </p:style>
+        <p:txBody>
+          <a:bodyPr rtlCol="0" anchor="ctr"/>
+          <a:lstStyle/>
+          <a:p>
+            <a:r>
+              <a:rPr lang="en-US" dirty="0">
+                <a:solidFill>
+                  <a:schemeClr val="tx1"/>
+                </a:solidFill>
+              </a:rPr>
+              <a:t>The main part of the program begins here</a:t>
+            </a:r>
+          </a:p>
+        </p:txBody>
+      </p:sp>
+      <p:sp>
+        <p:nvSpPr>
+          <p:cNvPr id="9" name="Rectangular Callout 8"/>
+          <p:cNvSpPr/>
+          <p:nvPr/>
+        </p:nvSpPr>
+        <p:spPr>
+          <a:xfrm>
+            <a:off x="3505200" y="2438400"/>
+            <a:ext cx="2362200" cy="914400"/>
+          </a:xfrm>
+          <a:prstGeom prst="wedgeRectCallout">
+            <a:avLst>
+              <a:gd name="adj1" fmla="val -76399"/>
+              <a:gd name="adj2" fmla="val 112500"/>
+            </a:avLst>
+          </a:prstGeom>
+          <a:solidFill>
+            <a:schemeClr val="bg1"/>
+          </a:solidFill>
+        </p:spPr>
+        <p:style>
+          <a:lnRef idx="2">
+            <a:schemeClr val="accent1">
+              <a:shade val="50000"/>
+            </a:schemeClr>
+          </a:lnRef>
+          <a:fillRef idx="1">
+            <a:schemeClr val="accent1"/>
+          </a:fillRef>
+          <a:effectRef idx="0">
+            <a:schemeClr val="accent1"/>
+          </a:effectRef>
+          <a:fontRef idx="minor">
+            <a:schemeClr val="lt1"/>
+          </a:fontRef>
+        </p:style>
+        <p:txBody>
+          <a:bodyPr rtlCol="0" anchor="ctr"/>
+          <a:lstStyle/>
+          <a:p>
+            <a:r>
+              <a:rPr lang="en-US" dirty="0">
+                <a:solidFill>
+                  <a:schemeClr val="tx1"/>
+                </a:solidFill>
+              </a:rPr>
+              <a:t>Programs always start with main</a:t>
+            </a:r>
           </a:p>
         </p:txBody>
       </p:sp>
     </p:spTree>
     <p:extLst>
       <p:ext uri="{BB962C8B-B14F-4D97-AF65-F5344CB8AC3E}">
-        <p14:creationId xmlns:p14="http://schemas.microsoft.com/office/powerpoint/2010/main" val="1900484659"/>
+        <p14:creationId xmlns:p14="http://schemas.microsoft.com/office/powerpoint/2010/main" val="1190870662"/>
       </p:ext>
     </p:extLst>
   </p:cSld>
@@ -5024,152 +5484,336 @@
           <a:lstStyle/>
           <a:p>
             <a:r>
-              <a:rPr lang="en-US" dirty="0" smtClean="0"/>
-              <a:t>Beginning the “Hello World” Program</a:t>
-            </a:r>
+              <a:rPr lang="en-US" dirty="0"/>
+              <a:t>Those Squiggly Bracket Marks</a:t>
+            </a:r>
+          </a:p>
+        </p:txBody>
+      </p:sp>
+      <p:sp>
+        <p:nvSpPr>
+          <p:cNvPr id="5" name="Content Placeholder 4"/>
+          <p:cNvSpPr>
+            <a:spLocks noGrp="1"/>
+          </p:cNvSpPr>
+          <p:nvPr>
+            <p:ph sz="quarter" idx="1"/>
+          </p:nvPr>
+        </p:nvSpPr>
+        <p:spPr/>
+        <p:txBody>
+          <a:bodyPr/>
+          <a:lstStyle/>
+          <a:p>
+            <a:endParaRPr lang="en-US" dirty="0" smtClean="0"/>
+          </a:p>
+          <a:p>
             <a:endParaRPr lang="en-US" dirty="0"/>
           </a:p>
-        </p:txBody>
-      </p:sp>
-      <p:sp>
-        <p:nvSpPr>
-          <p:cNvPr id="5" name="Content Placeholder 4"/>
-          <p:cNvSpPr>
-            <a:spLocks noGrp="1"/>
-          </p:cNvSpPr>
-          <p:nvPr>
-            <p:ph sz="quarter" idx="1"/>
-          </p:nvPr>
-        </p:nvSpPr>
-        <p:spPr/>
-        <p:txBody>
-          <a:bodyPr>
-            <a:normAutofit lnSpcReduction="10000"/>
-          </a:bodyPr>
-          <a:lstStyle/>
-          <a:p>
-            <a:r>
-              <a:rPr lang="en-US" dirty="0" smtClean="0"/>
-              <a:t>Our first program will simply print “Hello World” on the screen</a:t>
-            </a:r>
-          </a:p>
-          <a:p>
-            <a:r>
-              <a:rPr lang="en-US" dirty="0" smtClean="0"/>
-              <a:t>Add a new program to the Java24 Project</a:t>
-            </a:r>
-          </a:p>
-          <a:p>
-            <a:pPr marL="731520" lvl="1" indent="-457200">
-              <a:buFont typeface="+mj-lt"/>
-              <a:buAutoNum type="arabicPeriod"/>
-            </a:pPr>
-            <a:r>
-              <a:rPr lang="en-US" dirty="0" smtClean="0"/>
-              <a:t>File &gt; New File</a:t>
-            </a:r>
-          </a:p>
-          <a:p>
-            <a:pPr marL="1005840" lvl="2" indent="-457200">
-              <a:buFont typeface="+mj-lt"/>
-              <a:buAutoNum type="arabicPeriod"/>
-            </a:pPr>
-            <a:r>
-              <a:rPr lang="en-US" dirty="0" smtClean="0"/>
-              <a:t>Project: Java24</a:t>
-            </a:r>
-          </a:p>
-          <a:p>
-            <a:pPr marL="1005840" lvl="2" indent="-457200">
-              <a:buFont typeface="+mj-lt"/>
-              <a:buAutoNum type="arabicPeriod"/>
-            </a:pPr>
-            <a:r>
-              <a:rPr lang="en-US" dirty="0" smtClean="0"/>
-              <a:t>Categories: Java</a:t>
-            </a:r>
-          </a:p>
-          <a:p>
-            <a:pPr marL="1005840" lvl="2" indent="-457200">
-              <a:buFont typeface="+mj-lt"/>
-              <a:buAutoNum type="arabicPeriod"/>
-            </a:pPr>
-            <a:r>
-              <a:rPr lang="en-US" dirty="0" smtClean="0"/>
-              <a:t>File Types: Empty Java File</a:t>
-            </a:r>
-          </a:p>
-          <a:p>
-            <a:pPr marL="1005840" lvl="2" indent="-457200">
-              <a:buFont typeface="+mj-lt"/>
-              <a:buAutoNum type="arabicPeriod"/>
-            </a:pPr>
-            <a:r>
-              <a:rPr lang="en-US" dirty="0" smtClean="0"/>
-              <a:t>Click Next</a:t>
-            </a:r>
-          </a:p>
-          <a:p>
-            <a:pPr marL="731520" lvl="1" indent="-457200">
-              <a:buFont typeface="+mj-lt"/>
-              <a:buAutoNum type="arabicPeriod"/>
-            </a:pPr>
-            <a:r>
-              <a:rPr lang="en-US" dirty="0" smtClean="0"/>
-              <a:t>Name and Location</a:t>
-            </a:r>
-          </a:p>
-          <a:p>
-            <a:pPr marL="1005840" lvl="2" indent="-457200">
-              <a:buFont typeface="+mj-lt"/>
-              <a:buAutoNum type="arabicPeriod"/>
-            </a:pPr>
-            <a:r>
-              <a:rPr lang="en-US" dirty="0" smtClean="0"/>
-              <a:t>Name: </a:t>
-            </a:r>
-            <a:r>
-              <a:rPr lang="en-US" dirty="0" err="1" smtClean="0"/>
-              <a:t>HelloWorld</a:t>
-            </a:r>
-            <a:endParaRPr lang="en-US" dirty="0" smtClean="0"/>
-          </a:p>
-          <a:p>
-            <a:pPr marL="1005840" lvl="2" indent="-457200">
-              <a:buFont typeface="+mj-lt"/>
-              <a:buAutoNum type="arabicPeriod"/>
-            </a:pPr>
-            <a:r>
-              <a:rPr lang="en-US" dirty="0" smtClean="0"/>
-              <a:t>Package: &lt;blank&gt;</a:t>
-            </a:r>
-          </a:p>
-          <a:p>
-            <a:pPr marL="1005840" lvl="2" indent="-457200">
-              <a:buFont typeface="+mj-lt"/>
-              <a:buAutoNum type="arabicPeriod"/>
-            </a:pPr>
-            <a:r>
-              <a:rPr lang="en-US" dirty="0" smtClean="0"/>
-              <a:t>Note created file name (HelloWorld.java)</a:t>
-            </a:r>
-          </a:p>
-          <a:p>
-            <a:pPr marL="1005840" lvl="2" indent="-457200">
-              <a:buFont typeface="+mj-lt"/>
-              <a:buAutoNum type="arabicPeriod"/>
-            </a:pPr>
-            <a:r>
-              <a:rPr lang="en-US" dirty="0" smtClean="0"/>
-              <a:t>Click Finish</a:t>
-            </a:r>
+          <a:p>
+            <a:r>
+              <a:rPr lang="en-US" dirty="0" smtClean="0"/>
+              <a:t>The main part of the program begins here</a:t>
+            </a:r>
+          </a:p>
+          <a:p>
+            <a:pPr lvl="1"/>
+            <a:r>
+              <a:rPr lang="en-US" dirty="0" smtClean="0"/>
+              <a:t>Programs always start with main</a:t>
+            </a:r>
+          </a:p>
+          <a:p>
+            <a:r>
+              <a:rPr lang="en-US" dirty="0" smtClean="0"/>
+              <a:t>Exceptions: applets and servlets</a:t>
+            </a:r>
+          </a:p>
+          <a:p>
+            <a:pPr lvl="1"/>
+            <a:endParaRPr lang="en-US" dirty="0"/>
+          </a:p>
+        </p:txBody>
+      </p:sp>
+      <p:pic>
+        <p:nvPicPr>
+          <p:cNvPr id="7" name="Picture 2"/>
+          <p:cNvPicPr>
+            <a:picLocks noChangeAspect="1" noChangeArrowheads="1"/>
+          </p:cNvPicPr>
+          <p:nvPr/>
+        </p:nvPicPr>
+        <p:blipFill rotWithShape="1">
+          <a:blip r:embed="rId2">
+            <a:extLst>
+              <a:ext uri="{28A0092B-C50C-407E-A947-70E740481C1C}">
+                <a14:useLocalDpi xmlns:a14="http://schemas.microsoft.com/office/drawing/2010/main" val="0"/>
+              </a:ext>
+            </a:extLst>
+          </a:blip>
+          <a:srcRect l="30000" t="12000" b="32000"/>
+          <a:stretch/>
+        </p:blipFill>
+        <p:spPr bwMode="auto">
+          <a:xfrm>
+            <a:off x="457200" y="1836102"/>
+            <a:ext cx="8229600" cy="3703320"/>
+          </a:xfrm>
+          <a:prstGeom prst="rect">
+            <a:avLst/>
+          </a:prstGeom>
+          <a:noFill/>
+          <a:ln>
+            <a:noFill/>
+          </a:ln>
+          <a:extLst>
+            <a:ext uri="{909E8E84-426E-40DD-AFC4-6F175D3DCCD1}">
+              <a14:hiddenFill xmlns:a14="http://schemas.microsoft.com/office/drawing/2010/main">
+                <a:solidFill>
+                  <a:schemeClr val="accent1"/>
+                </a:solidFill>
+              </a14:hiddenFill>
+            </a:ext>
+            <a:ext uri="{91240B29-F687-4F45-9708-019B960494DF}">
+              <a14:hiddenLine xmlns:a14="http://schemas.microsoft.com/office/drawing/2010/main" w="9525">
+                <a:solidFill>
+                  <a:schemeClr val="tx1"/>
+                </a:solidFill>
+                <a:miter lim="800000"/>
+                <a:headEnd/>
+                <a:tailEnd/>
+              </a14:hiddenLine>
+            </a:ext>
+          </a:extLst>
+        </p:spPr>
+      </p:pic>
+      <p:sp>
+        <p:nvSpPr>
+          <p:cNvPr id="8" name="Rectangular Callout 7"/>
+          <p:cNvSpPr/>
+          <p:nvPr/>
+        </p:nvSpPr>
+        <p:spPr>
+          <a:xfrm>
+            <a:off x="5943600" y="2286000"/>
+            <a:ext cx="2362200" cy="304800"/>
+          </a:xfrm>
+          <a:prstGeom prst="wedgeRectCallout">
+            <a:avLst>
+              <a:gd name="adj1" fmla="val -181291"/>
+              <a:gd name="adj2" fmla="val 438307"/>
+            </a:avLst>
+          </a:prstGeom>
+          <a:solidFill>
+            <a:schemeClr val="bg1"/>
+          </a:solidFill>
+        </p:spPr>
+        <p:style>
+          <a:lnRef idx="2">
+            <a:schemeClr val="accent1">
+              <a:shade val="50000"/>
+            </a:schemeClr>
+          </a:lnRef>
+          <a:fillRef idx="1">
+            <a:schemeClr val="accent1"/>
+          </a:fillRef>
+          <a:effectRef idx="0">
+            <a:schemeClr val="accent1"/>
+          </a:effectRef>
+          <a:fontRef idx="minor">
+            <a:schemeClr val="lt1"/>
+          </a:fontRef>
+        </p:style>
+        <p:txBody>
+          <a:bodyPr rtlCol="0" anchor="ctr"/>
+          <a:lstStyle/>
+          <a:p>
+            <a:r>
+              <a:rPr lang="en-US" dirty="0">
+                <a:solidFill>
+                  <a:schemeClr val="tx1"/>
+                </a:solidFill>
+              </a:rPr>
+              <a:t>{ and } enclose blocks</a:t>
+            </a:r>
+          </a:p>
+        </p:txBody>
+      </p:sp>
+      <p:sp>
+        <p:nvSpPr>
+          <p:cNvPr id="9" name="Rectangular Callout 8"/>
+          <p:cNvSpPr/>
+          <p:nvPr/>
+        </p:nvSpPr>
+        <p:spPr>
+          <a:xfrm>
+            <a:off x="5958348" y="2984090"/>
+            <a:ext cx="2362200" cy="304800"/>
+          </a:xfrm>
+          <a:prstGeom prst="wedgeRectCallout">
+            <a:avLst>
+              <a:gd name="adj1" fmla="val -180665"/>
+              <a:gd name="adj2" fmla="val 228629"/>
+            </a:avLst>
+          </a:prstGeom>
+          <a:solidFill>
+            <a:schemeClr val="bg1"/>
+          </a:solidFill>
+        </p:spPr>
+        <p:style>
+          <a:lnRef idx="2">
+            <a:schemeClr val="accent1">
+              <a:shade val="50000"/>
+            </a:schemeClr>
+          </a:lnRef>
+          <a:fillRef idx="1">
+            <a:schemeClr val="accent1"/>
+          </a:fillRef>
+          <a:effectRef idx="0">
+            <a:schemeClr val="accent1"/>
+          </a:effectRef>
+          <a:fontRef idx="minor">
+            <a:schemeClr val="lt1"/>
+          </a:fontRef>
+        </p:style>
+        <p:txBody>
+          <a:bodyPr rtlCol="0" anchor="ctr"/>
+          <a:lstStyle/>
+          <a:p>
+            <a:r>
+              <a:rPr lang="en-US" dirty="0" smtClean="0">
+                <a:solidFill>
+                  <a:schemeClr val="tx1"/>
+                </a:solidFill>
+              </a:rPr>
+              <a:t>Class Block</a:t>
+            </a:r>
+            <a:endParaRPr lang="en-US" dirty="0">
+              <a:solidFill>
+                <a:schemeClr val="tx1"/>
+              </a:solidFill>
+            </a:endParaRPr>
+          </a:p>
+        </p:txBody>
+      </p:sp>
+      <p:sp>
+        <p:nvSpPr>
+          <p:cNvPr id="10" name="Rectangular Callout 9"/>
+          <p:cNvSpPr/>
+          <p:nvPr/>
+        </p:nvSpPr>
+        <p:spPr>
+          <a:xfrm>
+            <a:off x="5958348" y="3535362"/>
+            <a:ext cx="2362200" cy="304800"/>
+          </a:xfrm>
+          <a:prstGeom prst="wedgeRectCallout">
+            <a:avLst>
+              <a:gd name="adj1" fmla="val -97002"/>
+              <a:gd name="adj2" fmla="val 107661"/>
+            </a:avLst>
+          </a:prstGeom>
+          <a:solidFill>
+            <a:schemeClr val="bg1"/>
+          </a:solidFill>
+        </p:spPr>
+        <p:style>
+          <a:lnRef idx="2">
+            <a:schemeClr val="accent1">
+              <a:shade val="50000"/>
+            </a:schemeClr>
+          </a:lnRef>
+          <a:fillRef idx="1">
+            <a:schemeClr val="accent1"/>
+          </a:fillRef>
+          <a:effectRef idx="0">
+            <a:schemeClr val="accent1"/>
+          </a:effectRef>
+          <a:fontRef idx="minor">
+            <a:schemeClr val="lt1"/>
+          </a:fontRef>
+        </p:style>
+        <p:txBody>
+          <a:bodyPr rtlCol="0" anchor="ctr"/>
+          <a:lstStyle/>
+          <a:p>
+            <a:r>
+              <a:rPr lang="en-US" dirty="0" smtClean="0">
+                <a:solidFill>
+                  <a:schemeClr val="tx1"/>
+                </a:solidFill>
+              </a:rPr>
+              <a:t>Main Function block</a:t>
+            </a:r>
+            <a:endParaRPr lang="en-US" dirty="0">
+              <a:solidFill>
+                <a:schemeClr val="tx1"/>
+              </a:solidFill>
+            </a:endParaRPr>
+          </a:p>
+        </p:txBody>
+      </p:sp>
+      <p:sp>
+        <p:nvSpPr>
+          <p:cNvPr id="11" name="Rectangular Callout 10"/>
+          <p:cNvSpPr/>
+          <p:nvPr/>
+        </p:nvSpPr>
+        <p:spPr>
+          <a:xfrm>
+            <a:off x="5958348" y="4114800"/>
+            <a:ext cx="2362200" cy="609600"/>
+          </a:xfrm>
+          <a:prstGeom prst="wedgeRectCallout">
+            <a:avLst>
+              <a:gd name="adj1" fmla="val -96378"/>
+              <a:gd name="adj2" fmla="val -61694"/>
+            </a:avLst>
+          </a:prstGeom>
+          <a:solidFill>
+            <a:schemeClr val="bg1"/>
+          </a:solidFill>
+        </p:spPr>
+        <p:style>
+          <a:lnRef idx="2">
+            <a:schemeClr val="accent1">
+              <a:shade val="50000"/>
+            </a:schemeClr>
+          </a:lnRef>
+          <a:fillRef idx="1">
+            <a:schemeClr val="accent1"/>
+          </a:fillRef>
+          <a:effectRef idx="0">
+            <a:schemeClr val="accent1"/>
+          </a:effectRef>
+          <a:fontRef idx="minor">
+            <a:schemeClr val="lt1"/>
+          </a:fontRef>
+        </p:style>
+        <p:txBody>
+          <a:bodyPr rtlCol="0" anchor="ctr"/>
+          <a:lstStyle/>
+          <a:p>
+            <a:r>
+              <a:rPr lang="en-US" dirty="0" smtClean="0">
+                <a:solidFill>
+                  <a:schemeClr val="tx1"/>
+                </a:solidFill>
+              </a:rPr>
+              <a:t>Blocks inside of blocks - Nesting</a:t>
+            </a:r>
+            <a:endParaRPr lang="en-US" dirty="0">
+              <a:solidFill>
+                <a:schemeClr val="tx1"/>
+              </a:solidFill>
+            </a:endParaRPr>
           </a:p>
         </p:txBody>
       </p:sp>
     </p:spTree>
     <p:extLst>
       <p:ext uri="{BB962C8B-B14F-4D97-AF65-F5344CB8AC3E}">
-        <p14:creationId xmlns:p14="http://schemas.microsoft.com/office/powerpoint/2010/main" val="3631166119"/>
+        <p14:creationId xmlns:p14="http://schemas.microsoft.com/office/powerpoint/2010/main" val="2156490076"/>
       </p:ext>
     </p:extLst>
   </p:cSld>
@@ -5359,876 +6003,6 @@
           <a:chExt cx="0" cy="0"/>
         </a:xfrm>
       </p:grpSpPr>
-      <p:pic>
-        <p:nvPicPr>
-          <p:cNvPr id="9" name="Picture 2"/>
-          <p:cNvPicPr>
-            <a:picLocks noGrp="1" noChangeAspect="1" noChangeArrowheads="1"/>
-          </p:cNvPicPr>
-          <p:nvPr>
-            <p:ph sz="quarter" idx="1"/>
-          </p:nvPr>
-        </p:nvPicPr>
-        <p:blipFill rotWithShape="1">
-          <a:blip r:embed="rId2">
-            <a:extLst>
-              <a:ext uri="{28A0092B-C50C-407E-A947-70E740481C1C}">
-                <a14:useLocalDpi xmlns:a14="http://schemas.microsoft.com/office/drawing/2010/main" val="0"/>
-              </a:ext>
-            </a:extLst>
-          </a:blip>
-          <a:srcRect l="30000" t="11334" b="32000"/>
-          <a:stretch/>
-        </p:blipFill>
-        <p:spPr bwMode="auto">
-          <a:xfrm>
-            <a:off x="457200" y="1814081"/>
-            <a:ext cx="8229600" cy="3747362"/>
-          </a:xfrm>
-          <a:prstGeom prst="rect">
-            <a:avLst/>
-          </a:prstGeom>
-          <a:noFill/>
-          <a:ln>
-            <a:noFill/>
-          </a:ln>
-          <a:extLst>
-            <a:ext uri="{909E8E84-426E-40DD-AFC4-6F175D3DCCD1}">
-              <a14:hiddenFill xmlns:a14="http://schemas.microsoft.com/office/drawing/2010/main">
-                <a:solidFill>
-                  <a:schemeClr val="accent1"/>
-                </a:solidFill>
-              </a14:hiddenFill>
-            </a:ext>
-            <a:ext uri="{91240B29-F687-4F45-9708-019B960494DF}">
-              <a14:hiddenLine xmlns:a14="http://schemas.microsoft.com/office/drawing/2010/main" w="9525">
-                <a:solidFill>
-                  <a:schemeClr val="tx1"/>
-                </a:solidFill>
-                <a:miter lim="800000"/>
-                <a:headEnd/>
-                <a:tailEnd/>
-              </a14:hiddenLine>
-            </a:ext>
-          </a:extLst>
-        </p:spPr>
-      </p:pic>
-      <p:sp>
-        <p:nvSpPr>
-          <p:cNvPr id="4" name="Title 3"/>
-          <p:cNvSpPr>
-            <a:spLocks noGrp="1"/>
-          </p:cNvSpPr>
-          <p:nvPr>
-            <p:ph type="title"/>
-          </p:nvPr>
-        </p:nvSpPr>
-        <p:spPr/>
-        <p:txBody>
-          <a:bodyPr/>
-          <a:lstStyle/>
-          <a:p>
-            <a:r>
-              <a:rPr lang="en-US" dirty="0"/>
-              <a:t>The class Statement</a:t>
-            </a:r>
-          </a:p>
-        </p:txBody>
-      </p:sp>
-      <p:sp>
-        <p:nvSpPr>
-          <p:cNvPr id="8" name="Rectangular Callout 7"/>
-          <p:cNvSpPr/>
-          <p:nvPr/>
-        </p:nvSpPr>
-        <p:spPr>
-          <a:xfrm>
-            <a:off x="1066800" y="2438400"/>
-            <a:ext cx="2362200" cy="914400"/>
-          </a:xfrm>
-          <a:prstGeom prst="wedgeRectCallout">
-            <a:avLst>
-              <a:gd name="adj1" fmla="val 4141"/>
-              <a:gd name="adj2" fmla="val 93146"/>
-            </a:avLst>
-          </a:prstGeom>
-          <a:solidFill>
-            <a:schemeClr val="bg1"/>
-          </a:solidFill>
-        </p:spPr>
-        <p:style>
-          <a:lnRef idx="2">
-            <a:schemeClr val="accent1">
-              <a:shade val="50000"/>
-            </a:schemeClr>
-          </a:lnRef>
-          <a:fillRef idx="1">
-            <a:schemeClr val="accent1"/>
-          </a:fillRef>
-          <a:effectRef idx="0">
-            <a:schemeClr val="accent1"/>
-          </a:effectRef>
-          <a:fontRef idx="minor">
-            <a:schemeClr val="lt1"/>
-          </a:fontRef>
-        </p:style>
-        <p:txBody>
-          <a:bodyPr rtlCol="0" anchor="ctr"/>
-          <a:lstStyle/>
-          <a:p>
-            <a:r>
-              <a:rPr lang="en-US" dirty="0">
-                <a:solidFill>
-                  <a:schemeClr val="tx1"/>
-                </a:solidFill>
-              </a:rPr>
-              <a:t>Gives your class (program) a name: </a:t>
-            </a:r>
-            <a:r>
-              <a:rPr lang="en-US" dirty="0" err="1">
-                <a:solidFill>
-                  <a:schemeClr val="tx1"/>
-                </a:solidFill>
-              </a:rPr>
-              <a:t>HelloWorld</a:t>
-            </a:r>
-            <a:endParaRPr lang="en-US" dirty="0">
-              <a:solidFill>
-                <a:schemeClr val="tx1"/>
-              </a:solidFill>
-            </a:endParaRPr>
-          </a:p>
-        </p:txBody>
-      </p:sp>
-      <p:sp>
-        <p:nvSpPr>
-          <p:cNvPr id="7" name="Rectangular Callout 6"/>
-          <p:cNvSpPr/>
-          <p:nvPr/>
-        </p:nvSpPr>
-        <p:spPr>
-          <a:xfrm>
-            <a:off x="5867400" y="2438400"/>
-            <a:ext cx="2362200" cy="914400"/>
-          </a:xfrm>
-          <a:prstGeom prst="wedgeRectCallout">
-            <a:avLst>
-              <a:gd name="adj1" fmla="val -186285"/>
-              <a:gd name="adj2" fmla="val -110080"/>
-            </a:avLst>
-          </a:prstGeom>
-          <a:solidFill>
-            <a:schemeClr val="bg1"/>
-          </a:solidFill>
-        </p:spPr>
-        <p:style>
-          <a:lnRef idx="2">
-            <a:schemeClr val="accent1">
-              <a:shade val="50000"/>
-            </a:schemeClr>
-          </a:lnRef>
-          <a:fillRef idx="1">
-            <a:schemeClr val="accent1"/>
-          </a:fillRef>
-          <a:effectRef idx="0">
-            <a:schemeClr val="accent1"/>
-          </a:effectRef>
-          <a:fontRef idx="minor">
-            <a:schemeClr val="lt1"/>
-          </a:fontRef>
-        </p:style>
-        <p:txBody>
-          <a:bodyPr rtlCol="0" anchor="ctr"/>
-          <a:lstStyle/>
-          <a:p>
-            <a:r>
-              <a:rPr lang="en-US" dirty="0">
-                <a:solidFill>
-                  <a:schemeClr val="tx1"/>
-                </a:solidFill>
-              </a:rPr>
-              <a:t>In Java class name always matches the file name</a:t>
-            </a:r>
-          </a:p>
-        </p:txBody>
-      </p:sp>
-    </p:spTree>
-    <p:extLst>
-      <p:ext uri="{BB962C8B-B14F-4D97-AF65-F5344CB8AC3E}">
-        <p14:creationId xmlns:p14="http://schemas.microsoft.com/office/powerpoint/2010/main" val="1642368883"/>
-      </p:ext>
-    </p:extLst>
-  </p:cSld>
-  <p:clrMapOvr>
-    <a:masterClrMapping/>
-  </p:clrMapOvr>
-  <p:timing>
-    <p:tnLst>
-      <p:par>
-        <p:cTn id="1" dur="indefinite" restart="never" nodeType="tmRoot"/>
-      </p:par>
-    </p:tnLst>
-  </p:timing>
-</p:sld>
-</file>
-
-<file path=ppt/slides/slide21.xml><?xml version="1.0" encoding="utf-8"?>
-<p:sld xmlns:a="http://schemas.openxmlformats.org/drawingml/2006/main" xmlns:r="http://schemas.openxmlformats.org/officeDocument/2006/relationships" xmlns:p="http://schemas.openxmlformats.org/presentationml/2006/main">
-  <p:cSld>
-    <p:spTree>
-      <p:nvGrpSpPr>
-        <p:cNvPr id="1" name=""/>
-        <p:cNvGrpSpPr/>
-        <p:nvPr/>
-      </p:nvGrpSpPr>
-      <p:grpSpPr>
-        <a:xfrm>
-          <a:off x="0" y="0"/>
-          <a:ext cx="0" cy="0"/>
-          <a:chOff x="0" y="0"/>
-          <a:chExt cx="0" cy="0"/>
-        </a:xfrm>
-      </p:grpSpPr>
-      <p:sp>
-        <p:nvSpPr>
-          <p:cNvPr id="4" name="Title 3"/>
-          <p:cNvSpPr>
-            <a:spLocks noGrp="1"/>
-          </p:cNvSpPr>
-          <p:nvPr>
-            <p:ph type="title"/>
-          </p:nvPr>
-        </p:nvSpPr>
-        <p:spPr/>
-        <p:txBody>
-          <a:bodyPr/>
-          <a:lstStyle/>
-          <a:p>
-            <a:r>
-              <a:rPr lang="en-US" dirty="0" smtClean="0"/>
-              <a:t>What the main Statement Does</a:t>
-            </a:r>
-            <a:endParaRPr lang="en-US" dirty="0"/>
-          </a:p>
-        </p:txBody>
-      </p:sp>
-      <p:sp>
-        <p:nvSpPr>
-          <p:cNvPr id="5" name="Content Placeholder 4"/>
-          <p:cNvSpPr>
-            <a:spLocks noGrp="1"/>
-          </p:cNvSpPr>
-          <p:nvPr>
-            <p:ph sz="quarter" idx="1"/>
-          </p:nvPr>
-        </p:nvSpPr>
-        <p:spPr/>
-        <p:txBody>
-          <a:bodyPr/>
-          <a:lstStyle/>
-          <a:p>
-            <a:endParaRPr lang="en-US" dirty="0" smtClean="0"/>
-          </a:p>
-          <a:p>
-            <a:endParaRPr lang="en-US" dirty="0"/>
-          </a:p>
-          <a:p>
-            <a:r>
-              <a:rPr lang="en-US" dirty="0" smtClean="0"/>
-              <a:t>The main part of the program begins here</a:t>
-            </a:r>
-          </a:p>
-          <a:p>
-            <a:pPr lvl="1"/>
-            <a:r>
-              <a:rPr lang="en-US" dirty="0" smtClean="0"/>
-              <a:t>Programs always start with main</a:t>
-            </a:r>
-          </a:p>
-          <a:p>
-            <a:r>
-              <a:rPr lang="en-US" dirty="0" smtClean="0"/>
-              <a:t>Exceptions: applets and servlets</a:t>
-            </a:r>
-          </a:p>
-          <a:p>
-            <a:pPr lvl="1"/>
-            <a:endParaRPr lang="en-US" dirty="0"/>
-          </a:p>
-        </p:txBody>
-      </p:sp>
-      <p:pic>
-        <p:nvPicPr>
-          <p:cNvPr id="7" name="Picture 2"/>
-          <p:cNvPicPr>
-            <a:picLocks noChangeAspect="1" noChangeArrowheads="1"/>
-          </p:cNvPicPr>
-          <p:nvPr/>
-        </p:nvPicPr>
-        <p:blipFill rotWithShape="1">
-          <a:blip r:embed="rId2">
-            <a:extLst>
-              <a:ext uri="{28A0092B-C50C-407E-A947-70E740481C1C}">
-                <a14:useLocalDpi xmlns:a14="http://schemas.microsoft.com/office/drawing/2010/main" val="0"/>
-              </a:ext>
-            </a:extLst>
-          </a:blip>
-          <a:srcRect l="30000" t="12000" b="32000"/>
-          <a:stretch/>
-        </p:blipFill>
-        <p:spPr bwMode="auto">
-          <a:xfrm>
-            <a:off x="457200" y="1836102"/>
-            <a:ext cx="8229600" cy="3703320"/>
-          </a:xfrm>
-          <a:prstGeom prst="rect">
-            <a:avLst/>
-          </a:prstGeom>
-          <a:noFill/>
-          <a:ln>
-            <a:noFill/>
-          </a:ln>
-          <a:extLst>
-            <a:ext uri="{909E8E84-426E-40DD-AFC4-6F175D3DCCD1}">
-              <a14:hiddenFill xmlns:a14="http://schemas.microsoft.com/office/drawing/2010/main">
-                <a:solidFill>
-                  <a:schemeClr val="accent1"/>
-                </a:solidFill>
-              </a14:hiddenFill>
-            </a:ext>
-            <a:ext uri="{91240B29-F687-4F45-9708-019B960494DF}">
-              <a14:hiddenLine xmlns:a14="http://schemas.microsoft.com/office/drawing/2010/main" w="9525">
-                <a:solidFill>
-                  <a:schemeClr val="tx1"/>
-                </a:solidFill>
-                <a:miter lim="800000"/>
-                <a:headEnd/>
-                <a:tailEnd/>
-              </a14:hiddenLine>
-            </a:ext>
-          </a:extLst>
-        </p:spPr>
-      </p:pic>
-      <p:sp>
-        <p:nvSpPr>
-          <p:cNvPr id="8" name="Rectangular Callout 7"/>
-          <p:cNvSpPr/>
-          <p:nvPr/>
-        </p:nvSpPr>
-        <p:spPr>
-          <a:xfrm>
-            <a:off x="1066800" y="2438400"/>
-            <a:ext cx="2362200" cy="914400"/>
-          </a:xfrm>
-          <a:prstGeom prst="wedgeRectCallout">
-            <a:avLst>
-              <a:gd name="adj1" fmla="val 25369"/>
-              <a:gd name="adj2" fmla="val 114114"/>
-            </a:avLst>
-          </a:prstGeom>
-          <a:solidFill>
-            <a:schemeClr val="bg1"/>
-          </a:solidFill>
-        </p:spPr>
-        <p:style>
-          <a:lnRef idx="2">
-            <a:schemeClr val="accent1">
-              <a:shade val="50000"/>
-            </a:schemeClr>
-          </a:lnRef>
-          <a:fillRef idx="1">
-            <a:schemeClr val="accent1"/>
-          </a:fillRef>
-          <a:effectRef idx="0">
-            <a:schemeClr val="accent1"/>
-          </a:effectRef>
-          <a:fontRef idx="minor">
-            <a:schemeClr val="lt1"/>
-          </a:fontRef>
-        </p:style>
-        <p:txBody>
-          <a:bodyPr rtlCol="0" anchor="ctr"/>
-          <a:lstStyle/>
-          <a:p>
-            <a:r>
-              <a:rPr lang="en-US" dirty="0">
-                <a:solidFill>
-                  <a:schemeClr val="tx1"/>
-                </a:solidFill>
-              </a:rPr>
-              <a:t>The main part of the program begins here</a:t>
-            </a:r>
-          </a:p>
-        </p:txBody>
-      </p:sp>
-      <p:sp>
-        <p:nvSpPr>
-          <p:cNvPr id="9" name="Rectangular Callout 8"/>
-          <p:cNvSpPr/>
-          <p:nvPr/>
-        </p:nvSpPr>
-        <p:spPr>
-          <a:xfrm>
-            <a:off x="3505200" y="2438400"/>
-            <a:ext cx="2362200" cy="914400"/>
-          </a:xfrm>
-          <a:prstGeom prst="wedgeRectCallout">
-            <a:avLst>
-              <a:gd name="adj1" fmla="val -76399"/>
-              <a:gd name="adj2" fmla="val 112500"/>
-            </a:avLst>
-          </a:prstGeom>
-          <a:solidFill>
-            <a:schemeClr val="bg1"/>
-          </a:solidFill>
-        </p:spPr>
-        <p:style>
-          <a:lnRef idx="2">
-            <a:schemeClr val="accent1">
-              <a:shade val="50000"/>
-            </a:schemeClr>
-          </a:lnRef>
-          <a:fillRef idx="1">
-            <a:schemeClr val="accent1"/>
-          </a:fillRef>
-          <a:effectRef idx="0">
-            <a:schemeClr val="accent1"/>
-          </a:effectRef>
-          <a:fontRef idx="minor">
-            <a:schemeClr val="lt1"/>
-          </a:fontRef>
-        </p:style>
-        <p:txBody>
-          <a:bodyPr rtlCol="0" anchor="ctr"/>
-          <a:lstStyle/>
-          <a:p>
-            <a:r>
-              <a:rPr lang="en-US" dirty="0">
-                <a:solidFill>
-                  <a:schemeClr val="tx1"/>
-                </a:solidFill>
-              </a:rPr>
-              <a:t>Programs always start with main</a:t>
-            </a:r>
-          </a:p>
-        </p:txBody>
-      </p:sp>
-    </p:spTree>
-    <p:extLst>
-      <p:ext uri="{BB962C8B-B14F-4D97-AF65-F5344CB8AC3E}">
-        <p14:creationId xmlns:p14="http://schemas.microsoft.com/office/powerpoint/2010/main" val="1190870662"/>
-      </p:ext>
-    </p:extLst>
-  </p:cSld>
-  <p:clrMapOvr>
-    <a:masterClrMapping/>
-  </p:clrMapOvr>
-  <p:timing>
-    <p:tnLst>
-      <p:par>
-        <p:cTn id="1" dur="indefinite" restart="never" nodeType="tmRoot"/>
-      </p:par>
-    </p:tnLst>
-  </p:timing>
-</p:sld>
-</file>
-
-<file path=ppt/slides/slide22.xml><?xml version="1.0" encoding="utf-8"?>
-<p:sld xmlns:a="http://schemas.openxmlformats.org/drawingml/2006/main" xmlns:r="http://schemas.openxmlformats.org/officeDocument/2006/relationships" xmlns:p="http://schemas.openxmlformats.org/presentationml/2006/main">
-  <p:cSld>
-    <p:spTree>
-      <p:nvGrpSpPr>
-        <p:cNvPr id="1" name=""/>
-        <p:cNvGrpSpPr/>
-        <p:nvPr/>
-      </p:nvGrpSpPr>
-      <p:grpSpPr>
-        <a:xfrm>
-          <a:off x="0" y="0"/>
-          <a:ext cx="0" cy="0"/>
-          <a:chOff x="0" y="0"/>
-          <a:chExt cx="0" cy="0"/>
-        </a:xfrm>
-      </p:grpSpPr>
-      <p:sp>
-        <p:nvSpPr>
-          <p:cNvPr id="4" name="Title 3"/>
-          <p:cNvSpPr>
-            <a:spLocks noGrp="1"/>
-          </p:cNvSpPr>
-          <p:nvPr>
-            <p:ph type="title"/>
-          </p:nvPr>
-        </p:nvSpPr>
-        <p:spPr/>
-        <p:txBody>
-          <a:bodyPr/>
-          <a:lstStyle/>
-          <a:p>
-            <a:r>
-              <a:rPr lang="en-US" dirty="0"/>
-              <a:t>Those Squiggly Bracket Marks</a:t>
-            </a:r>
-          </a:p>
-        </p:txBody>
-      </p:sp>
-      <p:sp>
-        <p:nvSpPr>
-          <p:cNvPr id="5" name="Content Placeholder 4"/>
-          <p:cNvSpPr>
-            <a:spLocks noGrp="1"/>
-          </p:cNvSpPr>
-          <p:nvPr>
-            <p:ph sz="quarter" idx="1"/>
-          </p:nvPr>
-        </p:nvSpPr>
-        <p:spPr/>
-        <p:txBody>
-          <a:bodyPr/>
-          <a:lstStyle/>
-          <a:p>
-            <a:endParaRPr lang="en-US" dirty="0" smtClean="0"/>
-          </a:p>
-          <a:p>
-            <a:endParaRPr lang="en-US" dirty="0"/>
-          </a:p>
-          <a:p>
-            <a:r>
-              <a:rPr lang="en-US" dirty="0" smtClean="0"/>
-              <a:t>The main part of the program begins here</a:t>
-            </a:r>
-          </a:p>
-          <a:p>
-            <a:pPr lvl="1"/>
-            <a:r>
-              <a:rPr lang="en-US" dirty="0" smtClean="0"/>
-              <a:t>Programs always start with main</a:t>
-            </a:r>
-          </a:p>
-          <a:p>
-            <a:r>
-              <a:rPr lang="en-US" dirty="0" smtClean="0"/>
-              <a:t>Exceptions: applets and servlets</a:t>
-            </a:r>
-          </a:p>
-          <a:p>
-            <a:pPr lvl="1"/>
-            <a:endParaRPr lang="en-US" dirty="0"/>
-          </a:p>
-        </p:txBody>
-      </p:sp>
-      <p:pic>
-        <p:nvPicPr>
-          <p:cNvPr id="7" name="Picture 2"/>
-          <p:cNvPicPr>
-            <a:picLocks noChangeAspect="1" noChangeArrowheads="1"/>
-          </p:cNvPicPr>
-          <p:nvPr/>
-        </p:nvPicPr>
-        <p:blipFill rotWithShape="1">
-          <a:blip r:embed="rId2">
-            <a:extLst>
-              <a:ext uri="{28A0092B-C50C-407E-A947-70E740481C1C}">
-                <a14:useLocalDpi xmlns:a14="http://schemas.microsoft.com/office/drawing/2010/main" val="0"/>
-              </a:ext>
-            </a:extLst>
-          </a:blip>
-          <a:srcRect l="30000" t="12000" b="32000"/>
-          <a:stretch/>
-        </p:blipFill>
-        <p:spPr bwMode="auto">
-          <a:xfrm>
-            <a:off x="457200" y="1836102"/>
-            <a:ext cx="8229600" cy="3703320"/>
-          </a:xfrm>
-          <a:prstGeom prst="rect">
-            <a:avLst/>
-          </a:prstGeom>
-          <a:noFill/>
-          <a:ln>
-            <a:noFill/>
-          </a:ln>
-          <a:extLst>
-            <a:ext uri="{909E8E84-426E-40DD-AFC4-6F175D3DCCD1}">
-              <a14:hiddenFill xmlns:a14="http://schemas.microsoft.com/office/drawing/2010/main">
-                <a:solidFill>
-                  <a:schemeClr val="accent1"/>
-                </a:solidFill>
-              </a14:hiddenFill>
-            </a:ext>
-            <a:ext uri="{91240B29-F687-4F45-9708-019B960494DF}">
-              <a14:hiddenLine xmlns:a14="http://schemas.microsoft.com/office/drawing/2010/main" w="9525">
-                <a:solidFill>
-                  <a:schemeClr val="tx1"/>
-                </a:solidFill>
-                <a:miter lim="800000"/>
-                <a:headEnd/>
-                <a:tailEnd/>
-              </a14:hiddenLine>
-            </a:ext>
-          </a:extLst>
-        </p:spPr>
-      </p:pic>
-      <p:sp>
-        <p:nvSpPr>
-          <p:cNvPr id="8" name="Rectangular Callout 7"/>
-          <p:cNvSpPr/>
-          <p:nvPr/>
-        </p:nvSpPr>
-        <p:spPr>
-          <a:xfrm>
-            <a:off x="5943600" y="2286000"/>
-            <a:ext cx="2362200" cy="304800"/>
-          </a:xfrm>
-          <a:prstGeom prst="wedgeRectCallout">
-            <a:avLst>
-              <a:gd name="adj1" fmla="val -181291"/>
-              <a:gd name="adj2" fmla="val 438307"/>
-            </a:avLst>
-          </a:prstGeom>
-          <a:solidFill>
-            <a:schemeClr val="bg1"/>
-          </a:solidFill>
-        </p:spPr>
-        <p:style>
-          <a:lnRef idx="2">
-            <a:schemeClr val="accent1">
-              <a:shade val="50000"/>
-            </a:schemeClr>
-          </a:lnRef>
-          <a:fillRef idx="1">
-            <a:schemeClr val="accent1"/>
-          </a:fillRef>
-          <a:effectRef idx="0">
-            <a:schemeClr val="accent1"/>
-          </a:effectRef>
-          <a:fontRef idx="minor">
-            <a:schemeClr val="lt1"/>
-          </a:fontRef>
-        </p:style>
-        <p:txBody>
-          <a:bodyPr rtlCol="0" anchor="ctr"/>
-          <a:lstStyle/>
-          <a:p>
-            <a:r>
-              <a:rPr lang="en-US" dirty="0">
-                <a:solidFill>
-                  <a:schemeClr val="tx1"/>
-                </a:solidFill>
-              </a:rPr>
-              <a:t>{ and } enclose blocks</a:t>
-            </a:r>
-          </a:p>
-        </p:txBody>
-      </p:sp>
-      <p:sp>
-        <p:nvSpPr>
-          <p:cNvPr id="9" name="Rectangular Callout 8"/>
-          <p:cNvSpPr/>
-          <p:nvPr/>
-        </p:nvSpPr>
-        <p:spPr>
-          <a:xfrm>
-            <a:off x="5958348" y="2984090"/>
-            <a:ext cx="2362200" cy="304800"/>
-          </a:xfrm>
-          <a:prstGeom prst="wedgeRectCallout">
-            <a:avLst>
-              <a:gd name="adj1" fmla="val -180665"/>
-              <a:gd name="adj2" fmla="val 228629"/>
-            </a:avLst>
-          </a:prstGeom>
-          <a:solidFill>
-            <a:schemeClr val="bg1"/>
-          </a:solidFill>
-        </p:spPr>
-        <p:style>
-          <a:lnRef idx="2">
-            <a:schemeClr val="accent1">
-              <a:shade val="50000"/>
-            </a:schemeClr>
-          </a:lnRef>
-          <a:fillRef idx="1">
-            <a:schemeClr val="accent1"/>
-          </a:fillRef>
-          <a:effectRef idx="0">
-            <a:schemeClr val="accent1"/>
-          </a:effectRef>
-          <a:fontRef idx="minor">
-            <a:schemeClr val="lt1"/>
-          </a:fontRef>
-        </p:style>
-        <p:txBody>
-          <a:bodyPr rtlCol="0" anchor="ctr"/>
-          <a:lstStyle/>
-          <a:p>
-            <a:r>
-              <a:rPr lang="en-US" dirty="0" smtClean="0">
-                <a:solidFill>
-                  <a:schemeClr val="tx1"/>
-                </a:solidFill>
-              </a:rPr>
-              <a:t>Class Block</a:t>
-            </a:r>
-            <a:endParaRPr lang="en-US" dirty="0">
-              <a:solidFill>
-                <a:schemeClr val="tx1"/>
-              </a:solidFill>
-            </a:endParaRPr>
-          </a:p>
-        </p:txBody>
-      </p:sp>
-      <p:sp>
-        <p:nvSpPr>
-          <p:cNvPr id="10" name="Rectangular Callout 9"/>
-          <p:cNvSpPr/>
-          <p:nvPr/>
-        </p:nvSpPr>
-        <p:spPr>
-          <a:xfrm>
-            <a:off x="5958348" y="3535362"/>
-            <a:ext cx="2362200" cy="304800"/>
-          </a:xfrm>
-          <a:prstGeom prst="wedgeRectCallout">
-            <a:avLst>
-              <a:gd name="adj1" fmla="val -97002"/>
-              <a:gd name="adj2" fmla="val 107661"/>
-            </a:avLst>
-          </a:prstGeom>
-          <a:solidFill>
-            <a:schemeClr val="bg1"/>
-          </a:solidFill>
-        </p:spPr>
-        <p:style>
-          <a:lnRef idx="2">
-            <a:schemeClr val="accent1">
-              <a:shade val="50000"/>
-            </a:schemeClr>
-          </a:lnRef>
-          <a:fillRef idx="1">
-            <a:schemeClr val="accent1"/>
-          </a:fillRef>
-          <a:effectRef idx="0">
-            <a:schemeClr val="accent1"/>
-          </a:effectRef>
-          <a:fontRef idx="minor">
-            <a:schemeClr val="lt1"/>
-          </a:fontRef>
-        </p:style>
-        <p:txBody>
-          <a:bodyPr rtlCol="0" anchor="ctr"/>
-          <a:lstStyle/>
-          <a:p>
-            <a:r>
-              <a:rPr lang="en-US" dirty="0" smtClean="0">
-                <a:solidFill>
-                  <a:schemeClr val="tx1"/>
-                </a:solidFill>
-              </a:rPr>
-              <a:t>Main Function block</a:t>
-            </a:r>
-            <a:endParaRPr lang="en-US" dirty="0">
-              <a:solidFill>
-                <a:schemeClr val="tx1"/>
-              </a:solidFill>
-            </a:endParaRPr>
-          </a:p>
-        </p:txBody>
-      </p:sp>
-      <p:sp>
-        <p:nvSpPr>
-          <p:cNvPr id="11" name="Rectangular Callout 10"/>
-          <p:cNvSpPr/>
-          <p:nvPr/>
-        </p:nvSpPr>
-        <p:spPr>
-          <a:xfrm>
-            <a:off x="5958348" y="4114800"/>
-            <a:ext cx="2362200" cy="609600"/>
-          </a:xfrm>
-          <a:prstGeom prst="wedgeRectCallout">
-            <a:avLst>
-              <a:gd name="adj1" fmla="val -96378"/>
-              <a:gd name="adj2" fmla="val -61694"/>
-            </a:avLst>
-          </a:prstGeom>
-          <a:solidFill>
-            <a:schemeClr val="bg1"/>
-          </a:solidFill>
-        </p:spPr>
-        <p:style>
-          <a:lnRef idx="2">
-            <a:schemeClr val="accent1">
-              <a:shade val="50000"/>
-            </a:schemeClr>
-          </a:lnRef>
-          <a:fillRef idx="1">
-            <a:schemeClr val="accent1"/>
-          </a:fillRef>
-          <a:effectRef idx="0">
-            <a:schemeClr val="accent1"/>
-          </a:effectRef>
-          <a:fontRef idx="minor">
-            <a:schemeClr val="lt1"/>
-          </a:fontRef>
-        </p:style>
-        <p:txBody>
-          <a:bodyPr rtlCol="0" anchor="ctr"/>
-          <a:lstStyle/>
-          <a:p>
-            <a:r>
-              <a:rPr lang="en-US" dirty="0" smtClean="0">
-                <a:solidFill>
-                  <a:schemeClr val="tx1"/>
-                </a:solidFill>
-              </a:rPr>
-              <a:t>Blocks inside of blocks - Nesting</a:t>
-            </a:r>
-            <a:endParaRPr lang="en-US" dirty="0">
-              <a:solidFill>
-                <a:schemeClr val="tx1"/>
-              </a:solidFill>
-            </a:endParaRPr>
-          </a:p>
-        </p:txBody>
-      </p:sp>
-    </p:spTree>
-    <p:extLst>
-      <p:ext uri="{BB962C8B-B14F-4D97-AF65-F5344CB8AC3E}">
-        <p14:creationId xmlns:p14="http://schemas.microsoft.com/office/powerpoint/2010/main" val="2156490076"/>
-      </p:ext>
-    </p:extLst>
-  </p:cSld>
-  <p:clrMapOvr>
-    <a:masterClrMapping/>
-  </p:clrMapOvr>
-  <p:timing>
-    <p:tnLst>
-      <p:par>
-        <p:cTn id="1" dur="indefinite" restart="never" nodeType="tmRoot"/>
-      </p:par>
-    </p:tnLst>
-  </p:timing>
-</p:sld>
-</file>
-
-<file path=ppt/slides/slide23.xml><?xml version="1.0" encoding="utf-8"?>
-<p:sld xmlns:a="http://schemas.openxmlformats.org/drawingml/2006/main" xmlns:r="http://schemas.openxmlformats.org/officeDocument/2006/relationships" xmlns:p="http://schemas.openxmlformats.org/presentationml/2006/main">
-  <p:cSld>
-    <p:spTree>
-      <p:nvGrpSpPr>
-        <p:cNvPr id="1" name=""/>
-        <p:cNvGrpSpPr/>
-        <p:nvPr/>
-      </p:nvGrpSpPr>
-      <p:grpSpPr>
-        <a:xfrm>
-          <a:off x="0" y="0"/>
-          <a:ext cx="0" cy="0"/>
-          <a:chOff x="0" y="0"/>
-          <a:chExt cx="0" cy="0"/>
-        </a:xfrm>
-      </p:grpSpPr>
       <p:sp>
         <p:nvSpPr>
           <p:cNvPr id="4" name="Title 3"/>
@@ -6610,7 +6384,7 @@
 </p:sld>
 </file>
 
-<file path=ppt/slides/slide24.xml><?xml version="1.0" encoding="utf-8"?>
+<file path=ppt/slides/slide21.xml><?xml version="1.0" encoding="utf-8"?>
 <p:sld xmlns:a="http://schemas.openxmlformats.org/drawingml/2006/main" xmlns:r="http://schemas.openxmlformats.org/officeDocument/2006/relationships" xmlns:p="http://schemas.openxmlformats.org/presentationml/2006/main">
   <p:cSld>
     <p:spTree>
@@ -6817,7 +6591,7 @@
 </p:sld>
 </file>
 
-<file path=ppt/slides/slide25.xml><?xml version="1.0" encoding="utf-8"?>
+<file path=ppt/slides/slide22.xml><?xml version="1.0" encoding="utf-8"?>
 <p:sld xmlns:a="http://schemas.openxmlformats.org/drawingml/2006/main" xmlns:r="http://schemas.openxmlformats.org/officeDocument/2006/relationships" xmlns:p="http://schemas.openxmlformats.org/presentationml/2006/main">
   <p:cSld>
     <p:spTree>
@@ -6990,6 +6764,300 @@
 </p:sld>
 </file>
 
+<file path=ppt/slides/slide23.xml><?xml version="1.0" encoding="utf-8"?>
+<p:sld xmlns:a="http://schemas.openxmlformats.org/drawingml/2006/main" xmlns:r="http://schemas.openxmlformats.org/officeDocument/2006/relationships" xmlns:p="http://schemas.openxmlformats.org/presentationml/2006/main">
+  <p:cSld>
+    <p:spTree>
+      <p:nvGrpSpPr>
+        <p:cNvPr id="1" name=""/>
+        <p:cNvGrpSpPr/>
+        <p:nvPr/>
+      </p:nvGrpSpPr>
+      <p:grpSpPr>
+        <a:xfrm>
+          <a:off x="0" y="0"/>
+          <a:ext cx="0" cy="0"/>
+          <a:chOff x="0" y="0"/>
+          <a:chExt cx="0" cy="0"/>
+        </a:xfrm>
+      </p:grpSpPr>
+      <p:sp>
+        <p:nvSpPr>
+          <p:cNvPr id="4" name="Title 3"/>
+          <p:cNvSpPr>
+            <a:spLocks noGrp="1"/>
+          </p:cNvSpPr>
+          <p:nvPr>
+            <p:ph type="title"/>
+          </p:nvPr>
+        </p:nvSpPr>
+        <p:spPr/>
+        <p:txBody>
+          <a:bodyPr>
+            <a:normAutofit/>
+          </a:bodyPr>
+          <a:lstStyle/>
+          <a:p>
+            <a:r>
+              <a:rPr lang="en-US" dirty="0" smtClean="0"/>
+              <a:t>Running a Java Program</a:t>
+            </a:r>
+            <a:endParaRPr lang="en-US" dirty="0"/>
+          </a:p>
+        </p:txBody>
+      </p:sp>
+      <p:sp>
+        <p:nvSpPr>
+          <p:cNvPr id="5" name="Content Placeholder 4"/>
+          <p:cNvSpPr>
+            <a:spLocks noGrp="1"/>
+          </p:cNvSpPr>
+          <p:nvPr>
+            <p:ph sz="quarter" idx="1"/>
+          </p:nvPr>
+        </p:nvSpPr>
+        <p:spPr/>
+        <p:txBody>
+          <a:bodyPr/>
+          <a:lstStyle/>
+          <a:p>
+            <a:r>
+              <a:rPr lang="en-US" dirty="0" smtClean="0"/>
+              <a:t>Run &gt; Run Project, or</a:t>
+            </a:r>
+          </a:p>
+          <a:p>
+            <a:r>
+              <a:rPr lang="en-US" dirty="0" smtClean="0"/>
+              <a:t>Run button (green arrow), or</a:t>
+            </a:r>
+          </a:p>
+          <a:p>
+            <a:r>
+              <a:rPr lang="en-US" dirty="0" smtClean="0"/>
+              <a:t>F6</a:t>
+            </a:r>
+          </a:p>
+          <a:p>
+            <a:endParaRPr lang="en-US" dirty="0"/>
+          </a:p>
+          <a:p>
+            <a:r>
+              <a:rPr lang="en-US" dirty="0" smtClean="0"/>
+              <a:t>Output displays in Output pane</a:t>
+            </a:r>
+          </a:p>
+        </p:txBody>
+      </p:sp>
+    </p:spTree>
+    <p:extLst>
+      <p:ext uri="{BB962C8B-B14F-4D97-AF65-F5344CB8AC3E}">
+        <p14:creationId xmlns:p14="http://schemas.microsoft.com/office/powerpoint/2010/main" val="1757417621"/>
+      </p:ext>
+    </p:extLst>
+  </p:cSld>
+  <p:clrMapOvr>
+    <a:masterClrMapping/>
+  </p:clrMapOvr>
+  <p:timing>
+    <p:tnLst>
+      <p:par>
+        <p:cTn id="1" dur="indefinite" restart="never" nodeType="tmRoot"/>
+      </p:par>
+    </p:tnLst>
+  </p:timing>
+</p:sld>
+</file>
+
+<file path=ppt/slides/slide24.xml><?xml version="1.0" encoding="utf-8"?>
+<p:sld xmlns:a="http://schemas.openxmlformats.org/drawingml/2006/main" xmlns:r="http://schemas.openxmlformats.org/officeDocument/2006/relationships" xmlns:p="http://schemas.openxmlformats.org/presentationml/2006/main">
+  <p:cSld>
+    <p:spTree>
+      <p:nvGrpSpPr>
+        <p:cNvPr id="1" name=""/>
+        <p:cNvGrpSpPr/>
+        <p:nvPr/>
+      </p:nvGrpSpPr>
+      <p:grpSpPr>
+        <a:xfrm>
+          <a:off x="0" y="0"/>
+          <a:ext cx="0" cy="0"/>
+          <a:chOff x="0" y="0"/>
+          <a:chExt cx="0" cy="0"/>
+        </a:xfrm>
+      </p:grpSpPr>
+      <p:sp>
+        <p:nvSpPr>
+          <p:cNvPr id="4" name="Title 3"/>
+          <p:cNvSpPr>
+            <a:spLocks noGrp="1"/>
+          </p:cNvSpPr>
+          <p:nvPr>
+            <p:ph type="title"/>
+          </p:nvPr>
+        </p:nvSpPr>
+        <p:spPr/>
+        <p:txBody>
+          <a:bodyPr>
+            <a:normAutofit/>
+          </a:bodyPr>
+          <a:lstStyle/>
+          <a:p>
+            <a:r>
+              <a:rPr lang="en-US" dirty="0" smtClean="0"/>
+              <a:t>Summary</a:t>
+            </a:r>
+            <a:endParaRPr lang="en-US" dirty="0"/>
+          </a:p>
+        </p:txBody>
+      </p:sp>
+      <p:sp>
+        <p:nvSpPr>
+          <p:cNvPr id="5" name="Content Placeholder 4"/>
+          <p:cNvSpPr>
+            <a:spLocks noGrp="1"/>
+          </p:cNvSpPr>
+          <p:nvPr>
+            <p:ph sz="quarter" idx="1"/>
+          </p:nvPr>
+        </p:nvSpPr>
+        <p:spPr/>
+        <p:txBody>
+          <a:bodyPr/>
+          <a:lstStyle/>
+          <a:p>
+            <a:r>
+              <a:rPr lang="en-US" dirty="0" smtClean="0"/>
+              <a:t>Wrote our first program</a:t>
+            </a:r>
+          </a:p>
+          <a:p>
+            <a:r>
+              <a:rPr lang="en-US" dirty="0" smtClean="0"/>
+              <a:t>Compile program</a:t>
+            </a:r>
+          </a:p>
+          <a:p>
+            <a:r>
+              <a:rPr lang="en-US" dirty="0" smtClean="0"/>
+              <a:t>Run program</a:t>
+            </a:r>
+            <a:endParaRPr lang="en-US" dirty="0"/>
+          </a:p>
+        </p:txBody>
+      </p:sp>
+    </p:spTree>
+    <p:extLst>
+      <p:ext uri="{BB962C8B-B14F-4D97-AF65-F5344CB8AC3E}">
+        <p14:creationId xmlns:p14="http://schemas.microsoft.com/office/powerpoint/2010/main" val="3307233481"/>
+      </p:ext>
+    </p:extLst>
+  </p:cSld>
+  <p:clrMapOvr>
+    <a:masterClrMapping/>
+  </p:clrMapOvr>
+  <p:timing>
+    <p:tnLst>
+      <p:par>
+        <p:cTn id="1" dur="indefinite" restart="never" nodeType="tmRoot"/>
+      </p:par>
+    </p:tnLst>
+  </p:timing>
+</p:sld>
+</file>
+
+<file path=ppt/slides/slide25.xml><?xml version="1.0" encoding="utf-8"?>
+<p:sld xmlns:a="http://schemas.openxmlformats.org/drawingml/2006/main" xmlns:r="http://schemas.openxmlformats.org/officeDocument/2006/relationships" xmlns:p="http://schemas.openxmlformats.org/presentationml/2006/main">
+  <p:cSld>
+    <p:spTree>
+      <p:nvGrpSpPr>
+        <p:cNvPr id="1" name=""/>
+        <p:cNvGrpSpPr/>
+        <p:nvPr/>
+      </p:nvGrpSpPr>
+      <p:grpSpPr>
+        <a:xfrm>
+          <a:off x="0" y="0"/>
+          <a:ext cx="0" cy="0"/>
+          <a:chOff x="0" y="0"/>
+          <a:chExt cx="0" cy="0"/>
+        </a:xfrm>
+      </p:grpSpPr>
+      <p:sp>
+        <p:nvSpPr>
+          <p:cNvPr id="4" name="Title 3"/>
+          <p:cNvSpPr>
+            <a:spLocks noGrp="1"/>
+          </p:cNvSpPr>
+          <p:nvPr>
+            <p:ph type="title"/>
+          </p:nvPr>
+        </p:nvSpPr>
+        <p:spPr/>
+        <p:txBody>
+          <a:bodyPr>
+            <a:normAutofit/>
+          </a:bodyPr>
+          <a:lstStyle/>
+          <a:p>
+            <a:r>
+              <a:rPr lang="en-US" dirty="0" smtClean="0"/>
+              <a:t>Homework</a:t>
+            </a:r>
+            <a:endParaRPr lang="en-US" dirty="0"/>
+          </a:p>
+        </p:txBody>
+      </p:sp>
+      <p:sp>
+        <p:nvSpPr>
+          <p:cNvPr id="5" name="Content Placeholder 4"/>
+          <p:cNvSpPr>
+            <a:spLocks noGrp="1"/>
+          </p:cNvSpPr>
+          <p:nvPr>
+            <p:ph sz="quarter" idx="1"/>
+          </p:nvPr>
+        </p:nvSpPr>
+        <p:spPr/>
+        <p:txBody>
+          <a:bodyPr/>
+          <a:lstStyle/>
+          <a:p>
+            <a:r>
+              <a:rPr lang="en-US" dirty="0" smtClean="0"/>
+              <a:t>Read Chapter 3</a:t>
+            </a:r>
+          </a:p>
+          <a:p>
+            <a:pPr lvl="1"/>
+            <a:r>
+              <a:rPr lang="en-US" dirty="0" smtClean="0"/>
+              <a:t>Visit the websites mentioned in the text</a:t>
+            </a:r>
+            <a:endParaRPr lang="en-US" dirty="0"/>
+          </a:p>
+        </p:txBody>
+      </p:sp>
+    </p:spTree>
+    <p:extLst>
+      <p:ext uri="{BB962C8B-B14F-4D97-AF65-F5344CB8AC3E}">
+        <p14:creationId xmlns:p14="http://schemas.microsoft.com/office/powerpoint/2010/main" val="3810024546"/>
+      </p:ext>
+    </p:extLst>
+  </p:cSld>
+  <p:clrMapOvr>
+    <a:masterClrMapping/>
+  </p:clrMapOvr>
+  <p:timing>
+    <p:tnLst>
+      <p:par>
+        <p:cTn id="1" dur="indefinite" restart="never" nodeType="tmRoot"/>
+      </p:par>
+    </p:tnLst>
+  </p:timing>
+</p:sld>
+</file>
+
 <file path=ppt/slides/slide26.xml><?xml version="1.0" encoding="utf-8"?>
 <p:sld xmlns:a="http://schemas.openxmlformats.org/drawingml/2006/main" xmlns:r="http://schemas.openxmlformats.org/officeDocument/2006/relationships" xmlns:p="http://schemas.openxmlformats.org/presentationml/2006/main">
   <p:cSld>
@@ -7009,7 +7077,7 @@
       </p:grpSpPr>
       <p:sp>
         <p:nvSpPr>
-          <p:cNvPr id="4" name="Title 3"/>
+          <p:cNvPr id="7" name="Title 6"/>
           <p:cNvSpPr>
             <a:spLocks noGrp="1"/>
           </p:cNvSpPr>
@@ -7019,14 +7087,16 @@
         </p:nvSpPr>
         <p:spPr/>
         <p:txBody>
-          <a:bodyPr>
-            <a:normAutofit/>
-          </a:bodyPr>
-          <a:lstStyle/>
-          <a:p>
-            <a:r>
-              <a:rPr lang="en-US" dirty="0" smtClean="0"/>
-              <a:t>Running a Java Program</a:t>
+          <a:bodyPr/>
+          <a:lstStyle/>
+          <a:p>
+            <a:r>
+              <a:rPr lang="en-US" dirty="0" smtClean="0"/>
+              <a:t>Hour </a:t>
+            </a:r>
+            <a:r>
+              <a:rPr lang="en-US" dirty="0" smtClean="0"/>
+              <a:t>4</a:t>
             </a:r>
             <a:endParaRPr lang="en-US" dirty="0"/>
           </a:p>
@@ -7034,12 +7104,12 @@
       </p:sp>
       <p:sp>
         <p:nvSpPr>
-          <p:cNvPr id="5" name="Content Placeholder 4"/>
-          <p:cNvSpPr>
-            <a:spLocks noGrp="1"/>
-          </p:cNvSpPr>
-          <p:nvPr>
-            <p:ph sz="quarter" idx="1"/>
+          <p:cNvPr id="8" name="Text Placeholder 7"/>
+          <p:cNvSpPr>
+            <a:spLocks noGrp="1"/>
+          </p:cNvSpPr>
+          <p:nvPr>
+            <p:ph type="body" idx="1"/>
           </p:nvPr>
         </p:nvSpPr>
         <p:spPr/>
@@ -7049,36 +7119,16 @@
           <a:p>
             <a:r>
               <a:rPr lang="en-US" dirty="0" smtClean="0"/>
-              <a:t>Run &gt; Run Project, or</a:t>
-            </a:r>
-          </a:p>
-          <a:p>
-            <a:r>
-              <a:rPr lang="en-US" dirty="0" smtClean="0"/>
-              <a:t>Run button (green arrow), or</a:t>
-            </a:r>
-          </a:p>
-          <a:p>
-            <a:r>
-              <a:rPr lang="en-US" dirty="0" smtClean="0"/>
-              <a:t>F6</a:t>
-            </a:r>
-          </a:p>
-          <a:p>
+              <a:t>Understanding How Java Programs Work</a:t>
+            </a:r>
             <a:endParaRPr lang="en-US" dirty="0"/>
-          </a:p>
-          <a:p>
-            <a:r>
-              <a:rPr lang="en-US" dirty="0" smtClean="0"/>
-              <a:t>Output displays in Output pane</a:t>
-            </a:r>
           </a:p>
         </p:txBody>
       </p:sp>
     </p:spTree>
     <p:extLst>
       <p:ext uri="{BB962C8B-B14F-4D97-AF65-F5344CB8AC3E}">
-        <p14:creationId xmlns:p14="http://schemas.microsoft.com/office/powerpoint/2010/main" val="1757417621"/>
+        <p14:creationId xmlns:p14="http://schemas.microsoft.com/office/powerpoint/2010/main" val="4292862055"/>
       </p:ext>
     </p:extLst>
   </p:cSld>
@@ -7124,6 +7174,29 @@
         </p:nvSpPr>
         <p:spPr/>
         <p:txBody>
+          <a:bodyPr/>
+          <a:lstStyle/>
+          <a:p>
+            <a:r>
+              <a:rPr lang="en-US" dirty="0" smtClean="0"/>
+              <a:t>Review</a:t>
+            </a:r>
+            <a:endParaRPr lang="en-US" dirty="0"/>
+          </a:p>
+        </p:txBody>
+      </p:sp>
+      <p:sp>
+        <p:nvSpPr>
+          <p:cNvPr id="5" name="Content Placeholder 4"/>
+          <p:cNvSpPr>
+            <a:spLocks noGrp="1"/>
+          </p:cNvSpPr>
+          <p:nvPr>
+            <p:ph sz="quarter" idx="1"/>
+          </p:nvPr>
+        </p:nvSpPr>
+        <p:spPr/>
+        <p:txBody>
           <a:bodyPr>
             <a:normAutofit/>
           </a:bodyPr>
@@ -7131,51 +7204,79 @@
           <a:p>
             <a:r>
               <a:rPr lang="en-US" dirty="0" smtClean="0"/>
-              <a:t>Summary</a:t>
-            </a:r>
+              <a:t>What are the two types of programming languages?</a:t>
+            </a:r>
+          </a:p>
+          <a:p>
+            <a:pPr lvl="1"/>
+            <a:r>
+              <a:rPr lang="en-US" dirty="0" smtClean="0"/>
+              <a:t>Interpreted</a:t>
+            </a:r>
+          </a:p>
+          <a:p>
+            <a:pPr lvl="1"/>
+            <a:r>
+              <a:rPr lang="en-US" dirty="0" smtClean="0"/>
+              <a:t>Compiled</a:t>
+            </a:r>
+          </a:p>
+          <a:p>
+            <a:r>
+              <a:rPr lang="en-US" dirty="0" smtClean="0"/>
+              <a:t>When you compile a Java program, what are you doing?</a:t>
+            </a:r>
+          </a:p>
+          <a:p>
+            <a:pPr lvl="1"/>
+            <a:r>
+              <a:rPr lang="en-US" dirty="0" smtClean="0"/>
+              <a:t>Converting it into a form the computer can understand</a:t>
+            </a:r>
+          </a:p>
+          <a:p>
+            <a:r>
+              <a:rPr lang="en-US" dirty="0" smtClean="0"/>
+              <a:t>What is a variable?</a:t>
+            </a:r>
+          </a:p>
+          <a:p>
+            <a:pPr lvl="1"/>
+            <a:r>
+              <a:rPr lang="en-US" dirty="0" smtClean="0"/>
+              <a:t>A place to store information in a program</a:t>
+            </a:r>
+          </a:p>
+          <a:p>
+            <a:r>
+              <a:rPr lang="en-US" dirty="0" smtClean="0"/>
+              <a:t>What is the process of fixing errors called?</a:t>
+            </a:r>
+          </a:p>
+          <a:p>
+            <a:pPr lvl="1"/>
+            <a:r>
+              <a:rPr lang="en-US" dirty="0" smtClean="0"/>
+              <a:t>Debugging</a:t>
+            </a:r>
+          </a:p>
+          <a:p>
+            <a:pPr lvl="1"/>
+            <a:endParaRPr lang="en-US" dirty="0" smtClean="0"/>
+          </a:p>
+          <a:p>
+            <a:pPr lvl="1"/>
             <a:endParaRPr lang="en-US" dirty="0"/>
           </a:p>
-        </p:txBody>
-      </p:sp>
-      <p:sp>
-        <p:nvSpPr>
-          <p:cNvPr id="5" name="Content Placeholder 4"/>
-          <p:cNvSpPr>
-            <a:spLocks noGrp="1"/>
-          </p:cNvSpPr>
-          <p:nvPr>
-            <p:ph sz="quarter" idx="1"/>
-          </p:nvPr>
-        </p:nvSpPr>
-        <p:spPr/>
-        <p:txBody>
-          <a:bodyPr/>
-          <a:lstStyle/>
-          <a:p>
-            <a:r>
-              <a:rPr lang="en-US" dirty="0" smtClean="0"/>
-              <a:t>Wrote our first program</a:t>
-            </a:r>
-          </a:p>
-          <a:p>
-            <a:r>
-              <a:rPr lang="en-US" dirty="0" smtClean="0"/>
-              <a:t>Compile program</a:t>
-            </a:r>
-          </a:p>
-          <a:p>
-            <a:r>
-              <a:rPr lang="en-US" dirty="0" smtClean="0"/>
-              <a:t>Run program</a:t>
-            </a:r>
-            <a:endParaRPr lang="en-US" dirty="0"/>
+          <a:p>
+            <a:endParaRPr lang="en-US" dirty="0" smtClean="0"/>
           </a:p>
         </p:txBody>
       </p:sp>
     </p:spTree>
     <p:extLst>
       <p:ext uri="{BB962C8B-B14F-4D97-AF65-F5344CB8AC3E}">
-        <p14:creationId xmlns:p14="http://schemas.microsoft.com/office/powerpoint/2010/main" val="3307233481"/>
+        <p14:creationId xmlns:p14="http://schemas.microsoft.com/office/powerpoint/2010/main" val="2970046342"/>
       </p:ext>
     </p:extLst>
   </p:cSld>
@@ -7221,42 +7322,138 @@
         </p:nvSpPr>
         <p:spPr/>
         <p:txBody>
-          <a:bodyPr>
+          <a:bodyPr/>
+          <a:lstStyle/>
+          <a:p>
+            <a:r>
+              <a:rPr lang="en-US" dirty="0" smtClean="0"/>
+              <a:t>Review</a:t>
+            </a:r>
+            <a:endParaRPr lang="en-US" dirty="0"/>
+          </a:p>
+        </p:txBody>
+      </p:sp>
+      <p:sp>
+        <p:nvSpPr>
+          <p:cNvPr id="5" name="Content Placeholder 4"/>
+          <p:cNvSpPr>
+            <a:spLocks noGrp="1"/>
+          </p:cNvSpPr>
+          <p:nvPr>
+            <p:ph sz="quarter" idx="1"/>
+          </p:nvPr>
+        </p:nvSpPr>
+        <p:spPr/>
+        <p:txBody>
+          <a:bodyPr numCol="2">
             <a:normAutofit/>
           </a:bodyPr>
           <a:lstStyle/>
           <a:p>
             <a:r>
               <a:rPr lang="en-US" dirty="0" smtClean="0"/>
-              <a:t>Questions</a:t>
-            </a:r>
+              <a:t>Keywords</a:t>
+            </a:r>
+          </a:p>
+          <a:p>
+            <a:pPr lvl="1"/>
+            <a:r>
+              <a:rPr lang="en-US" dirty="0" smtClean="0"/>
+              <a:t>class</a:t>
+            </a:r>
+          </a:p>
+          <a:p>
+            <a:pPr lvl="1"/>
+            <a:r>
+              <a:rPr lang="en-US" dirty="0" smtClean="0"/>
+              <a:t>public</a:t>
+            </a:r>
+            <a:endParaRPr lang="en-US" dirty="0" smtClean="0"/>
+          </a:p>
+          <a:p>
+            <a:pPr lvl="1"/>
+            <a:r>
+              <a:rPr lang="en-US" dirty="0" smtClean="0"/>
+              <a:t>static</a:t>
+            </a:r>
+          </a:p>
+          <a:p>
+            <a:pPr lvl="1"/>
+            <a:r>
+              <a:rPr lang="en-US" dirty="0" smtClean="0"/>
+              <a:t>void</a:t>
+            </a:r>
+          </a:p>
+          <a:p>
+            <a:r>
+              <a:rPr lang="en-US" dirty="0" smtClean="0"/>
+              <a:t>Special characters</a:t>
+            </a:r>
+          </a:p>
+          <a:p>
+            <a:pPr lvl="1"/>
+            <a:r>
+              <a:rPr lang="en-US" dirty="0" smtClean="0"/>
+              <a:t>( )</a:t>
+            </a:r>
+          </a:p>
+          <a:p>
+            <a:pPr lvl="1"/>
+            <a:r>
+              <a:rPr lang="en-US" dirty="0" smtClean="0"/>
+              <a:t>{ }</a:t>
+            </a:r>
+          </a:p>
+          <a:p>
+            <a:pPr lvl="1"/>
+            <a:r>
+              <a:rPr lang="en-US" dirty="0" smtClean="0"/>
+              <a:t>[ ]</a:t>
+            </a:r>
+          </a:p>
+          <a:p>
+            <a:r>
+              <a:rPr lang="en-US" dirty="0" smtClean="0"/>
+              <a:t>Types</a:t>
+            </a:r>
+          </a:p>
+          <a:p>
+            <a:pPr lvl="1"/>
+            <a:r>
+              <a:rPr lang="en-US" dirty="0" smtClean="0"/>
+              <a:t>String</a:t>
+            </a:r>
+          </a:p>
+          <a:p>
+            <a:r>
+              <a:rPr lang="en-US" dirty="0" smtClean="0"/>
+              <a:t>API Calls</a:t>
+            </a:r>
+          </a:p>
+          <a:p>
+            <a:pPr lvl="1"/>
+            <a:r>
+              <a:rPr lang="en-US" dirty="0" err="1" smtClean="0"/>
+              <a:t>System.out.println</a:t>
+            </a:r>
+            <a:r>
+              <a:rPr lang="en-US" dirty="0" smtClean="0"/>
+              <a:t>()</a:t>
+            </a:r>
+          </a:p>
+          <a:p>
+            <a:pPr lvl="1"/>
             <a:endParaRPr lang="en-US" dirty="0"/>
           </a:p>
-        </p:txBody>
-      </p:sp>
-      <p:sp>
-        <p:nvSpPr>
-          <p:cNvPr id="5" name="Content Placeholder 4"/>
-          <p:cNvSpPr>
-            <a:spLocks noGrp="1"/>
-          </p:cNvSpPr>
-          <p:nvPr>
-            <p:ph sz="quarter" idx="1"/>
-          </p:nvPr>
-        </p:nvSpPr>
-        <p:spPr/>
-        <p:txBody>
-          <a:bodyPr/>
-          <a:lstStyle/>
-          <a:p>
-            <a:endParaRPr lang="en-US" dirty="0"/>
+          <a:p>
+            <a:endParaRPr lang="en-US" dirty="0" smtClean="0"/>
           </a:p>
         </p:txBody>
       </p:sp>
     </p:spTree>
     <p:extLst>
       <p:ext uri="{BB962C8B-B14F-4D97-AF65-F5344CB8AC3E}">
-        <p14:creationId xmlns:p14="http://schemas.microsoft.com/office/powerpoint/2010/main" val="3074316289"/>
+        <p14:creationId xmlns:p14="http://schemas.microsoft.com/office/powerpoint/2010/main" val="498630068"/>
       </p:ext>
     </p:extLst>
   </p:cSld>
@@ -7302,6 +7499,29 @@
         </p:nvSpPr>
         <p:spPr/>
         <p:txBody>
+          <a:bodyPr/>
+          <a:lstStyle/>
+          <a:p>
+            <a:r>
+              <a:rPr lang="en-US" dirty="0" smtClean="0"/>
+              <a:t>Two Types of Java Programs</a:t>
+            </a:r>
+            <a:endParaRPr lang="en-US" dirty="0"/>
+          </a:p>
+        </p:txBody>
+      </p:sp>
+      <p:sp>
+        <p:nvSpPr>
+          <p:cNvPr id="5" name="Content Placeholder 4"/>
+          <p:cNvSpPr>
+            <a:spLocks noGrp="1"/>
+          </p:cNvSpPr>
+          <p:nvPr>
+            <p:ph sz="quarter" idx="1"/>
+          </p:nvPr>
+        </p:nvSpPr>
+        <p:spPr/>
+        <p:txBody>
           <a:bodyPr>
             <a:normAutofit/>
           </a:bodyPr>
@@ -7309,46 +7529,35 @@
           <a:p>
             <a:r>
               <a:rPr lang="en-US" dirty="0" smtClean="0"/>
-              <a:t>Homework</a:t>
-            </a:r>
-            <a:endParaRPr lang="en-US" dirty="0"/>
-          </a:p>
-        </p:txBody>
-      </p:sp>
-      <p:sp>
-        <p:nvSpPr>
-          <p:cNvPr id="5" name="Content Placeholder 4"/>
-          <p:cNvSpPr>
-            <a:spLocks noGrp="1"/>
-          </p:cNvSpPr>
-          <p:nvPr>
-            <p:ph sz="quarter" idx="1"/>
-          </p:nvPr>
-        </p:nvSpPr>
-        <p:spPr/>
-        <p:txBody>
-          <a:bodyPr/>
-          <a:lstStyle/>
-          <a:p>
-            <a:r>
-              <a:rPr lang="en-US" dirty="0" smtClean="0"/>
-              <a:t>Read Chapter 3</a:t>
+              <a:t>Applications</a:t>
             </a:r>
           </a:p>
           <a:p>
             <a:pPr lvl="1"/>
             <a:r>
               <a:rPr lang="en-US" dirty="0" smtClean="0"/>
-              <a:t>Visit the websites mentioned in the text</a:t>
-            </a:r>
-            <a:endParaRPr lang="en-US" dirty="0"/>
+              <a:t>Programs that run on your computer</a:t>
+            </a:r>
+          </a:p>
+          <a:p>
+            <a:r>
+              <a:rPr lang="en-US" dirty="0" smtClean="0"/>
+              <a:t>Applets</a:t>
+            </a:r>
+          </a:p>
+          <a:p>
+            <a:pPr lvl="1"/>
+            <a:r>
+              <a:rPr lang="en-US" dirty="0" smtClean="0"/>
+              <a:t>Programs that run on a web page</a:t>
+            </a:r>
           </a:p>
         </p:txBody>
       </p:sp>
     </p:spTree>
     <p:extLst>
       <p:ext uri="{BB962C8B-B14F-4D97-AF65-F5344CB8AC3E}">
-        <p14:creationId xmlns:p14="http://schemas.microsoft.com/office/powerpoint/2010/main" val="3810024546"/>
+        <p14:creationId xmlns:p14="http://schemas.microsoft.com/office/powerpoint/2010/main" val="734233863"/>
       </p:ext>
     </p:extLst>
   </p:cSld>
@@ -7448,6 +7657,2493 @@
 </p:sld>
 </file>
 
+<file path=ppt/slides/slide30.xml><?xml version="1.0" encoding="utf-8"?>
+<p:sld xmlns:a="http://schemas.openxmlformats.org/drawingml/2006/main" xmlns:r="http://schemas.openxmlformats.org/officeDocument/2006/relationships" xmlns:p="http://schemas.openxmlformats.org/presentationml/2006/main">
+  <p:cSld>
+    <p:spTree>
+      <p:nvGrpSpPr>
+        <p:cNvPr id="1" name=""/>
+        <p:cNvGrpSpPr/>
+        <p:nvPr/>
+      </p:nvGrpSpPr>
+      <p:grpSpPr>
+        <a:xfrm>
+          <a:off x="0" y="0"/>
+          <a:ext cx="0" cy="0"/>
+          <a:chOff x="0" y="0"/>
+          <a:chExt cx="0" cy="0"/>
+        </a:xfrm>
+      </p:grpSpPr>
+      <p:sp>
+        <p:nvSpPr>
+          <p:cNvPr id="4" name="Title 3"/>
+          <p:cNvSpPr>
+            <a:spLocks noGrp="1"/>
+          </p:cNvSpPr>
+          <p:nvPr>
+            <p:ph type="title"/>
+          </p:nvPr>
+        </p:nvSpPr>
+        <p:spPr/>
+        <p:txBody>
+          <a:bodyPr/>
+          <a:lstStyle/>
+          <a:p>
+            <a:r>
+              <a:rPr lang="en-US" dirty="0" smtClean="0"/>
+              <a:t>Creating an Application</a:t>
+            </a:r>
+            <a:endParaRPr lang="en-US" dirty="0"/>
+          </a:p>
+        </p:txBody>
+      </p:sp>
+      <p:sp>
+        <p:nvSpPr>
+          <p:cNvPr id="5" name="Content Placeholder 4"/>
+          <p:cNvSpPr>
+            <a:spLocks noGrp="1"/>
+          </p:cNvSpPr>
+          <p:nvPr>
+            <p:ph sz="quarter" idx="1"/>
+          </p:nvPr>
+        </p:nvSpPr>
+        <p:spPr/>
+        <p:txBody>
+          <a:bodyPr>
+            <a:normAutofit/>
+          </a:bodyPr>
+          <a:lstStyle/>
+          <a:p>
+            <a:r>
+              <a:rPr lang="en-US" dirty="0" err="1" smtClean="0"/>
+              <a:t>HelloWorld</a:t>
+            </a:r>
+            <a:r>
+              <a:rPr lang="en-US" dirty="0" smtClean="0"/>
+              <a:t> was our first application</a:t>
+            </a:r>
+          </a:p>
+          <a:p>
+            <a:r>
+              <a:rPr lang="en-US" dirty="0" smtClean="0"/>
+              <a:t>New application: Root </a:t>
+            </a:r>
+          </a:p>
+          <a:p>
+            <a:pPr lvl="1"/>
+            <a:r>
+              <a:rPr lang="en-US" dirty="0" smtClean="0"/>
+              <a:t>Will compute the square root of a number</a:t>
+            </a:r>
+          </a:p>
+          <a:p>
+            <a:pPr lvl="1"/>
+            <a:r>
+              <a:rPr lang="en-US" dirty="0" smtClean="0"/>
+              <a:t>File &gt; New File…</a:t>
+            </a:r>
+          </a:p>
+          <a:p>
+            <a:pPr lvl="1"/>
+            <a:r>
+              <a:rPr lang="en-US" dirty="0" smtClean="0"/>
+              <a:t>Category: Java</a:t>
+            </a:r>
+          </a:p>
+          <a:p>
+            <a:pPr lvl="1"/>
+            <a:r>
+              <a:rPr lang="en-US" dirty="0" smtClean="0"/>
+              <a:t>Type: Empty Java File</a:t>
+            </a:r>
+          </a:p>
+          <a:p>
+            <a:pPr lvl="1"/>
+            <a:r>
+              <a:rPr lang="en-US" dirty="0" smtClean="0"/>
+              <a:t>Next</a:t>
+            </a:r>
+          </a:p>
+          <a:p>
+            <a:pPr lvl="1"/>
+            <a:r>
+              <a:rPr lang="en-US" dirty="0" smtClean="0"/>
+              <a:t>Class Name: Root</a:t>
+            </a:r>
+          </a:p>
+          <a:p>
+            <a:pPr lvl="1"/>
+            <a:endParaRPr lang="en-US" dirty="0" smtClean="0"/>
+          </a:p>
+          <a:p>
+            <a:endParaRPr lang="en-US" dirty="0" smtClean="0"/>
+          </a:p>
+        </p:txBody>
+      </p:sp>
+    </p:spTree>
+    <p:extLst>
+      <p:ext uri="{BB962C8B-B14F-4D97-AF65-F5344CB8AC3E}">
+        <p14:creationId xmlns:p14="http://schemas.microsoft.com/office/powerpoint/2010/main" val="1341843927"/>
+      </p:ext>
+    </p:extLst>
+  </p:cSld>
+  <p:clrMapOvr>
+    <a:masterClrMapping/>
+  </p:clrMapOvr>
+  <p:timing>
+    <p:tnLst>
+      <p:par>
+        <p:cTn id="1" dur="indefinite" restart="never" nodeType="tmRoot"/>
+      </p:par>
+    </p:tnLst>
+  </p:timing>
+</p:sld>
+</file>
+
+<file path=ppt/slides/slide31.xml><?xml version="1.0" encoding="utf-8"?>
+<p:sld xmlns:a="http://schemas.openxmlformats.org/drawingml/2006/main" xmlns:r="http://schemas.openxmlformats.org/officeDocument/2006/relationships" xmlns:p="http://schemas.openxmlformats.org/presentationml/2006/main">
+  <p:cSld>
+    <p:spTree>
+      <p:nvGrpSpPr>
+        <p:cNvPr id="1" name=""/>
+        <p:cNvGrpSpPr/>
+        <p:nvPr/>
+      </p:nvGrpSpPr>
+      <p:grpSpPr>
+        <a:xfrm>
+          <a:off x="0" y="0"/>
+          <a:ext cx="0" cy="0"/>
+          <a:chOff x="0" y="0"/>
+          <a:chExt cx="0" cy="0"/>
+        </a:xfrm>
+      </p:grpSpPr>
+      <p:sp>
+        <p:nvSpPr>
+          <p:cNvPr id="4" name="Title 3"/>
+          <p:cNvSpPr>
+            <a:spLocks noGrp="1"/>
+          </p:cNvSpPr>
+          <p:nvPr>
+            <p:ph type="title"/>
+          </p:nvPr>
+        </p:nvSpPr>
+        <p:spPr/>
+        <p:txBody>
+          <a:bodyPr/>
+          <a:lstStyle/>
+          <a:p>
+            <a:r>
+              <a:rPr lang="en-US" dirty="0" smtClean="0"/>
+              <a:t>Creating an Application</a:t>
+            </a:r>
+            <a:endParaRPr lang="en-US" dirty="0"/>
+          </a:p>
+        </p:txBody>
+      </p:sp>
+      <p:sp>
+        <p:nvSpPr>
+          <p:cNvPr id="5" name="Content Placeholder 4"/>
+          <p:cNvSpPr>
+            <a:spLocks noGrp="1"/>
+          </p:cNvSpPr>
+          <p:nvPr>
+            <p:ph sz="quarter" idx="1"/>
+          </p:nvPr>
+        </p:nvSpPr>
+        <p:spPr/>
+        <p:txBody>
+          <a:bodyPr>
+            <a:normAutofit/>
+          </a:bodyPr>
+          <a:lstStyle/>
+          <a:p>
+            <a:pPr lvl="1"/>
+            <a:endParaRPr lang="en-US" dirty="0" smtClean="0"/>
+          </a:p>
+          <a:p>
+            <a:endParaRPr lang="en-US" dirty="0" smtClean="0"/>
+          </a:p>
+        </p:txBody>
+      </p:sp>
+      <p:pic>
+        <p:nvPicPr>
+          <p:cNvPr id="8" name="Picture 2"/>
+          <p:cNvPicPr>
+            <a:picLocks noChangeAspect="1" noChangeArrowheads="1"/>
+          </p:cNvPicPr>
+          <p:nvPr/>
+        </p:nvPicPr>
+        <p:blipFill>
+          <a:blip r:embed="rId2">
+            <a:extLst>
+              <a:ext uri="{28A0092B-C50C-407E-A947-70E740481C1C}">
+                <a14:useLocalDpi xmlns:a14="http://schemas.microsoft.com/office/drawing/2010/main" val="0"/>
+              </a:ext>
+            </a:extLst>
+          </a:blip>
+          <a:srcRect/>
+          <a:stretch>
+            <a:fillRect/>
+          </a:stretch>
+        </p:blipFill>
+        <p:spPr bwMode="auto">
+          <a:xfrm>
+            <a:off x="333375" y="1490663"/>
+            <a:ext cx="8477250" cy="3876675"/>
+          </a:xfrm>
+          <a:prstGeom prst="rect">
+            <a:avLst/>
+          </a:prstGeom>
+          <a:noFill/>
+          <a:ln>
+            <a:noFill/>
+          </a:ln>
+          <a:extLst>
+            <a:ext uri="{909E8E84-426E-40DD-AFC4-6F175D3DCCD1}">
+              <a14:hiddenFill xmlns:a14="http://schemas.microsoft.com/office/drawing/2010/main">
+                <a:solidFill>
+                  <a:schemeClr val="accent1"/>
+                </a:solidFill>
+              </a14:hiddenFill>
+            </a:ext>
+            <a:ext uri="{91240B29-F687-4F45-9708-019B960494DF}">
+              <a14:hiddenLine xmlns:a14="http://schemas.microsoft.com/office/drawing/2010/main" w="9525">
+                <a:solidFill>
+                  <a:schemeClr val="tx1"/>
+                </a:solidFill>
+                <a:miter lim="800000"/>
+                <a:headEnd/>
+                <a:tailEnd/>
+              </a14:hiddenLine>
+            </a:ext>
+          </a:extLst>
+        </p:spPr>
+      </p:pic>
+      <p:sp>
+        <p:nvSpPr>
+          <p:cNvPr id="9" name="Rectangular Callout 8"/>
+          <p:cNvSpPr/>
+          <p:nvPr/>
+        </p:nvSpPr>
+        <p:spPr>
+          <a:xfrm>
+            <a:off x="762000" y="4401162"/>
+            <a:ext cx="2667000" cy="543234"/>
+          </a:xfrm>
+          <a:prstGeom prst="wedgeRectCallout">
+            <a:avLst>
+              <a:gd name="adj1" fmla="val -18591"/>
+              <a:gd name="adj2" fmla="val -344179"/>
+            </a:avLst>
+          </a:prstGeom>
+          <a:solidFill>
+            <a:schemeClr val="bg1"/>
+          </a:solidFill>
+        </p:spPr>
+        <p:style>
+          <a:lnRef idx="2">
+            <a:schemeClr val="accent1">
+              <a:shade val="50000"/>
+            </a:schemeClr>
+          </a:lnRef>
+          <a:fillRef idx="1">
+            <a:schemeClr val="accent1"/>
+          </a:fillRef>
+          <a:effectRef idx="0">
+            <a:schemeClr val="accent1"/>
+          </a:effectRef>
+          <a:fontRef idx="minor">
+            <a:schemeClr val="lt1"/>
+          </a:fontRef>
+        </p:style>
+        <p:txBody>
+          <a:bodyPr rtlCol="0" anchor="ctr"/>
+          <a:lstStyle/>
+          <a:p>
+            <a:r>
+              <a:rPr lang="en-US" dirty="0" smtClean="0">
+                <a:solidFill>
+                  <a:schemeClr val="tx1"/>
+                </a:solidFill>
+              </a:rPr>
+              <a:t>Type </a:t>
+            </a:r>
+            <a:r>
+              <a:rPr lang="en-US" dirty="0" err="1" smtClean="0">
+                <a:solidFill>
+                  <a:schemeClr val="tx1"/>
+                </a:solidFill>
+              </a:rPr>
+              <a:t>int</a:t>
+            </a:r>
+            <a:r>
+              <a:rPr lang="en-US" dirty="0" smtClean="0">
+                <a:solidFill>
+                  <a:schemeClr val="tx1"/>
+                </a:solidFill>
+              </a:rPr>
+              <a:t> (integer) = whole numbers</a:t>
+            </a:r>
+            <a:endParaRPr lang="en-US" dirty="0">
+              <a:solidFill>
+                <a:schemeClr val="tx1"/>
+              </a:solidFill>
+            </a:endParaRPr>
+          </a:p>
+        </p:txBody>
+      </p:sp>
+      <p:sp>
+        <p:nvSpPr>
+          <p:cNvPr id="10" name="Rectangular Callout 9"/>
+          <p:cNvSpPr/>
+          <p:nvPr/>
+        </p:nvSpPr>
+        <p:spPr>
+          <a:xfrm>
+            <a:off x="3581400" y="4401162"/>
+            <a:ext cx="2667000" cy="543234"/>
+          </a:xfrm>
+          <a:prstGeom prst="wedgeRectCallout">
+            <a:avLst>
+              <a:gd name="adj1" fmla="val -106591"/>
+              <a:gd name="adj2" fmla="val -341373"/>
+            </a:avLst>
+          </a:prstGeom>
+          <a:solidFill>
+            <a:schemeClr val="bg1"/>
+          </a:solidFill>
+        </p:spPr>
+        <p:style>
+          <a:lnRef idx="2">
+            <a:schemeClr val="accent1">
+              <a:shade val="50000"/>
+            </a:schemeClr>
+          </a:lnRef>
+          <a:fillRef idx="1">
+            <a:schemeClr val="accent1"/>
+          </a:fillRef>
+          <a:effectRef idx="0">
+            <a:schemeClr val="accent1"/>
+          </a:effectRef>
+          <a:fontRef idx="minor">
+            <a:schemeClr val="lt1"/>
+          </a:fontRef>
+        </p:style>
+        <p:txBody>
+          <a:bodyPr rtlCol="0" anchor="ctr"/>
+          <a:lstStyle/>
+          <a:p>
+            <a:r>
+              <a:rPr lang="en-US" dirty="0" smtClean="0">
+                <a:solidFill>
+                  <a:schemeClr val="tx1"/>
+                </a:solidFill>
+              </a:rPr>
+              <a:t>Variable number</a:t>
+            </a:r>
+            <a:endParaRPr lang="en-US" dirty="0">
+              <a:solidFill>
+                <a:schemeClr val="tx1"/>
+              </a:solidFill>
+            </a:endParaRPr>
+          </a:p>
+        </p:txBody>
+      </p:sp>
+      <p:sp>
+        <p:nvSpPr>
+          <p:cNvPr id="11" name="Rectangular Callout 10"/>
+          <p:cNvSpPr/>
+          <p:nvPr/>
+        </p:nvSpPr>
+        <p:spPr>
+          <a:xfrm>
+            <a:off x="5715000" y="3657600"/>
+            <a:ext cx="2667000" cy="543234"/>
+          </a:xfrm>
+          <a:prstGeom prst="wedgeRectCallout">
+            <a:avLst>
+              <a:gd name="adj1" fmla="val -159734"/>
+              <a:gd name="adj2" fmla="val -217934"/>
+            </a:avLst>
+          </a:prstGeom>
+          <a:solidFill>
+            <a:schemeClr val="bg1"/>
+          </a:solidFill>
+        </p:spPr>
+        <p:style>
+          <a:lnRef idx="2">
+            <a:schemeClr val="accent1">
+              <a:shade val="50000"/>
+            </a:schemeClr>
+          </a:lnRef>
+          <a:fillRef idx="1">
+            <a:schemeClr val="accent1"/>
+          </a:fillRef>
+          <a:effectRef idx="0">
+            <a:schemeClr val="accent1"/>
+          </a:effectRef>
+          <a:fontRef idx="minor">
+            <a:schemeClr val="lt1"/>
+          </a:fontRef>
+        </p:style>
+        <p:txBody>
+          <a:bodyPr rtlCol="0" anchor="ctr"/>
+          <a:lstStyle/>
+          <a:p>
+            <a:r>
+              <a:rPr lang="en-US" dirty="0" smtClean="0">
+                <a:solidFill>
+                  <a:schemeClr val="tx1"/>
+                </a:solidFill>
+              </a:rPr>
+              <a:t>Initialized to 225</a:t>
+            </a:r>
+            <a:endParaRPr lang="en-US" dirty="0">
+              <a:solidFill>
+                <a:schemeClr val="tx1"/>
+              </a:solidFill>
+            </a:endParaRPr>
+          </a:p>
+        </p:txBody>
+      </p:sp>
+    </p:spTree>
+    <p:extLst>
+      <p:ext uri="{BB962C8B-B14F-4D97-AF65-F5344CB8AC3E}">
+        <p14:creationId xmlns:p14="http://schemas.microsoft.com/office/powerpoint/2010/main" val="558525281"/>
+      </p:ext>
+    </p:extLst>
+  </p:cSld>
+  <p:clrMapOvr>
+    <a:masterClrMapping/>
+  </p:clrMapOvr>
+  <p:timing>
+    <p:tnLst>
+      <p:par>
+        <p:cTn id="1" dur="indefinite" restart="never" nodeType="tmRoot"/>
+      </p:par>
+    </p:tnLst>
+  </p:timing>
+</p:sld>
+</file>
+
+<file path=ppt/slides/slide32.xml><?xml version="1.0" encoding="utf-8"?>
+<p:sld xmlns:a="http://schemas.openxmlformats.org/drawingml/2006/main" xmlns:r="http://schemas.openxmlformats.org/officeDocument/2006/relationships" xmlns:p="http://schemas.openxmlformats.org/presentationml/2006/main">
+  <p:cSld>
+    <p:spTree>
+      <p:nvGrpSpPr>
+        <p:cNvPr id="1" name=""/>
+        <p:cNvGrpSpPr/>
+        <p:nvPr/>
+      </p:nvGrpSpPr>
+      <p:grpSpPr>
+        <a:xfrm>
+          <a:off x="0" y="0"/>
+          <a:ext cx="0" cy="0"/>
+          <a:chOff x="0" y="0"/>
+          <a:chExt cx="0" cy="0"/>
+        </a:xfrm>
+      </p:grpSpPr>
+      <p:sp>
+        <p:nvSpPr>
+          <p:cNvPr id="4" name="Title 3"/>
+          <p:cNvSpPr>
+            <a:spLocks noGrp="1"/>
+          </p:cNvSpPr>
+          <p:nvPr>
+            <p:ph type="title"/>
+          </p:nvPr>
+        </p:nvSpPr>
+        <p:spPr/>
+        <p:txBody>
+          <a:bodyPr/>
+          <a:lstStyle/>
+          <a:p>
+            <a:r>
+              <a:rPr lang="en-US" dirty="0" smtClean="0"/>
+              <a:t>Creating an Application</a:t>
+            </a:r>
+            <a:endParaRPr lang="en-US" dirty="0"/>
+          </a:p>
+        </p:txBody>
+      </p:sp>
+      <p:sp>
+        <p:nvSpPr>
+          <p:cNvPr id="5" name="Content Placeholder 4"/>
+          <p:cNvSpPr>
+            <a:spLocks noGrp="1"/>
+          </p:cNvSpPr>
+          <p:nvPr>
+            <p:ph sz="quarter" idx="1"/>
+          </p:nvPr>
+        </p:nvSpPr>
+        <p:spPr/>
+        <p:txBody>
+          <a:bodyPr>
+            <a:normAutofit/>
+          </a:bodyPr>
+          <a:lstStyle/>
+          <a:p>
+            <a:pPr lvl="1"/>
+            <a:endParaRPr lang="en-US" dirty="0" smtClean="0"/>
+          </a:p>
+          <a:p>
+            <a:endParaRPr lang="en-US" dirty="0" smtClean="0"/>
+          </a:p>
+        </p:txBody>
+      </p:sp>
+      <p:pic>
+        <p:nvPicPr>
+          <p:cNvPr id="8" name="Picture 2"/>
+          <p:cNvPicPr>
+            <a:picLocks noChangeAspect="1" noChangeArrowheads="1"/>
+          </p:cNvPicPr>
+          <p:nvPr/>
+        </p:nvPicPr>
+        <p:blipFill>
+          <a:blip r:embed="rId2">
+            <a:extLst>
+              <a:ext uri="{28A0092B-C50C-407E-A947-70E740481C1C}">
+                <a14:useLocalDpi xmlns:a14="http://schemas.microsoft.com/office/drawing/2010/main" val="0"/>
+              </a:ext>
+            </a:extLst>
+          </a:blip>
+          <a:srcRect/>
+          <a:stretch>
+            <a:fillRect/>
+          </a:stretch>
+        </p:blipFill>
+        <p:spPr bwMode="auto">
+          <a:xfrm>
+            <a:off x="333375" y="1490663"/>
+            <a:ext cx="8477250" cy="3876675"/>
+          </a:xfrm>
+          <a:prstGeom prst="rect">
+            <a:avLst/>
+          </a:prstGeom>
+          <a:noFill/>
+          <a:ln>
+            <a:noFill/>
+          </a:ln>
+          <a:extLst>
+            <a:ext uri="{909E8E84-426E-40DD-AFC4-6F175D3DCCD1}">
+              <a14:hiddenFill xmlns:a14="http://schemas.microsoft.com/office/drawing/2010/main">
+                <a:solidFill>
+                  <a:schemeClr val="accent1"/>
+                </a:solidFill>
+              </a14:hiddenFill>
+            </a:ext>
+            <a:ext uri="{91240B29-F687-4F45-9708-019B960494DF}">
+              <a14:hiddenLine xmlns:a14="http://schemas.microsoft.com/office/drawing/2010/main" w="9525">
+                <a:solidFill>
+                  <a:schemeClr val="tx1"/>
+                </a:solidFill>
+                <a:miter lim="800000"/>
+                <a:headEnd/>
+                <a:tailEnd/>
+              </a14:hiddenLine>
+            </a:ext>
+          </a:extLst>
+        </p:spPr>
+      </p:pic>
+      <p:sp>
+        <p:nvSpPr>
+          <p:cNvPr id="9" name="Rectangular Callout 8"/>
+          <p:cNvSpPr/>
+          <p:nvPr/>
+        </p:nvSpPr>
+        <p:spPr>
+          <a:xfrm>
+            <a:off x="5638800" y="2133600"/>
+            <a:ext cx="2667000" cy="543234"/>
+          </a:xfrm>
+          <a:prstGeom prst="wedgeRectCallout">
+            <a:avLst>
+              <a:gd name="adj1" fmla="val -175589"/>
+              <a:gd name="adj2" fmla="val 76634"/>
+            </a:avLst>
+          </a:prstGeom>
+          <a:solidFill>
+            <a:schemeClr val="bg1"/>
+          </a:solidFill>
+        </p:spPr>
+        <p:style>
+          <a:lnRef idx="2">
+            <a:schemeClr val="accent1">
+              <a:shade val="50000"/>
+            </a:schemeClr>
+          </a:lnRef>
+          <a:fillRef idx="1">
+            <a:schemeClr val="accent1"/>
+          </a:fillRef>
+          <a:effectRef idx="0">
+            <a:schemeClr val="accent1"/>
+          </a:effectRef>
+          <a:fontRef idx="minor">
+            <a:schemeClr val="lt1"/>
+          </a:fontRef>
+        </p:style>
+        <p:txBody>
+          <a:bodyPr rtlCol="0" anchor="ctr"/>
+          <a:lstStyle/>
+          <a:p>
+            <a:r>
+              <a:rPr lang="en-US" dirty="0" smtClean="0">
+                <a:solidFill>
+                  <a:schemeClr val="tx1"/>
+                </a:solidFill>
+              </a:rPr>
+              <a:t>Normal print command</a:t>
+            </a:r>
+            <a:endParaRPr lang="en-US" dirty="0">
+              <a:solidFill>
+                <a:schemeClr val="tx1"/>
+              </a:solidFill>
+            </a:endParaRPr>
+          </a:p>
+        </p:txBody>
+      </p:sp>
+      <p:sp>
+        <p:nvSpPr>
+          <p:cNvPr id="10" name="Rectangular Callout 9"/>
+          <p:cNvSpPr/>
+          <p:nvPr/>
+        </p:nvSpPr>
+        <p:spPr>
+          <a:xfrm>
+            <a:off x="5638800" y="2880848"/>
+            <a:ext cx="2667000" cy="543234"/>
+          </a:xfrm>
+          <a:prstGeom prst="wedgeRectCallout">
+            <a:avLst>
+              <a:gd name="adj1" fmla="val -80600"/>
+              <a:gd name="adj2" fmla="val -42731"/>
+            </a:avLst>
+          </a:prstGeom>
+          <a:solidFill>
+            <a:schemeClr val="bg1"/>
+          </a:solidFill>
+        </p:spPr>
+        <p:style>
+          <a:lnRef idx="2">
+            <a:schemeClr val="accent1">
+              <a:shade val="50000"/>
+            </a:schemeClr>
+          </a:lnRef>
+          <a:fillRef idx="1">
+            <a:schemeClr val="accent1"/>
+          </a:fillRef>
+          <a:effectRef idx="0">
+            <a:schemeClr val="accent1"/>
+          </a:effectRef>
+          <a:fontRef idx="minor">
+            <a:schemeClr val="lt1"/>
+          </a:fontRef>
+        </p:style>
+        <p:txBody>
+          <a:bodyPr rtlCol="0" anchor="ctr"/>
+          <a:lstStyle/>
+          <a:p>
+            <a:r>
+              <a:rPr lang="en-US" dirty="0" smtClean="0">
+                <a:solidFill>
+                  <a:schemeClr val="tx1"/>
+                </a:solidFill>
+              </a:rPr>
+              <a:t>Concatenation</a:t>
+            </a:r>
+            <a:endParaRPr lang="en-US" dirty="0">
+              <a:solidFill>
+                <a:schemeClr val="tx1"/>
+              </a:solidFill>
+            </a:endParaRPr>
+          </a:p>
+        </p:txBody>
+      </p:sp>
+      <p:sp>
+        <p:nvSpPr>
+          <p:cNvPr id="11" name="Rectangular Callout 10"/>
+          <p:cNvSpPr/>
+          <p:nvPr/>
+        </p:nvSpPr>
+        <p:spPr>
+          <a:xfrm>
+            <a:off x="5638800" y="3581400"/>
+            <a:ext cx="2667000" cy="543234"/>
+          </a:xfrm>
+          <a:prstGeom prst="wedgeRectCallout">
+            <a:avLst>
+              <a:gd name="adj1" fmla="val -129319"/>
+              <a:gd name="adj2" fmla="val -141916"/>
+            </a:avLst>
+          </a:prstGeom>
+          <a:solidFill>
+            <a:schemeClr val="bg1"/>
+          </a:solidFill>
+        </p:spPr>
+        <p:style>
+          <a:lnRef idx="2">
+            <a:schemeClr val="accent1">
+              <a:shade val="50000"/>
+            </a:schemeClr>
+          </a:lnRef>
+          <a:fillRef idx="1">
+            <a:schemeClr val="accent1"/>
+          </a:fillRef>
+          <a:effectRef idx="0">
+            <a:schemeClr val="accent1"/>
+          </a:effectRef>
+          <a:fontRef idx="minor">
+            <a:schemeClr val="lt1"/>
+          </a:fontRef>
+        </p:style>
+        <p:txBody>
+          <a:bodyPr rtlCol="0" anchor="ctr"/>
+          <a:lstStyle/>
+          <a:p>
+            <a:r>
+              <a:rPr lang="en-US" dirty="0" smtClean="0">
+                <a:solidFill>
+                  <a:schemeClr val="tx1"/>
+                </a:solidFill>
+              </a:rPr>
+              <a:t>Prints contents of number</a:t>
+            </a:r>
+            <a:endParaRPr lang="en-US" dirty="0">
+              <a:solidFill>
+                <a:schemeClr val="tx1"/>
+              </a:solidFill>
+            </a:endParaRPr>
+          </a:p>
+        </p:txBody>
+      </p:sp>
+      <p:sp>
+        <p:nvSpPr>
+          <p:cNvPr id="12" name="Rectangular Callout 11"/>
+          <p:cNvSpPr/>
+          <p:nvPr/>
+        </p:nvSpPr>
+        <p:spPr>
+          <a:xfrm>
+            <a:off x="3276600" y="4277034"/>
+            <a:ext cx="5029200" cy="543234"/>
+          </a:xfrm>
+          <a:prstGeom prst="wedgeRectCallout">
+            <a:avLst>
+              <a:gd name="adj1" fmla="val -40674"/>
+              <a:gd name="adj2" fmla="val -190785"/>
+            </a:avLst>
+          </a:prstGeom>
+          <a:solidFill>
+            <a:schemeClr val="bg1"/>
+          </a:solidFill>
+        </p:spPr>
+        <p:style>
+          <a:lnRef idx="2">
+            <a:schemeClr val="accent1">
+              <a:shade val="50000"/>
+            </a:schemeClr>
+          </a:lnRef>
+          <a:fillRef idx="1">
+            <a:schemeClr val="accent1"/>
+          </a:fillRef>
+          <a:effectRef idx="0">
+            <a:schemeClr val="accent1"/>
+          </a:effectRef>
+          <a:fontRef idx="minor">
+            <a:schemeClr val="lt1"/>
+          </a:fontRef>
+        </p:style>
+        <p:txBody>
+          <a:bodyPr rtlCol="0" anchor="ctr"/>
+          <a:lstStyle/>
+          <a:p>
+            <a:r>
+              <a:rPr lang="en-US" dirty="0" smtClean="0">
+                <a:solidFill>
+                  <a:schemeClr val="tx1"/>
+                </a:solidFill>
+              </a:rPr>
+              <a:t>Compute square root of number AND print it</a:t>
+            </a:r>
+            <a:endParaRPr lang="en-US" dirty="0">
+              <a:solidFill>
+                <a:schemeClr val="tx1"/>
+              </a:solidFill>
+            </a:endParaRPr>
+          </a:p>
+        </p:txBody>
+      </p:sp>
+    </p:spTree>
+    <p:extLst>
+      <p:ext uri="{BB962C8B-B14F-4D97-AF65-F5344CB8AC3E}">
+        <p14:creationId xmlns:p14="http://schemas.microsoft.com/office/powerpoint/2010/main" val="2188398848"/>
+      </p:ext>
+    </p:extLst>
+  </p:cSld>
+  <p:clrMapOvr>
+    <a:masterClrMapping/>
+  </p:clrMapOvr>
+  <p:timing>
+    <p:tnLst>
+      <p:par>
+        <p:cTn id="1" dur="indefinite" restart="never" nodeType="tmRoot"/>
+      </p:par>
+    </p:tnLst>
+  </p:timing>
+</p:sld>
+</file>
+
+<file path=ppt/slides/slide33.xml><?xml version="1.0" encoding="utf-8"?>
+<p:sld xmlns:a="http://schemas.openxmlformats.org/drawingml/2006/main" xmlns:r="http://schemas.openxmlformats.org/officeDocument/2006/relationships" xmlns:p="http://schemas.openxmlformats.org/presentationml/2006/main">
+  <p:cSld>
+    <p:spTree>
+      <p:nvGrpSpPr>
+        <p:cNvPr id="1" name=""/>
+        <p:cNvGrpSpPr/>
+        <p:nvPr/>
+      </p:nvGrpSpPr>
+      <p:grpSpPr>
+        <a:xfrm>
+          <a:off x="0" y="0"/>
+          <a:ext cx="0" cy="0"/>
+          <a:chOff x="0" y="0"/>
+          <a:chExt cx="0" cy="0"/>
+        </a:xfrm>
+      </p:grpSpPr>
+      <p:sp>
+        <p:nvSpPr>
+          <p:cNvPr id="7" name="Content Placeholder 4"/>
+          <p:cNvSpPr txBox="1">
+            <a:spLocks/>
+          </p:cNvSpPr>
+          <p:nvPr/>
+        </p:nvSpPr>
+        <p:spPr>
+          <a:xfrm>
+            <a:off x="457200" y="1219200"/>
+            <a:ext cx="8229600" cy="4937760"/>
+          </a:xfrm>
+          <a:prstGeom prst="rect">
+            <a:avLst/>
+          </a:prstGeom>
+        </p:spPr>
+        <p:txBody>
+          <a:bodyPr vert="horz">
+            <a:normAutofit fontScale="77500" lnSpcReduction="20000"/>
+          </a:bodyPr>
+          <a:lstStyle>
+            <a:lvl1pPr marL="274320" indent="-274320" algn="l" rtl="0" eaLnBrk="1" latinLnBrk="0" hangingPunct="1">
+              <a:spcBef>
+                <a:spcPts val="600"/>
+              </a:spcBef>
+              <a:buClr>
+                <a:schemeClr val="accent1"/>
+              </a:buClr>
+              <a:buSzPct val="76000"/>
+              <a:buFont typeface="Wingdings 3"/>
+              <a:buChar char=""/>
+              <a:defRPr kumimoji="0" sz="2600" kern="1200">
+                <a:solidFill>
+                  <a:schemeClr val="tx1"/>
+                </a:solidFill>
+                <a:latin typeface="+mn-lt"/>
+                <a:ea typeface="+mn-ea"/>
+                <a:cs typeface="+mn-cs"/>
+              </a:defRPr>
+            </a:lvl1pPr>
+            <a:lvl2pPr marL="548640" indent="-274320" algn="l" rtl="0" eaLnBrk="1" latinLnBrk="0" hangingPunct="1">
+              <a:spcBef>
+                <a:spcPts val="500"/>
+              </a:spcBef>
+              <a:buClr>
+                <a:schemeClr val="accent2"/>
+              </a:buClr>
+              <a:buSzPct val="76000"/>
+              <a:buFont typeface="Wingdings 3"/>
+              <a:buChar char=""/>
+              <a:defRPr kumimoji="0" sz="2300" kern="1200">
+                <a:solidFill>
+                  <a:schemeClr val="tx2"/>
+                </a:solidFill>
+                <a:latin typeface="+mn-lt"/>
+                <a:ea typeface="+mn-ea"/>
+                <a:cs typeface="+mn-cs"/>
+              </a:defRPr>
+            </a:lvl2pPr>
+            <a:lvl3pPr marL="822960" indent="-228600" algn="l" rtl="0" eaLnBrk="1" latinLnBrk="0" hangingPunct="1">
+              <a:spcBef>
+                <a:spcPts val="500"/>
+              </a:spcBef>
+              <a:buClr>
+                <a:schemeClr val="bg1">
+                  <a:shade val="50000"/>
+                </a:schemeClr>
+              </a:buClr>
+              <a:buSzPct val="76000"/>
+              <a:buFont typeface="Wingdings 3"/>
+              <a:buChar char=""/>
+              <a:defRPr kumimoji="0" sz="2000" kern="1200">
+                <a:solidFill>
+                  <a:schemeClr val="tx1"/>
+                </a:solidFill>
+                <a:latin typeface="+mn-lt"/>
+                <a:ea typeface="+mn-ea"/>
+                <a:cs typeface="+mn-cs"/>
+              </a:defRPr>
+            </a:lvl3pPr>
+            <a:lvl4pPr marL="1097280" indent="-228600" algn="l" rtl="0" eaLnBrk="1" latinLnBrk="0" hangingPunct="1">
+              <a:spcBef>
+                <a:spcPts val="400"/>
+              </a:spcBef>
+              <a:buClr>
+                <a:schemeClr val="accent2">
+                  <a:shade val="75000"/>
+                </a:schemeClr>
+              </a:buClr>
+              <a:buSzPct val="70000"/>
+              <a:buFont typeface="Wingdings"/>
+              <a:buChar char=""/>
+              <a:defRPr kumimoji="0" sz="1800" kern="1200">
+                <a:solidFill>
+                  <a:schemeClr val="tx1"/>
+                </a:solidFill>
+                <a:latin typeface="+mn-lt"/>
+                <a:ea typeface="+mn-ea"/>
+                <a:cs typeface="+mn-cs"/>
+              </a:defRPr>
+            </a:lvl4pPr>
+            <a:lvl5pPr marL="1371600" indent="-228600" algn="l" rtl="0" eaLnBrk="1" latinLnBrk="0" hangingPunct="1">
+              <a:spcBef>
+                <a:spcPts val="300"/>
+              </a:spcBef>
+              <a:buClr>
+                <a:schemeClr val="accent2"/>
+              </a:buClr>
+              <a:buSzPct val="70000"/>
+              <a:buFont typeface="Wingdings"/>
+              <a:buChar char=""/>
+              <a:defRPr kumimoji="0" sz="1600" kern="1200">
+                <a:solidFill>
+                  <a:schemeClr val="tx1"/>
+                </a:solidFill>
+                <a:latin typeface="+mn-lt"/>
+                <a:ea typeface="+mn-ea"/>
+                <a:cs typeface="+mn-cs"/>
+              </a:defRPr>
+            </a:lvl5pPr>
+            <a:lvl6pPr marL="1645920" indent="-182880" algn="l" rtl="0" eaLnBrk="1" latinLnBrk="0" hangingPunct="1">
+              <a:spcBef>
+                <a:spcPts val="300"/>
+              </a:spcBef>
+              <a:buClr>
+                <a:srgbClr val="9FB8CD">
+                  <a:shade val="75000"/>
+                </a:srgbClr>
+              </a:buClr>
+              <a:buSzPct val="75000"/>
+              <a:buFont typeface="Wingdings 3"/>
+              <a:buChar char=""/>
+              <a:defRPr kumimoji="0" lang="en-US" sz="1600" kern="1200" smtClean="0">
+                <a:solidFill>
+                  <a:schemeClr val="tx1"/>
+                </a:solidFill>
+                <a:latin typeface="+mn-lt"/>
+                <a:ea typeface="+mn-ea"/>
+                <a:cs typeface="+mn-cs"/>
+              </a:defRPr>
+            </a:lvl6pPr>
+            <a:lvl7pPr marL="1828800" indent="-182880" algn="l" rtl="0" eaLnBrk="1" latinLnBrk="0" hangingPunct="1">
+              <a:spcBef>
+                <a:spcPts val="300"/>
+              </a:spcBef>
+              <a:buClr>
+                <a:srgbClr val="727CA3">
+                  <a:shade val="75000"/>
+                </a:srgbClr>
+              </a:buClr>
+              <a:buSzPct val="75000"/>
+              <a:buFont typeface="Wingdings 3"/>
+              <a:buChar char=""/>
+              <a:defRPr kumimoji="0" lang="en-US" sz="1400" kern="1200" smtClean="0">
+                <a:solidFill>
+                  <a:schemeClr val="tx1"/>
+                </a:solidFill>
+                <a:latin typeface="+mn-lt"/>
+                <a:ea typeface="+mn-ea"/>
+                <a:cs typeface="+mn-cs"/>
+              </a:defRPr>
+            </a:lvl7pPr>
+            <a:lvl8pPr marL="2011680" indent="-182880" algn="l" rtl="0" eaLnBrk="1" latinLnBrk="0" hangingPunct="1">
+              <a:spcBef>
+                <a:spcPts val="300"/>
+              </a:spcBef>
+              <a:buClr>
+                <a:prstClr val="white">
+                  <a:shade val="50000"/>
+                </a:prstClr>
+              </a:buClr>
+              <a:buSzPct val="75000"/>
+              <a:buFont typeface="Wingdings 3"/>
+              <a:buChar char=""/>
+              <a:defRPr kumimoji="0" lang="en-US" sz="1400" kern="1200" smtClean="0">
+                <a:solidFill>
+                  <a:schemeClr val="tx1"/>
+                </a:solidFill>
+                <a:latin typeface="+mn-lt"/>
+                <a:ea typeface="+mn-ea"/>
+                <a:cs typeface="+mn-cs"/>
+              </a:defRPr>
+            </a:lvl8pPr>
+            <a:lvl9pPr marL="2194560" indent="-182880" algn="l" rtl="0" eaLnBrk="1" latinLnBrk="0" hangingPunct="1">
+              <a:spcBef>
+                <a:spcPts val="300"/>
+              </a:spcBef>
+              <a:buClr>
+                <a:srgbClr val="9FB8CD"/>
+              </a:buClr>
+              <a:buSzPct val="75000"/>
+              <a:buFont typeface="Wingdings 3"/>
+              <a:buChar char=""/>
+              <a:defRPr kumimoji="0" lang="en-US" sz="1200" kern="1200" smtClean="0">
+                <a:solidFill>
+                  <a:schemeClr val="tx1"/>
+                </a:solidFill>
+                <a:latin typeface="+mn-lt"/>
+                <a:ea typeface="+mn-ea"/>
+                <a:cs typeface="+mn-cs"/>
+              </a:defRPr>
+            </a:lvl9pPr>
+          </a:lstStyle>
+          <a:p>
+            <a:r>
+              <a:rPr lang="en-US" dirty="0" smtClean="0"/>
+              <a:t>Demonstrate running java from the command line</a:t>
+            </a:r>
+          </a:p>
+          <a:p>
+            <a:pPr lvl="1"/>
+            <a:r>
+              <a:rPr lang="en-US" dirty="0" smtClean="0"/>
+              <a:t>This is what </a:t>
+            </a:r>
+            <a:r>
+              <a:rPr lang="en-US" dirty="0" err="1" smtClean="0"/>
+              <a:t>Netbeans</a:t>
+            </a:r>
+            <a:r>
+              <a:rPr lang="en-US" dirty="0" smtClean="0"/>
+              <a:t> is doing when we hit run</a:t>
+            </a:r>
+          </a:p>
+          <a:p>
+            <a:pPr lvl="1"/>
+            <a:endParaRPr lang="en-US" dirty="0"/>
+          </a:p>
+          <a:p>
+            <a:pPr lvl="1"/>
+            <a:endParaRPr lang="en-US" dirty="0" smtClean="0"/>
+          </a:p>
+          <a:p>
+            <a:pPr lvl="1"/>
+            <a:endParaRPr lang="en-US" dirty="0"/>
+          </a:p>
+          <a:p>
+            <a:pPr lvl="1"/>
+            <a:endParaRPr lang="en-US" dirty="0" smtClean="0"/>
+          </a:p>
+          <a:p>
+            <a:pPr lvl="1"/>
+            <a:endParaRPr lang="en-US" dirty="0"/>
+          </a:p>
+          <a:p>
+            <a:pPr lvl="1"/>
+            <a:endParaRPr lang="en-US" dirty="0" smtClean="0"/>
+          </a:p>
+          <a:p>
+            <a:pPr marL="274320" lvl="1" indent="0">
+              <a:buNone/>
+            </a:pPr>
+            <a:endParaRPr lang="en-US" dirty="0" smtClean="0"/>
+          </a:p>
+          <a:p>
+            <a:endParaRPr lang="en-US" dirty="0" smtClean="0"/>
+          </a:p>
+          <a:p>
+            <a:endParaRPr lang="en-US" dirty="0"/>
+          </a:p>
+          <a:p>
+            <a:endParaRPr lang="en-US" dirty="0" smtClean="0"/>
+          </a:p>
+          <a:p>
+            <a:endParaRPr lang="en-US" dirty="0"/>
+          </a:p>
+          <a:p>
+            <a:r>
+              <a:rPr lang="en-US" dirty="0" smtClean="0"/>
+              <a:t>Need to add java path to “PATH”</a:t>
+            </a:r>
+          </a:p>
+          <a:p>
+            <a:r>
+              <a:rPr lang="en-US" dirty="0" smtClean="0"/>
+              <a:t>We can add arguments</a:t>
+            </a:r>
+          </a:p>
+          <a:p>
+            <a:pPr lvl="1"/>
+            <a:r>
+              <a:rPr lang="en-US" dirty="0" smtClean="0"/>
+              <a:t>java </a:t>
+            </a:r>
+            <a:r>
+              <a:rPr lang="en-US" dirty="0" err="1" smtClean="0"/>
+              <a:t>TextDisplayer</a:t>
+            </a:r>
+            <a:r>
+              <a:rPr lang="en-US" dirty="0" smtClean="0"/>
+              <a:t> readme.txt /p “Page Title”</a:t>
+            </a:r>
+            <a:endParaRPr lang="en-US" dirty="0" smtClean="0"/>
+          </a:p>
+        </p:txBody>
+      </p:sp>
+      <p:sp>
+        <p:nvSpPr>
+          <p:cNvPr id="4" name="Title 3"/>
+          <p:cNvSpPr>
+            <a:spLocks noGrp="1"/>
+          </p:cNvSpPr>
+          <p:nvPr>
+            <p:ph type="title"/>
+          </p:nvPr>
+        </p:nvSpPr>
+        <p:spPr/>
+        <p:txBody>
+          <a:bodyPr/>
+          <a:lstStyle/>
+          <a:p>
+            <a:r>
+              <a:rPr lang="en-US" dirty="0" smtClean="0"/>
+              <a:t>Sending Arguments to Applications</a:t>
+            </a:r>
+            <a:endParaRPr lang="en-US" dirty="0"/>
+          </a:p>
+        </p:txBody>
+      </p:sp>
+      <p:pic>
+        <p:nvPicPr>
+          <p:cNvPr id="6" name="Picture 2"/>
+          <p:cNvPicPr>
+            <a:picLocks noGrp="1" noChangeAspect="1" noChangeArrowheads="1"/>
+          </p:cNvPicPr>
+          <p:nvPr>
+            <p:ph sz="quarter" idx="1"/>
+          </p:nvPr>
+        </p:nvPicPr>
+        <p:blipFill>
+          <a:blip r:embed="rId2">
+            <a:extLst>
+              <a:ext uri="{28A0092B-C50C-407E-A947-70E740481C1C}">
+                <a14:useLocalDpi xmlns:a14="http://schemas.microsoft.com/office/drawing/2010/main" val="0"/>
+              </a:ext>
+            </a:extLst>
+          </a:blip>
+          <a:srcRect/>
+          <a:stretch>
+            <a:fillRect/>
+          </a:stretch>
+        </p:blipFill>
+        <p:spPr bwMode="auto">
+          <a:xfrm>
+            <a:off x="1669257" y="1931243"/>
+            <a:ext cx="5805487" cy="2945557"/>
+          </a:xfrm>
+          <a:prstGeom prst="rect">
+            <a:avLst/>
+          </a:prstGeom>
+          <a:noFill/>
+          <a:ln>
+            <a:noFill/>
+          </a:ln>
+          <a:extLst>
+            <a:ext uri="{909E8E84-426E-40DD-AFC4-6F175D3DCCD1}">
+              <a14:hiddenFill xmlns:a14="http://schemas.microsoft.com/office/drawing/2010/main">
+                <a:solidFill>
+                  <a:schemeClr val="accent1"/>
+                </a:solidFill>
+              </a14:hiddenFill>
+            </a:ext>
+            <a:ext uri="{91240B29-F687-4F45-9708-019B960494DF}">
+              <a14:hiddenLine xmlns:a14="http://schemas.microsoft.com/office/drawing/2010/main" w="9525">
+                <a:solidFill>
+                  <a:schemeClr val="tx1"/>
+                </a:solidFill>
+                <a:miter lim="800000"/>
+                <a:headEnd/>
+                <a:tailEnd/>
+              </a14:hiddenLine>
+            </a:ext>
+          </a:extLst>
+        </p:spPr>
+      </p:pic>
+    </p:spTree>
+    <p:extLst>
+      <p:ext uri="{BB962C8B-B14F-4D97-AF65-F5344CB8AC3E}">
+        <p14:creationId xmlns:p14="http://schemas.microsoft.com/office/powerpoint/2010/main" val="3054596362"/>
+      </p:ext>
+    </p:extLst>
+  </p:cSld>
+  <p:clrMapOvr>
+    <a:masterClrMapping/>
+  </p:clrMapOvr>
+  <p:timing>
+    <p:tnLst>
+      <p:par>
+        <p:cTn id="1" dur="indefinite" restart="never" nodeType="tmRoot"/>
+      </p:par>
+    </p:tnLst>
+  </p:timing>
+</p:sld>
+</file>
+
+<file path=ppt/slides/slide34.xml><?xml version="1.0" encoding="utf-8"?>
+<p:sld xmlns:a="http://schemas.openxmlformats.org/drawingml/2006/main" xmlns:r="http://schemas.openxmlformats.org/officeDocument/2006/relationships" xmlns:p="http://schemas.openxmlformats.org/presentationml/2006/main">
+  <p:cSld>
+    <p:spTree>
+      <p:nvGrpSpPr>
+        <p:cNvPr id="1" name=""/>
+        <p:cNvGrpSpPr/>
+        <p:nvPr/>
+      </p:nvGrpSpPr>
+      <p:grpSpPr>
+        <a:xfrm>
+          <a:off x="0" y="0"/>
+          <a:ext cx="0" cy="0"/>
+          <a:chOff x="0" y="0"/>
+          <a:chExt cx="0" cy="0"/>
+        </a:xfrm>
+      </p:grpSpPr>
+      <p:sp>
+        <p:nvSpPr>
+          <p:cNvPr id="4" name="Title 3"/>
+          <p:cNvSpPr>
+            <a:spLocks noGrp="1"/>
+          </p:cNvSpPr>
+          <p:nvPr>
+            <p:ph type="title"/>
+          </p:nvPr>
+        </p:nvSpPr>
+        <p:spPr/>
+        <p:txBody>
+          <a:bodyPr/>
+          <a:lstStyle/>
+          <a:p>
+            <a:r>
+              <a:rPr lang="en-US" dirty="0" smtClean="0"/>
+              <a:t>Sending Arguments to Applications</a:t>
+            </a:r>
+            <a:endParaRPr lang="en-US" dirty="0"/>
+          </a:p>
+        </p:txBody>
+      </p:sp>
+      <p:sp>
+        <p:nvSpPr>
+          <p:cNvPr id="3" name="Content Placeholder 2"/>
+          <p:cNvSpPr>
+            <a:spLocks noGrp="1"/>
+          </p:cNvSpPr>
+          <p:nvPr>
+            <p:ph sz="quarter" idx="1"/>
+          </p:nvPr>
+        </p:nvSpPr>
+        <p:spPr/>
+        <p:txBody>
+          <a:bodyPr/>
+          <a:lstStyle/>
+          <a:p>
+            <a:r>
+              <a:rPr lang="en-US" dirty="0"/>
+              <a:t>New application: </a:t>
+            </a:r>
+            <a:r>
+              <a:rPr lang="en-US" dirty="0" err="1" smtClean="0"/>
+              <a:t>BlankFiller</a:t>
+            </a:r>
+            <a:endParaRPr lang="en-US" dirty="0"/>
+          </a:p>
+          <a:p>
+            <a:pPr lvl="1"/>
+            <a:r>
+              <a:rPr lang="en-US" dirty="0"/>
+              <a:t>Will </a:t>
+            </a:r>
+            <a:r>
+              <a:rPr lang="en-US" dirty="0" smtClean="0"/>
+              <a:t>use command line arguments to fill in the blanks in a sentence</a:t>
+            </a:r>
+            <a:endParaRPr lang="en-US" dirty="0"/>
+          </a:p>
+          <a:p>
+            <a:pPr lvl="1"/>
+            <a:r>
+              <a:rPr lang="en-US" dirty="0"/>
+              <a:t>File &gt; New File…</a:t>
+            </a:r>
+          </a:p>
+          <a:p>
+            <a:pPr lvl="1"/>
+            <a:r>
+              <a:rPr lang="en-US" dirty="0"/>
+              <a:t>Category: Java</a:t>
+            </a:r>
+          </a:p>
+          <a:p>
+            <a:pPr lvl="1"/>
+            <a:r>
+              <a:rPr lang="en-US" dirty="0"/>
+              <a:t>Type: Empty Java File</a:t>
+            </a:r>
+          </a:p>
+          <a:p>
+            <a:pPr lvl="1"/>
+            <a:r>
+              <a:rPr lang="en-US" dirty="0"/>
+              <a:t>Next</a:t>
+            </a:r>
+          </a:p>
+          <a:p>
+            <a:pPr lvl="1"/>
+            <a:r>
+              <a:rPr lang="en-US" dirty="0"/>
+              <a:t>Class Name: </a:t>
+            </a:r>
+            <a:r>
+              <a:rPr lang="en-US" dirty="0" err="1" smtClean="0"/>
+              <a:t>BlankFiller</a:t>
+            </a:r>
+            <a:endParaRPr lang="en-US" dirty="0"/>
+          </a:p>
+          <a:p>
+            <a:endParaRPr lang="en-US" dirty="0"/>
+          </a:p>
+        </p:txBody>
+      </p:sp>
+    </p:spTree>
+    <p:extLst>
+      <p:ext uri="{BB962C8B-B14F-4D97-AF65-F5344CB8AC3E}">
+        <p14:creationId xmlns:p14="http://schemas.microsoft.com/office/powerpoint/2010/main" val="1070529928"/>
+      </p:ext>
+    </p:extLst>
+  </p:cSld>
+  <p:clrMapOvr>
+    <a:masterClrMapping/>
+  </p:clrMapOvr>
+  <p:timing>
+    <p:tnLst>
+      <p:par>
+        <p:cTn id="1" dur="indefinite" restart="never" nodeType="tmRoot"/>
+      </p:par>
+    </p:tnLst>
+  </p:timing>
+</p:sld>
+</file>
+
+<file path=ppt/slides/slide35.xml><?xml version="1.0" encoding="utf-8"?>
+<p:sld xmlns:a="http://schemas.openxmlformats.org/drawingml/2006/main" xmlns:r="http://schemas.openxmlformats.org/officeDocument/2006/relationships" xmlns:p="http://schemas.openxmlformats.org/presentationml/2006/main">
+  <p:cSld>
+    <p:spTree>
+      <p:nvGrpSpPr>
+        <p:cNvPr id="1" name=""/>
+        <p:cNvGrpSpPr/>
+        <p:nvPr/>
+      </p:nvGrpSpPr>
+      <p:grpSpPr>
+        <a:xfrm>
+          <a:off x="0" y="0"/>
+          <a:ext cx="0" cy="0"/>
+          <a:chOff x="0" y="0"/>
+          <a:chExt cx="0" cy="0"/>
+        </a:xfrm>
+      </p:grpSpPr>
+      <p:sp>
+        <p:nvSpPr>
+          <p:cNvPr id="4" name="Title 3"/>
+          <p:cNvSpPr>
+            <a:spLocks noGrp="1"/>
+          </p:cNvSpPr>
+          <p:nvPr>
+            <p:ph type="title"/>
+          </p:nvPr>
+        </p:nvSpPr>
+        <p:spPr/>
+        <p:txBody>
+          <a:bodyPr/>
+          <a:lstStyle/>
+          <a:p>
+            <a:r>
+              <a:rPr lang="en-US" dirty="0" smtClean="0"/>
+              <a:t>Sending Arguments to Applications</a:t>
+            </a:r>
+            <a:endParaRPr lang="en-US" dirty="0"/>
+          </a:p>
+        </p:txBody>
+      </p:sp>
+      <p:sp>
+        <p:nvSpPr>
+          <p:cNvPr id="3" name="Content Placeholder 2"/>
+          <p:cNvSpPr>
+            <a:spLocks noGrp="1"/>
+          </p:cNvSpPr>
+          <p:nvPr>
+            <p:ph sz="quarter" idx="1"/>
+          </p:nvPr>
+        </p:nvSpPr>
+        <p:spPr/>
+        <p:txBody>
+          <a:bodyPr/>
+          <a:lstStyle/>
+          <a:p>
+            <a:r>
+              <a:rPr lang="en-US" dirty="0"/>
+              <a:t>New application: </a:t>
+            </a:r>
+            <a:r>
+              <a:rPr lang="en-US" dirty="0" err="1" smtClean="0"/>
+              <a:t>BlankFiller</a:t>
+            </a:r>
+            <a:endParaRPr lang="en-US" dirty="0"/>
+          </a:p>
+          <a:p>
+            <a:pPr lvl="1"/>
+            <a:r>
+              <a:rPr lang="en-US" dirty="0"/>
+              <a:t>Will </a:t>
+            </a:r>
+            <a:r>
+              <a:rPr lang="en-US" dirty="0" smtClean="0"/>
+              <a:t>use command line arguments to fill in the blanks in a sentence</a:t>
+            </a:r>
+            <a:endParaRPr lang="en-US" dirty="0"/>
+          </a:p>
+          <a:p>
+            <a:pPr lvl="1"/>
+            <a:r>
+              <a:rPr lang="en-US" dirty="0"/>
+              <a:t>File &gt; New File…</a:t>
+            </a:r>
+          </a:p>
+          <a:p>
+            <a:pPr lvl="1"/>
+            <a:r>
+              <a:rPr lang="en-US" dirty="0"/>
+              <a:t>Category: Java</a:t>
+            </a:r>
+          </a:p>
+          <a:p>
+            <a:pPr lvl="1"/>
+            <a:r>
+              <a:rPr lang="en-US" dirty="0"/>
+              <a:t>Type: Empty Java File</a:t>
+            </a:r>
+          </a:p>
+          <a:p>
+            <a:pPr lvl="1"/>
+            <a:r>
+              <a:rPr lang="en-US" dirty="0"/>
+              <a:t>Next</a:t>
+            </a:r>
+          </a:p>
+          <a:p>
+            <a:pPr lvl="1"/>
+            <a:r>
+              <a:rPr lang="en-US" dirty="0"/>
+              <a:t>Class Name: </a:t>
+            </a:r>
+            <a:r>
+              <a:rPr lang="en-US" dirty="0" err="1" smtClean="0"/>
+              <a:t>BlankFiller</a:t>
+            </a:r>
+            <a:endParaRPr lang="en-US" dirty="0"/>
+          </a:p>
+          <a:p>
+            <a:endParaRPr lang="en-US" dirty="0"/>
+          </a:p>
+        </p:txBody>
+      </p:sp>
+    </p:spTree>
+    <p:extLst>
+      <p:ext uri="{BB962C8B-B14F-4D97-AF65-F5344CB8AC3E}">
+        <p14:creationId xmlns:p14="http://schemas.microsoft.com/office/powerpoint/2010/main" val="648256003"/>
+      </p:ext>
+    </p:extLst>
+  </p:cSld>
+  <p:clrMapOvr>
+    <a:masterClrMapping/>
+  </p:clrMapOvr>
+  <p:timing>
+    <p:tnLst>
+      <p:par>
+        <p:cTn id="1" dur="indefinite" restart="never" nodeType="tmRoot"/>
+      </p:par>
+    </p:tnLst>
+  </p:timing>
+</p:sld>
+</file>
+
+<file path=ppt/slides/slide36.xml><?xml version="1.0" encoding="utf-8"?>
+<p:sld xmlns:a="http://schemas.openxmlformats.org/drawingml/2006/main" xmlns:r="http://schemas.openxmlformats.org/officeDocument/2006/relationships" xmlns:p="http://schemas.openxmlformats.org/presentationml/2006/main">
+  <p:cSld>
+    <p:spTree>
+      <p:nvGrpSpPr>
+        <p:cNvPr id="1" name=""/>
+        <p:cNvGrpSpPr/>
+        <p:nvPr/>
+      </p:nvGrpSpPr>
+      <p:grpSpPr>
+        <a:xfrm>
+          <a:off x="0" y="0"/>
+          <a:ext cx="0" cy="0"/>
+          <a:chOff x="0" y="0"/>
+          <a:chExt cx="0" cy="0"/>
+        </a:xfrm>
+      </p:grpSpPr>
+      <p:sp>
+        <p:nvSpPr>
+          <p:cNvPr id="4" name="Title 3"/>
+          <p:cNvSpPr>
+            <a:spLocks noGrp="1"/>
+          </p:cNvSpPr>
+          <p:nvPr>
+            <p:ph type="title"/>
+          </p:nvPr>
+        </p:nvSpPr>
+        <p:spPr/>
+        <p:txBody>
+          <a:bodyPr/>
+          <a:lstStyle/>
+          <a:p>
+            <a:r>
+              <a:rPr lang="en-US" dirty="0" smtClean="0"/>
+              <a:t>Sending Arguments to Applications</a:t>
+            </a:r>
+            <a:endParaRPr lang="en-US" dirty="0"/>
+          </a:p>
+        </p:txBody>
+      </p:sp>
+      <p:pic>
+        <p:nvPicPr>
+          <p:cNvPr id="3078" name="Picture 6"/>
+          <p:cNvPicPr>
+            <a:picLocks noChangeAspect="1" noChangeArrowheads="1"/>
+          </p:cNvPicPr>
+          <p:nvPr/>
+        </p:nvPicPr>
+        <p:blipFill>
+          <a:blip r:embed="rId2">
+            <a:extLst>
+              <a:ext uri="{28A0092B-C50C-407E-A947-70E740481C1C}">
+                <a14:useLocalDpi xmlns:a14="http://schemas.microsoft.com/office/drawing/2010/main" val="0"/>
+              </a:ext>
+            </a:extLst>
+          </a:blip>
+          <a:srcRect/>
+          <a:stretch>
+            <a:fillRect/>
+          </a:stretch>
+        </p:blipFill>
+        <p:spPr bwMode="auto">
+          <a:xfrm>
+            <a:off x="323850" y="1485900"/>
+            <a:ext cx="8496300" cy="3886200"/>
+          </a:xfrm>
+          <a:prstGeom prst="rect">
+            <a:avLst/>
+          </a:prstGeom>
+          <a:noFill/>
+          <a:ln>
+            <a:noFill/>
+          </a:ln>
+          <a:extLst>
+            <a:ext uri="{909E8E84-426E-40DD-AFC4-6F175D3DCCD1}">
+              <a14:hiddenFill xmlns:a14="http://schemas.microsoft.com/office/drawing/2010/main">
+                <a:solidFill>
+                  <a:schemeClr val="accent1"/>
+                </a:solidFill>
+              </a14:hiddenFill>
+            </a:ext>
+            <a:ext uri="{91240B29-F687-4F45-9708-019B960494DF}">
+              <a14:hiddenLine xmlns:a14="http://schemas.microsoft.com/office/drawing/2010/main" w="9525">
+                <a:solidFill>
+                  <a:schemeClr val="tx1"/>
+                </a:solidFill>
+                <a:miter lim="800000"/>
+                <a:headEnd/>
+                <a:tailEnd/>
+              </a14:hiddenLine>
+            </a:ext>
+          </a:extLst>
+        </p:spPr>
+      </p:pic>
+      <p:sp>
+        <p:nvSpPr>
+          <p:cNvPr id="9" name="Rectangular Callout 8"/>
+          <p:cNvSpPr/>
+          <p:nvPr/>
+        </p:nvSpPr>
+        <p:spPr>
+          <a:xfrm>
+            <a:off x="4800600" y="1600200"/>
+            <a:ext cx="3810000" cy="543234"/>
+          </a:xfrm>
+          <a:prstGeom prst="wedgeRectCallout">
+            <a:avLst>
+              <a:gd name="adj1" fmla="val -82269"/>
+              <a:gd name="adj2" fmla="val 84778"/>
+            </a:avLst>
+          </a:prstGeom>
+          <a:solidFill>
+            <a:schemeClr val="bg1"/>
+          </a:solidFill>
+        </p:spPr>
+        <p:style>
+          <a:lnRef idx="2">
+            <a:schemeClr val="accent1">
+              <a:shade val="50000"/>
+            </a:schemeClr>
+          </a:lnRef>
+          <a:fillRef idx="1">
+            <a:schemeClr val="accent1"/>
+          </a:fillRef>
+          <a:effectRef idx="0">
+            <a:schemeClr val="accent1"/>
+          </a:effectRef>
+          <a:fontRef idx="minor">
+            <a:schemeClr val="lt1"/>
+          </a:fontRef>
+        </p:style>
+        <p:txBody>
+          <a:bodyPr rtlCol="0" anchor="ctr"/>
+          <a:lstStyle/>
+          <a:p>
+            <a:r>
+              <a:rPr lang="en-US" dirty="0" smtClean="0">
+                <a:solidFill>
+                  <a:schemeClr val="tx1"/>
+                </a:solidFill>
+              </a:rPr>
+              <a:t>Array: 0 to N of the same type of thing</a:t>
+            </a:r>
+            <a:endParaRPr lang="en-US" dirty="0">
+              <a:solidFill>
+                <a:schemeClr val="tx1"/>
+              </a:solidFill>
+            </a:endParaRPr>
+          </a:p>
+        </p:txBody>
+      </p:sp>
+      <p:sp>
+        <p:nvSpPr>
+          <p:cNvPr id="10" name="Rectangular Callout 9"/>
+          <p:cNvSpPr/>
+          <p:nvPr/>
+        </p:nvSpPr>
+        <p:spPr>
+          <a:xfrm>
+            <a:off x="762000" y="3427772"/>
+            <a:ext cx="3048000" cy="543234"/>
+          </a:xfrm>
+          <a:prstGeom prst="wedgeRectCallout">
+            <a:avLst>
+              <a:gd name="adj1" fmla="val 70441"/>
+              <a:gd name="adj2" fmla="val -162280"/>
+            </a:avLst>
+          </a:prstGeom>
+          <a:solidFill>
+            <a:schemeClr val="bg1"/>
+          </a:solidFill>
+        </p:spPr>
+        <p:style>
+          <a:lnRef idx="2">
+            <a:schemeClr val="accent1">
+              <a:shade val="50000"/>
+            </a:schemeClr>
+          </a:lnRef>
+          <a:fillRef idx="1">
+            <a:schemeClr val="accent1"/>
+          </a:fillRef>
+          <a:effectRef idx="0">
+            <a:schemeClr val="accent1"/>
+          </a:effectRef>
+          <a:fontRef idx="minor">
+            <a:schemeClr val="lt1"/>
+          </a:fontRef>
+        </p:style>
+        <p:txBody>
+          <a:bodyPr rtlCol="0" anchor="ctr"/>
+          <a:lstStyle/>
+          <a:p>
+            <a:r>
+              <a:rPr lang="en-US" dirty="0" smtClean="0">
+                <a:solidFill>
+                  <a:schemeClr val="tx1"/>
+                </a:solidFill>
+              </a:rPr>
+              <a:t>Arrays always start from 0 – i.e. 0 is the first item in array</a:t>
+            </a:r>
+            <a:endParaRPr lang="en-US" dirty="0">
+              <a:solidFill>
+                <a:schemeClr val="tx1"/>
+              </a:solidFill>
+            </a:endParaRPr>
+          </a:p>
+        </p:txBody>
+      </p:sp>
+      <p:sp>
+        <p:nvSpPr>
+          <p:cNvPr id="11" name="Rectangular Callout 10"/>
+          <p:cNvSpPr/>
+          <p:nvPr/>
+        </p:nvSpPr>
+        <p:spPr>
+          <a:xfrm>
+            <a:off x="5334000" y="3406881"/>
+            <a:ext cx="3048000" cy="543234"/>
+          </a:xfrm>
+          <a:prstGeom prst="wedgeRectCallout">
+            <a:avLst>
+              <a:gd name="adj1" fmla="val -29720"/>
+              <a:gd name="adj2" fmla="val -162280"/>
+            </a:avLst>
+          </a:prstGeom>
+          <a:solidFill>
+            <a:schemeClr val="bg1"/>
+          </a:solidFill>
+        </p:spPr>
+        <p:style>
+          <a:lnRef idx="2">
+            <a:schemeClr val="accent1">
+              <a:shade val="50000"/>
+            </a:schemeClr>
+          </a:lnRef>
+          <a:fillRef idx="1">
+            <a:schemeClr val="accent1"/>
+          </a:fillRef>
+          <a:effectRef idx="0">
+            <a:schemeClr val="accent1"/>
+          </a:effectRef>
+          <a:fontRef idx="minor">
+            <a:schemeClr val="lt1"/>
+          </a:fontRef>
+        </p:style>
+        <p:txBody>
+          <a:bodyPr rtlCol="0" anchor="ctr"/>
+          <a:lstStyle/>
+          <a:p>
+            <a:r>
+              <a:rPr lang="en-US" dirty="0" smtClean="0">
+                <a:solidFill>
+                  <a:schemeClr val="tx1"/>
+                </a:solidFill>
+              </a:rPr>
+              <a:t>Next </a:t>
+            </a:r>
+            <a:r>
+              <a:rPr lang="en-US" dirty="0" err="1" smtClean="0">
+                <a:solidFill>
+                  <a:schemeClr val="tx1"/>
+                </a:solidFill>
+              </a:rPr>
+              <a:t>arg</a:t>
+            </a:r>
+            <a:endParaRPr lang="en-US" dirty="0">
+              <a:solidFill>
+                <a:schemeClr val="tx1"/>
+              </a:solidFill>
+            </a:endParaRPr>
+          </a:p>
+        </p:txBody>
+      </p:sp>
+      <p:sp>
+        <p:nvSpPr>
+          <p:cNvPr id="12" name="Rectangular Callout 11"/>
+          <p:cNvSpPr/>
+          <p:nvPr/>
+        </p:nvSpPr>
+        <p:spPr>
+          <a:xfrm>
+            <a:off x="2590800" y="4022888"/>
+            <a:ext cx="3048000" cy="543234"/>
+          </a:xfrm>
+          <a:prstGeom prst="wedgeRectCallout">
+            <a:avLst>
+              <a:gd name="adj1" fmla="val 38506"/>
+              <a:gd name="adj2" fmla="val -232868"/>
+            </a:avLst>
+          </a:prstGeom>
+          <a:solidFill>
+            <a:schemeClr val="bg1"/>
+          </a:solidFill>
+        </p:spPr>
+        <p:style>
+          <a:lnRef idx="2">
+            <a:schemeClr val="accent1">
+              <a:shade val="50000"/>
+            </a:schemeClr>
+          </a:lnRef>
+          <a:fillRef idx="1">
+            <a:schemeClr val="accent1"/>
+          </a:fillRef>
+          <a:effectRef idx="0">
+            <a:schemeClr val="accent1"/>
+          </a:effectRef>
+          <a:fontRef idx="minor">
+            <a:schemeClr val="lt1"/>
+          </a:fontRef>
+        </p:style>
+        <p:txBody>
+          <a:bodyPr rtlCol="0" anchor="ctr"/>
+          <a:lstStyle/>
+          <a:p>
+            <a:r>
+              <a:rPr lang="en-US" dirty="0" smtClean="0">
+                <a:solidFill>
+                  <a:schemeClr val="tx1"/>
+                </a:solidFill>
+              </a:rPr>
+              <a:t>Next </a:t>
+            </a:r>
+            <a:r>
+              <a:rPr lang="en-US" dirty="0" err="1" smtClean="0">
+                <a:solidFill>
+                  <a:schemeClr val="tx1"/>
+                </a:solidFill>
+              </a:rPr>
+              <a:t>arg</a:t>
+            </a:r>
+            <a:endParaRPr lang="en-US" dirty="0">
+              <a:solidFill>
+                <a:schemeClr val="tx1"/>
+              </a:solidFill>
+            </a:endParaRPr>
+          </a:p>
+        </p:txBody>
+      </p:sp>
+    </p:spTree>
+    <p:extLst>
+      <p:ext uri="{BB962C8B-B14F-4D97-AF65-F5344CB8AC3E}">
+        <p14:creationId xmlns:p14="http://schemas.microsoft.com/office/powerpoint/2010/main" val="2937536713"/>
+      </p:ext>
+    </p:extLst>
+  </p:cSld>
+  <p:clrMapOvr>
+    <a:masterClrMapping/>
+  </p:clrMapOvr>
+  <p:timing>
+    <p:tnLst>
+      <p:par>
+        <p:cTn id="1" dur="indefinite" restart="never" nodeType="tmRoot"/>
+      </p:par>
+    </p:tnLst>
+  </p:timing>
+</p:sld>
+</file>
+
+<file path=ppt/slides/slide37.xml><?xml version="1.0" encoding="utf-8"?>
+<p:sld xmlns:a="http://schemas.openxmlformats.org/drawingml/2006/main" xmlns:r="http://schemas.openxmlformats.org/officeDocument/2006/relationships" xmlns:p="http://schemas.openxmlformats.org/presentationml/2006/main">
+  <p:cSld>
+    <p:spTree>
+      <p:nvGrpSpPr>
+        <p:cNvPr id="1" name=""/>
+        <p:cNvGrpSpPr/>
+        <p:nvPr/>
+      </p:nvGrpSpPr>
+      <p:grpSpPr>
+        <a:xfrm>
+          <a:off x="0" y="0"/>
+          <a:ext cx="0" cy="0"/>
+          <a:chOff x="0" y="0"/>
+          <a:chExt cx="0" cy="0"/>
+        </a:xfrm>
+      </p:grpSpPr>
+      <p:sp>
+        <p:nvSpPr>
+          <p:cNvPr id="13" name="Content Placeholder 4"/>
+          <p:cNvSpPr txBox="1">
+            <a:spLocks/>
+          </p:cNvSpPr>
+          <p:nvPr/>
+        </p:nvSpPr>
+        <p:spPr>
+          <a:xfrm>
+            <a:off x="457200" y="1219200"/>
+            <a:ext cx="8229600" cy="4937760"/>
+          </a:xfrm>
+          <a:prstGeom prst="rect">
+            <a:avLst/>
+          </a:prstGeom>
+        </p:spPr>
+        <p:txBody>
+          <a:bodyPr vert="horz">
+            <a:normAutofit fontScale="77500" lnSpcReduction="20000"/>
+          </a:bodyPr>
+          <a:lstStyle>
+            <a:lvl1pPr marL="274320" indent="-274320" algn="l" rtl="0" eaLnBrk="1" latinLnBrk="0" hangingPunct="1">
+              <a:spcBef>
+                <a:spcPts val="600"/>
+              </a:spcBef>
+              <a:buClr>
+                <a:schemeClr val="accent1"/>
+              </a:buClr>
+              <a:buSzPct val="76000"/>
+              <a:buFont typeface="Wingdings 3"/>
+              <a:buChar char=""/>
+              <a:defRPr kumimoji="0" sz="2600" kern="1200">
+                <a:solidFill>
+                  <a:schemeClr val="tx1"/>
+                </a:solidFill>
+                <a:latin typeface="+mn-lt"/>
+                <a:ea typeface="+mn-ea"/>
+                <a:cs typeface="+mn-cs"/>
+              </a:defRPr>
+            </a:lvl1pPr>
+            <a:lvl2pPr marL="548640" indent="-274320" algn="l" rtl="0" eaLnBrk="1" latinLnBrk="0" hangingPunct="1">
+              <a:spcBef>
+                <a:spcPts val="500"/>
+              </a:spcBef>
+              <a:buClr>
+                <a:schemeClr val="accent2"/>
+              </a:buClr>
+              <a:buSzPct val="76000"/>
+              <a:buFont typeface="Wingdings 3"/>
+              <a:buChar char=""/>
+              <a:defRPr kumimoji="0" sz="2300" kern="1200">
+                <a:solidFill>
+                  <a:schemeClr val="tx2"/>
+                </a:solidFill>
+                <a:latin typeface="+mn-lt"/>
+                <a:ea typeface="+mn-ea"/>
+                <a:cs typeface="+mn-cs"/>
+              </a:defRPr>
+            </a:lvl2pPr>
+            <a:lvl3pPr marL="822960" indent="-228600" algn="l" rtl="0" eaLnBrk="1" latinLnBrk="0" hangingPunct="1">
+              <a:spcBef>
+                <a:spcPts val="500"/>
+              </a:spcBef>
+              <a:buClr>
+                <a:schemeClr val="bg1">
+                  <a:shade val="50000"/>
+                </a:schemeClr>
+              </a:buClr>
+              <a:buSzPct val="76000"/>
+              <a:buFont typeface="Wingdings 3"/>
+              <a:buChar char=""/>
+              <a:defRPr kumimoji="0" sz="2000" kern="1200">
+                <a:solidFill>
+                  <a:schemeClr val="tx1"/>
+                </a:solidFill>
+                <a:latin typeface="+mn-lt"/>
+                <a:ea typeface="+mn-ea"/>
+                <a:cs typeface="+mn-cs"/>
+              </a:defRPr>
+            </a:lvl3pPr>
+            <a:lvl4pPr marL="1097280" indent="-228600" algn="l" rtl="0" eaLnBrk="1" latinLnBrk="0" hangingPunct="1">
+              <a:spcBef>
+                <a:spcPts val="400"/>
+              </a:spcBef>
+              <a:buClr>
+                <a:schemeClr val="accent2">
+                  <a:shade val="75000"/>
+                </a:schemeClr>
+              </a:buClr>
+              <a:buSzPct val="70000"/>
+              <a:buFont typeface="Wingdings"/>
+              <a:buChar char=""/>
+              <a:defRPr kumimoji="0" sz="1800" kern="1200">
+                <a:solidFill>
+                  <a:schemeClr val="tx1"/>
+                </a:solidFill>
+                <a:latin typeface="+mn-lt"/>
+                <a:ea typeface="+mn-ea"/>
+                <a:cs typeface="+mn-cs"/>
+              </a:defRPr>
+            </a:lvl4pPr>
+            <a:lvl5pPr marL="1371600" indent="-228600" algn="l" rtl="0" eaLnBrk="1" latinLnBrk="0" hangingPunct="1">
+              <a:spcBef>
+                <a:spcPts val="300"/>
+              </a:spcBef>
+              <a:buClr>
+                <a:schemeClr val="accent2"/>
+              </a:buClr>
+              <a:buSzPct val="70000"/>
+              <a:buFont typeface="Wingdings"/>
+              <a:buChar char=""/>
+              <a:defRPr kumimoji="0" sz="1600" kern="1200">
+                <a:solidFill>
+                  <a:schemeClr val="tx1"/>
+                </a:solidFill>
+                <a:latin typeface="+mn-lt"/>
+                <a:ea typeface="+mn-ea"/>
+                <a:cs typeface="+mn-cs"/>
+              </a:defRPr>
+            </a:lvl5pPr>
+            <a:lvl6pPr marL="1645920" indent="-182880" algn="l" rtl="0" eaLnBrk="1" latinLnBrk="0" hangingPunct="1">
+              <a:spcBef>
+                <a:spcPts val="300"/>
+              </a:spcBef>
+              <a:buClr>
+                <a:srgbClr val="9FB8CD">
+                  <a:shade val="75000"/>
+                </a:srgbClr>
+              </a:buClr>
+              <a:buSzPct val="75000"/>
+              <a:buFont typeface="Wingdings 3"/>
+              <a:buChar char=""/>
+              <a:defRPr kumimoji="0" lang="en-US" sz="1600" kern="1200" smtClean="0">
+                <a:solidFill>
+                  <a:schemeClr val="tx1"/>
+                </a:solidFill>
+                <a:latin typeface="+mn-lt"/>
+                <a:ea typeface="+mn-ea"/>
+                <a:cs typeface="+mn-cs"/>
+              </a:defRPr>
+            </a:lvl6pPr>
+            <a:lvl7pPr marL="1828800" indent="-182880" algn="l" rtl="0" eaLnBrk="1" latinLnBrk="0" hangingPunct="1">
+              <a:spcBef>
+                <a:spcPts val="300"/>
+              </a:spcBef>
+              <a:buClr>
+                <a:srgbClr val="727CA3">
+                  <a:shade val="75000"/>
+                </a:srgbClr>
+              </a:buClr>
+              <a:buSzPct val="75000"/>
+              <a:buFont typeface="Wingdings 3"/>
+              <a:buChar char=""/>
+              <a:defRPr kumimoji="0" lang="en-US" sz="1400" kern="1200" smtClean="0">
+                <a:solidFill>
+                  <a:schemeClr val="tx1"/>
+                </a:solidFill>
+                <a:latin typeface="+mn-lt"/>
+                <a:ea typeface="+mn-ea"/>
+                <a:cs typeface="+mn-cs"/>
+              </a:defRPr>
+            </a:lvl7pPr>
+            <a:lvl8pPr marL="2011680" indent="-182880" algn="l" rtl="0" eaLnBrk="1" latinLnBrk="0" hangingPunct="1">
+              <a:spcBef>
+                <a:spcPts val="300"/>
+              </a:spcBef>
+              <a:buClr>
+                <a:prstClr val="white">
+                  <a:shade val="50000"/>
+                </a:prstClr>
+              </a:buClr>
+              <a:buSzPct val="75000"/>
+              <a:buFont typeface="Wingdings 3"/>
+              <a:buChar char=""/>
+              <a:defRPr kumimoji="0" lang="en-US" sz="1400" kern="1200" smtClean="0">
+                <a:solidFill>
+                  <a:schemeClr val="tx1"/>
+                </a:solidFill>
+                <a:latin typeface="+mn-lt"/>
+                <a:ea typeface="+mn-ea"/>
+                <a:cs typeface="+mn-cs"/>
+              </a:defRPr>
+            </a:lvl8pPr>
+            <a:lvl9pPr marL="2194560" indent="-182880" algn="l" rtl="0" eaLnBrk="1" latinLnBrk="0" hangingPunct="1">
+              <a:spcBef>
+                <a:spcPts val="300"/>
+              </a:spcBef>
+              <a:buClr>
+                <a:srgbClr val="9FB8CD"/>
+              </a:buClr>
+              <a:buSzPct val="75000"/>
+              <a:buFont typeface="Wingdings 3"/>
+              <a:buChar char=""/>
+              <a:defRPr kumimoji="0" lang="en-US" sz="1200" kern="1200" smtClean="0">
+                <a:solidFill>
+                  <a:schemeClr val="tx1"/>
+                </a:solidFill>
+                <a:latin typeface="+mn-lt"/>
+                <a:ea typeface="+mn-ea"/>
+                <a:cs typeface="+mn-cs"/>
+              </a:defRPr>
+            </a:lvl9pPr>
+          </a:lstStyle>
+          <a:p>
+            <a:r>
+              <a:rPr lang="en-US" dirty="0" smtClean="0"/>
+              <a:t>Run </a:t>
+            </a:r>
+            <a:r>
+              <a:rPr lang="en-US" dirty="0" err="1" smtClean="0"/>
+              <a:t>BlankFiller</a:t>
+            </a:r>
+            <a:r>
+              <a:rPr lang="en-US" dirty="0" smtClean="0"/>
+              <a:t> from command line</a:t>
+            </a:r>
+          </a:p>
+          <a:p>
+            <a:pPr lvl="1"/>
+            <a:endParaRPr lang="en-US" dirty="0" smtClean="0"/>
+          </a:p>
+          <a:p>
+            <a:pPr lvl="1"/>
+            <a:endParaRPr lang="en-US" dirty="0"/>
+          </a:p>
+          <a:p>
+            <a:pPr lvl="1"/>
+            <a:endParaRPr lang="en-US" dirty="0" smtClean="0"/>
+          </a:p>
+          <a:p>
+            <a:pPr lvl="1"/>
+            <a:endParaRPr lang="en-US" dirty="0"/>
+          </a:p>
+          <a:p>
+            <a:pPr lvl="1"/>
+            <a:endParaRPr lang="en-US" dirty="0" smtClean="0"/>
+          </a:p>
+          <a:p>
+            <a:pPr lvl="1"/>
+            <a:endParaRPr lang="en-US" dirty="0"/>
+          </a:p>
+          <a:p>
+            <a:pPr lvl="1"/>
+            <a:endParaRPr lang="en-US" dirty="0" smtClean="0"/>
+          </a:p>
+          <a:p>
+            <a:pPr lvl="1"/>
+            <a:endParaRPr lang="en-US" dirty="0" smtClean="0"/>
+          </a:p>
+          <a:p>
+            <a:pPr lvl="1"/>
+            <a:endParaRPr lang="en-US" dirty="0"/>
+          </a:p>
+          <a:p>
+            <a:pPr lvl="1"/>
+            <a:endParaRPr lang="en-US" dirty="0" smtClean="0"/>
+          </a:p>
+          <a:p>
+            <a:pPr lvl="1"/>
+            <a:endParaRPr lang="en-US" dirty="0"/>
+          </a:p>
+          <a:p>
+            <a:pPr lvl="1"/>
+            <a:r>
+              <a:rPr lang="en-US" dirty="0" smtClean="0"/>
+              <a:t>cd to path, java </a:t>
+            </a:r>
+            <a:r>
+              <a:rPr lang="en-US" dirty="0" err="1" smtClean="0"/>
+              <a:t>BlankFiller</a:t>
+            </a:r>
+            <a:r>
+              <a:rPr lang="en-US" dirty="0" smtClean="0"/>
+              <a:t> crazy red happy</a:t>
+            </a:r>
+          </a:p>
+          <a:p>
+            <a:r>
+              <a:rPr lang="en-US" dirty="0" smtClean="0"/>
+              <a:t>Run from </a:t>
+            </a:r>
+            <a:r>
+              <a:rPr lang="en-US" dirty="0" err="1" smtClean="0"/>
+              <a:t>Netbeans</a:t>
+            </a:r>
+            <a:endParaRPr lang="en-US" dirty="0" smtClean="0"/>
+          </a:p>
+          <a:p>
+            <a:pPr lvl="1"/>
+            <a:r>
+              <a:rPr lang="en-US" dirty="0" smtClean="0"/>
+              <a:t>Run &gt; Set Project Configuration &gt; Customize…</a:t>
+            </a:r>
+          </a:p>
+          <a:p>
+            <a:pPr lvl="1"/>
+            <a:r>
+              <a:rPr lang="en-US" dirty="0" smtClean="0"/>
+              <a:t>Main Class: </a:t>
+            </a:r>
+            <a:r>
+              <a:rPr lang="en-US" dirty="0" err="1" smtClean="0"/>
+              <a:t>BlankFiller</a:t>
+            </a:r>
+            <a:r>
+              <a:rPr lang="en-US" dirty="0" smtClean="0"/>
+              <a:t>,  Arguments: quick brown lazy (choose 3 adjectives) OK</a:t>
+            </a:r>
+          </a:p>
+          <a:p>
+            <a:pPr lvl="1"/>
+            <a:r>
+              <a:rPr lang="en-US" dirty="0" smtClean="0"/>
+              <a:t>Run</a:t>
+            </a:r>
+            <a:endParaRPr lang="en-US" dirty="0" smtClean="0"/>
+          </a:p>
+        </p:txBody>
+      </p:sp>
+      <p:sp>
+        <p:nvSpPr>
+          <p:cNvPr id="4" name="Title 3"/>
+          <p:cNvSpPr>
+            <a:spLocks noGrp="1"/>
+          </p:cNvSpPr>
+          <p:nvPr>
+            <p:ph type="title"/>
+          </p:nvPr>
+        </p:nvSpPr>
+        <p:spPr/>
+        <p:txBody>
+          <a:bodyPr/>
+          <a:lstStyle/>
+          <a:p>
+            <a:r>
+              <a:rPr lang="en-US" dirty="0" smtClean="0"/>
+              <a:t>Sending Arguments to Applications</a:t>
+            </a:r>
+            <a:endParaRPr lang="en-US" dirty="0"/>
+          </a:p>
+        </p:txBody>
+      </p:sp>
+      <p:pic>
+        <p:nvPicPr>
+          <p:cNvPr id="4098" name="Picture 2"/>
+          <p:cNvPicPr>
+            <a:picLocks noChangeAspect="1" noChangeArrowheads="1"/>
+          </p:cNvPicPr>
+          <p:nvPr/>
+        </p:nvPicPr>
+        <p:blipFill>
+          <a:blip r:embed="rId2">
+            <a:extLst>
+              <a:ext uri="{28A0092B-C50C-407E-A947-70E740481C1C}">
+                <a14:useLocalDpi xmlns:a14="http://schemas.microsoft.com/office/drawing/2010/main" val="0"/>
+              </a:ext>
+            </a:extLst>
+          </a:blip>
+          <a:srcRect/>
+          <a:stretch>
+            <a:fillRect/>
+          </a:stretch>
+        </p:blipFill>
+        <p:spPr bwMode="auto">
+          <a:xfrm>
+            <a:off x="1657350" y="1623060"/>
+            <a:ext cx="5829300" cy="2948940"/>
+          </a:xfrm>
+          <a:prstGeom prst="rect">
+            <a:avLst/>
+          </a:prstGeom>
+          <a:noFill/>
+          <a:ln>
+            <a:noFill/>
+          </a:ln>
+          <a:extLst>
+            <a:ext uri="{909E8E84-426E-40DD-AFC4-6F175D3DCCD1}">
+              <a14:hiddenFill xmlns:a14="http://schemas.microsoft.com/office/drawing/2010/main">
+                <a:solidFill>
+                  <a:schemeClr val="accent1"/>
+                </a:solidFill>
+              </a14:hiddenFill>
+            </a:ext>
+            <a:ext uri="{91240B29-F687-4F45-9708-019B960494DF}">
+              <a14:hiddenLine xmlns:a14="http://schemas.microsoft.com/office/drawing/2010/main" w="9525">
+                <a:solidFill>
+                  <a:schemeClr val="tx1"/>
+                </a:solidFill>
+                <a:miter lim="800000"/>
+                <a:headEnd/>
+                <a:tailEnd/>
+              </a14:hiddenLine>
+            </a:ext>
+          </a:extLst>
+        </p:spPr>
+      </p:pic>
+    </p:spTree>
+    <p:extLst>
+      <p:ext uri="{BB962C8B-B14F-4D97-AF65-F5344CB8AC3E}">
+        <p14:creationId xmlns:p14="http://schemas.microsoft.com/office/powerpoint/2010/main" val="2276000158"/>
+      </p:ext>
+    </p:extLst>
+  </p:cSld>
+  <p:clrMapOvr>
+    <a:masterClrMapping/>
+  </p:clrMapOvr>
+  <p:timing>
+    <p:tnLst>
+      <p:par>
+        <p:cTn id="1" dur="indefinite" restart="never" nodeType="tmRoot"/>
+      </p:par>
+    </p:tnLst>
+  </p:timing>
+</p:sld>
+</file>
+
+<file path=ppt/slides/slide38.xml><?xml version="1.0" encoding="utf-8"?>
+<p:sld xmlns:a="http://schemas.openxmlformats.org/drawingml/2006/main" xmlns:r="http://schemas.openxmlformats.org/officeDocument/2006/relationships" xmlns:p="http://schemas.openxmlformats.org/presentationml/2006/main">
+  <p:cSld>
+    <p:spTree>
+      <p:nvGrpSpPr>
+        <p:cNvPr id="1" name=""/>
+        <p:cNvGrpSpPr/>
+        <p:nvPr/>
+      </p:nvGrpSpPr>
+      <p:grpSpPr>
+        <a:xfrm>
+          <a:off x="0" y="0"/>
+          <a:ext cx="0" cy="0"/>
+          <a:chOff x="0" y="0"/>
+          <a:chExt cx="0" cy="0"/>
+        </a:xfrm>
+      </p:grpSpPr>
+      <p:sp>
+        <p:nvSpPr>
+          <p:cNvPr id="4" name="Title 3"/>
+          <p:cNvSpPr>
+            <a:spLocks noGrp="1"/>
+          </p:cNvSpPr>
+          <p:nvPr>
+            <p:ph type="title"/>
+          </p:nvPr>
+        </p:nvSpPr>
+        <p:spPr/>
+        <p:txBody>
+          <a:bodyPr/>
+          <a:lstStyle/>
+          <a:p>
+            <a:r>
+              <a:rPr lang="en-US" dirty="0" smtClean="0"/>
+              <a:t>Creating an Applet</a:t>
+            </a:r>
+            <a:endParaRPr lang="en-US" dirty="0"/>
+          </a:p>
+        </p:txBody>
+      </p:sp>
+      <p:sp>
+        <p:nvSpPr>
+          <p:cNvPr id="5" name="Content Placeholder 4"/>
+          <p:cNvSpPr>
+            <a:spLocks noGrp="1"/>
+          </p:cNvSpPr>
+          <p:nvPr>
+            <p:ph sz="quarter" idx="1"/>
+          </p:nvPr>
+        </p:nvSpPr>
+        <p:spPr/>
+        <p:txBody>
+          <a:bodyPr>
+            <a:normAutofit/>
+          </a:bodyPr>
+          <a:lstStyle/>
+          <a:p>
+            <a:endParaRPr lang="en-US" dirty="0" smtClean="0"/>
+          </a:p>
+        </p:txBody>
+      </p:sp>
+    </p:spTree>
+    <p:extLst>
+      <p:ext uri="{BB962C8B-B14F-4D97-AF65-F5344CB8AC3E}">
+        <p14:creationId xmlns:p14="http://schemas.microsoft.com/office/powerpoint/2010/main" val="1688718578"/>
+      </p:ext>
+    </p:extLst>
+  </p:cSld>
+  <p:clrMapOvr>
+    <a:masterClrMapping/>
+  </p:clrMapOvr>
+  <p:timing>
+    <p:tnLst>
+      <p:par>
+        <p:cTn id="1" dur="indefinite" restart="never" nodeType="tmRoot"/>
+      </p:par>
+    </p:tnLst>
+  </p:timing>
+</p:sld>
+</file>
+
+<file path=ppt/slides/slide39.xml><?xml version="1.0" encoding="utf-8"?>
+<p:sld xmlns:a="http://schemas.openxmlformats.org/drawingml/2006/main" xmlns:r="http://schemas.openxmlformats.org/officeDocument/2006/relationships" xmlns:p="http://schemas.openxmlformats.org/presentationml/2006/main">
+  <p:cSld>
+    <p:spTree>
+      <p:nvGrpSpPr>
+        <p:cNvPr id="1" name=""/>
+        <p:cNvGrpSpPr/>
+        <p:nvPr/>
+      </p:nvGrpSpPr>
+      <p:grpSpPr>
+        <a:xfrm>
+          <a:off x="0" y="0"/>
+          <a:ext cx="0" cy="0"/>
+          <a:chOff x="0" y="0"/>
+          <a:chExt cx="0" cy="0"/>
+        </a:xfrm>
+      </p:grpSpPr>
+      <p:sp>
+        <p:nvSpPr>
+          <p:cNvPr id="4" name="Title 3"/>
+          <p:cNvSpPr>
+            <a:spLocks noGrp="1"/>
+          </p:cNvSpPr>
+          <p:nvPr>
+            <p:ph type="title"/>
+          </p:nvPr>
+        </p:nvSpPr>
+        <p:spPr/>
+        <p:txBody>
+          <a:bodyPr/>
+          <a:lstStyle/>
+          <a:p>
+            <a:r>
+              <a:rPr lang="en-US" dirty="0" smtClean="0"/>
+              <a:t>Summary</a:t>
+            </a:r>
+            <a:endParaRPr lang="en-US" dirty="0"/>
+          </a:p>
+        </p:txBody>
+      </p:sp>
+      <p:sp>
+        <p:nvSpPr>
+          <p:cNvPr id="5" name="Content Placeholder 4"/>
+          <p:cNvSpPr>
+            <a:spLocks noGrp="1"/>
+          </p:cNvSpPr>
+          <p:nvPr>
+            <p:ph sz="quarter" idx="1"/>
+          </p:nvPr>
+        </p:nvSpPr>
+        <p:spPr/>
+        <p:txBody>
+          <a:bodyPr>
+            <a:normAutofit/>
+          </a:bodyPr>
+          <a:lstStyle/>
+          <a:p>
+            <a:endParaRPr lang="en-US" dirty="0" smtClean="0"/>
+          </a:p>
+        </p:txBody>
+      </p:sp>
+    </p:spTree>
+    <p:extLst>
+      <p:ext uri="{BB962C8B-B14F-4D97-AF65-F5344CB8AC3E}">
+        <p14:creationId xmlns:p14="http://schemas.microsoft.com/office/powerpoint/2010/main" val="3541592262"/>
+      </p:ext>
+    </p:extLst>
+  </p:cSld>
+  <p:clrMapOvr>
+    <a:masterClrMapping/>
+  </p:clrMapOvr>
+  <p:timing>
+    <p:tnLst>
+      <p:par>
+        <p:cTn id="1" dur="indefinite" restart="never" nodeType="tmRoot"/>
+      </p:par>
+    </p:tnLst>
+  </p:timing>
+</p:sld>
+</file>
+
 <file path=ppt/slides/slide4.xml><?xml version="1.0" encoding="utf-8"?>
 <p:sld xmlns:a="http://schemas.openxmlformats.org/drawingml/2006/main" xmlns:r="http://schemas.openxmlformats.org/officeDocument/2006/relationships" xmlns:p="http://schemas.openxmlformats.org/presentationml/2006/main" show="0">
   <p:cSld>
@@ -7482,7 +10178,7 @@
           <a:p>
             <a:r>
               <a:rPr lang="en-US" dirty="0" smtClean="0"/>
-              <a:t>Becoming a Programmer</a:t>
+              <a:t>What is a Programming Language</a:t>
             </a:r>
             <a:endParaRPr lang="en-US" dirty="0"/>
           </a:p>
@@ -7505,20 +10201,18 @@
           <a:p>
             <a:r>
               <a:rPr lang="en-US" dirty="0" smtClean="0"/>
-              <a:t>Programming is not difficult</a:t>
-            </a:r>
-          </a:p>
-          <a:p>
-            <a:r>
-              <a:rPr lang="en-US" dirty="0" smtClean="0"/>
-              <a:t>Great time to learn</a:t>
-            </a:r>
-          </a:p>
-          <a:p>
-            <a:r>
-              <a:rPr lang="en-US" dirty="0" smtClean="0"/>
-              <a:t>Mobile </a:t>
-            </a:r>
+              <a:t>Programming languages work like spoken language </a:t>
+            </a:r>
+            <a:endParaRPr lang="en-US" dirty="0" smtClean="0"/>
+          </a:p>
+          <a:p>
+            <a:r>
+              <a:rPr lang="en-US" dirty="0" smtClean="0"/>
+              <a:t>Gives humans a way to tell a computer what to do</a:t>
+            </a:r>
+            <a:endParaRPr lang="en-US" dirty="0" smtClean="0"/>
+          </a:p>
+          <a:p>
             <a:endParaRPr lang="en-US" dirty="0"/>
           </a:p>
         </p:txBody>
@@ -7541,6 +10235,164 @@
       <p:transition spd="slow"/>
     </mc:Fallback>
   </mc:AlternateContent>
+  <p:timing>
+    <p:tnLst>
+      <p:par>
+        <p:cTn id="1" dur="indefinite" restart="never" nodeType="tmRoot"/>
+      </p:par>
+    </p:tnLst>
+  </p:timing>
+</p:sld>
+</file>
+
+<file path=ppt/slides/slide40.xml><?xml version="1.0" encoding="utf-8"?>
+<p:sld xmlns:a="http://schemas.openxmlformats.org/drawingml/2006/main" xmlns:r="http://schemas.openxmlformats.org/officeDocument/2006/relationships" xmlns:p="http://schemas.openxmlformats.org/presentationml/2006/main">
+  <p:cSld>
+    <p:spTree>
+      <p:nvGrpSpPr>
+        <p:cNvPr id="1" name=""/>
+        <p:cNvGrpSpPr/>
+        <p:nvPr/>
+      </p:nvGrpSpPr>
+      <p:grpSpPr>
+        <a:xfrm>
+          <a:off x="0" y="0"/>
+          <a:ext cx="0" cy="0"/>
+          <a:chOff x="0" y="0"/>
+          <a:chExt cx="0" cy="0"/>
+        </a:xfrm>
+      </p:grpSpPr>
+      <p:sp>
+        <p:nvSpPr>
+          <p:cNvPr id="4" name="Title 3"/>
+          <p:cNvSpPr>
+            <a:spLocks noGrp="1"/>
+          </p:cNvSpPr>
+          <p:nvPr>
+            <p:ph type="title"/>
+          </p:nvPr>
+        </p:nvSpPr>
+        <p:spPr/>
+        <p:txBody>
+          <a:bodyPr/>
+          <a:lstStyle/>
+          <a:p>
+            <a:r>
+              <a:rPr lang="en-US" dirty="0" smtClean="0"/>
+              <a:t>Questions</a:t>
+            </a:r>
+            <a:endParaRPr lang="en-US" dirty="0"/>
+          </a:p>
+        </p:txBody>
+      </p:sp>
+      <p:sp>
+        <p:nvSpPr>
+          <p:cNvPr id="5" name="Content Placeholder 4"/>
+          <p:cNvSpPr>
+            <a:spLocks noGrp="1"/>
+          </p:cNvSpPr>
+          <p:nvPr>
+            <p:ph sz="quarter" idx="1"/>
+          </p:nvPr>
+        </p:nvSpPr>
+        <p:spPr/>
+        <p:txBody>
+          <a:bodyPr>
+            <a:normAutofit/>
+          </a:bodyPr>
+          <a:lstStyle/>
+          <a:p>
+            <a:endParaRPr lang="en-US" dirty="0" smtClean="0"/>
+          </a:p>
+        </p:txBody>
+      </p:sp>
+    </p:spTree>
+    <p:extLst>
+      <p:ext uri="{BB962C8B-B14F-4D97-AF65-F5344CB8AC3E}">
+        <p14:creationId xmlns:p14="http://schemas.microsoft.com/office/powerpoint/2010/main" val="2360394969"/>
+      </p:ext>
+    </p:extLst>
+  </p:cSld>
+  <p:clrMapOvr>
+    <a:masterClrMapping/>
+  </p:clrMapOvr>
+  <p:timing>
+    <p:tnLst>
+      <p:par>
+        <p:cTn id="1" dur="indefinite" restart="never" nodeType="tmRoot"/>
+      </p:par>
+    </p:tnLst>
+  </p:timing>
+</p:sld>
+</file>
+
+<file path=ppt/slides/slide41.xml><?xml version="1.0" encoding="utf-8"?>
+<p:sld xmlns:a="http://schemas.openxmlformats.org/drawingml/2006/main" xmlns:r="http://schemas.openxmlformats.org/officeDocument/2006/relationships" xmlns:p="http://schemas.openxmlformats.org/presentationml/2006/main">
+  <p:cSld>
+    <p:spTree>
+      <p:nvGrpSpPr>
+        <p:cNvPr id="1" name=""/>
+        <p:cNvGrpSpPr/>
+        <p:nvPr/>
+      </p:nvGrpSpPr>
+      <p:grpSpPr>
+        <a:xfrm>
+          <a:off x="0" y="0"/>
+          <a:ext cx="0" cy="0"/>
+          <a:chOff x="0" y="0"/>
+          <a:chExt cx="0" cy="0"/>
+        </a:xfrm>
+      </p:grpSpPr>
+      <p:sp>
+        <p:nvSpPr>
+          <p:cNvPr id="4" name="Title 3"/>
+          <p:cNvSpPr>
+            <a:spLocks noGrp="1"/>
+          </p:cNvSpPr>
+          <p:nvPr>
+            <p:ph type="title"/>
+          </p:nvPr>
+        </p:nvSpPr>
+        <p:spPr/>
+        <p:txBody>
+          <a:bodyPr/>
+          <a:lstStyle/>
+          <a:p>
+            <a:endParaRPr lang="en-US" dirty="0"/>
+          </a:p>
+        </p:txBody>
+      </p:sp>
+      <p:sp>
+        <p:nvSpPr>
+          <p:cNvPr id="5" name="Content Placeholder 4"/>
+          <p:cNvSpPr>
+            <a:spLocks noGrp="1"/>
+          </p:cNvSpPr>
+          <p:nvPr>
+            <p:ph sz="quarter" idx="1"/>
+          </p:nvPr>
+        </p:nvSpPr>
+        <p:spPr/>
+        <p:txBody>
+          <a:bodyPr>
+            <a:normAutofit/>
+          </a:bodyPr>
+          <a:lstStyle/>
+          <a:p>
+            <a:endParaRPr lang="en-US" dirty="0" smtClean="0"/>
+          </a:p>
+        </p:txBody>
+      </p:sp>
+    </p:spTree>
+    <p:extLst>
+      <p:ext uri="{BB962C8B-B14F-4D97-AF65-F5344CB8AC3E}">
+        <p14:creationId xmlns:p14="http://schemas.microsoft.com/office/powerpoint/2010/main" val="2026422174"/>
+      </p:ext>
+    </p:extLst>
+  </p:cSld>
+  <p:clrMapOvr>
+    <a:masterClrMapping/>
+  </p:clrMapOvr>
   <p:timing>
     <p:tnLst>
       <p:par>
@@ -8128,11 +10980,7 @@
           <a:p>
             <a:r>
               <a:rPr lang="en-US" dirty="0" smtClean="0"/>
-              <a:t>Interpreted </a:t>
-            </a:r>
-            <a:r>
-              <a:rPr lang="en-US" dirty="0" smtClean="0"/>
-              <a:t>Languages</a:t>
+              <a:t>Interpreted Languages</a:t>
             </a:r>
           </a:p>
           <a:p>

--- a/Introduction to Java Programming.pptx
+++ b/Introduction to Java Programming.pptx
@@ -255,7 +255,7 @@
           <a:p>
             <a:fld id="{B30A61B1-7DC2-4510-A16A-DCA60B4B994A}" type="datetimeFigureOut">
               <a:rPr lang="en-US" smtClean="0"/>
-              <a:t>6/3/2013</a:t>
+              <a:t>6/4/2013</a:t>
             </a:fld>
             <a:endParaRPr lang="en-US"/>
           </a:p>
@@ -481,7 +481,7 @@
           <a:p>
             <a:fld id="{3F57F615-55C3-4F4F-83D6-4B35940FA14F}" type="datetimeFigureOut">
               <a:rPr lang="en-US" smtClean="0"/>
-              <a:t>6/3/2013</a:t>
+              <a:t>6/4/2013</a:t>
             </a:fld>
             <a:endParaRPr lang="en-US"/>
           </a:p>
@@ -847,7 +847,7 @@
           <a:p>
             <a:fld id="{3F57F615-55C3-4F4F-83D6-4B35940FA14F}" type="datetimeFigureOut">
               <a:rPr lang="en-US" smtClean="0"/>
-              <a:t>6/3/2013</a:t>
+              <a:t>6/4/2013</a:t>
             </a:fld>
             <a:endParaRPr lang="en-US"/>
           </a:p>
@@ -1029,7 +1029,7 @@
           <a:p>
             <a:fld id="{3F57F615-55C3-4F4F-83D6-4B35940FA14F}" type="datetimeFigureOut">
               <a:rPr lang="en-US" smtClean="0"/>
-              <a:t>6/3/2013</a:t>
+              <a:t>6/4/2013</a:t>
             </a:fld>
             <a:endParaRPr lang="en-US"/>
           </a:p>
@@ -1271,7 +1271,7 @@
           <a:p>
             <a:fld id="{3F57F615-55C3-4F4F-83D6-4B35940FA14F}" type="datetimeFigureOut">
               <a:rPr lang="en-US" smtClean="0"/>
-              <a:t>6/3/2013</a:t>
+              <a:t>6/4/2013</a:t>
             </a:fld>
             <a:endParaRPr lang="en-US"/>
           </a:p>
@@ -1547,7 +1547,7 @@
           <a:p>
             <a:fld id="{3F57F615-55C3-4F4F-83D6-4B35940FA14F}" type="datetimeFigureOut">
               <a:rPr lang="en-US" smtClean="0"/>
-              <a:t>6/3/2013</a:t>
+              <a:t>6/4/2013</a:t>
             </a:fld>
             <a:endParaRPr lang="en-US"/>
           </a:p>
@@ -1774,7 +1774,7 @@
           <a:p>
             <a:fld id="{3F57F615-55C3-4F4F-83D6-4B35940FA14F}" type="datetimeFigureOut">
               <a:rPr lang="en-US" smtClean="0"/>
-              <a:t>6/3/2013</a:t>
+              <a:t>6/4/2013</a:t>
             </a:fld>
             <a:endParaRPr lang="en-US"/>
           </a:p>
@@ -2133,7 +2133,7 @@
           <a:p>
             <a:fld id="{3F57F615-55C3-4F4F-83D6-4B35940FA14F}" type="datetimeFigureOut">
               <a:rPr lang="en-US" smtClean="0"/>
-              <a:t>6/3/2013</a:t>
+              <a:t>6/4/2013</a:t>
             </a:fld>
             <a:endParaRPr lang="en-US"/>
           </a:p>
@@ -2372,7 +2372,7 @@
           <a:p>
             <a:fld id="{3F57F615-55C3-4F4F-83D6-4B35940FA14F}" type="datetimeFigureOut">
               <a:rPr lang="en-US" smtClean="0"/>
-              <a:t>6/3/2013</a:t>
+              <a:t>6/4/2013</a:t>
             </a:fld>
             <a:endParaRPr lang="en-US"/>
           </a:p>
@@ -2519,7 +2519,7 @@
           <a:p>
             <a:fld id="{3F57F615-55C3-4F4F-83D6-4B35940FA14F}" type="datetimeFigureOut">
               <a:rPr lang="en-US" smtClean="0"/>
-              <a:t>6/3/2013</a:t>
+              <a:t>6/4/2013</a:t>
             </a:fld>
             <a:endParaRPr lang="en-US"/>
           </a:p>
@@ -2803,7 +2803,7 @@
           <a:p>
             <a:fld id="{3F57F615-55C3-4F4F-83D6-4B35940FA14F}" type="datetimeFigureOut">
               <a:rPr lang="en-US" smtClean="0"/>
-              <a:t>6/3/2013</a:t>
+              <a:t>6/4/2013</a:t>
             </a:fld>
             <a:endParaRPr lang="en-US"/>
           </a:p>
@@ -3217,7 +3217,7 @@
           <a:p>
             <a:fld id="{3F57F615-55C3-4F4F-83D6-4B35940FA14F}" type="datetimeFigureOut">
               <a:rPr lang="en-US" smtClean="0"/>
-              <a:t>6/3/2013</a:t>
+              <a:t>6/4/2013</a:t>
             </a:fld>
             <a:endParaRPr lang="en-US"/>
           </a:p>
@@ -3562,7 +3562,7 @@
           <a:p>
             <a:fld id="{3F57F615-55C3-4F4F-83D6-4B35940FA14F}" type="datetimeFigureOut">
               <a:rPr lang="en-US" smtClean="0"/>
-              <a:t>6/3/2013</a:t>
+              <a:t>6/4/2013</a:t>
             </a:fld>
             <a:endParaRPr lang="en-US"/>
           </a:p>
@@ -8997,11 +8997,7 @@
           <a:p>
             <a:r>
               <a:rPr lang="en-US" dirty="0"/>
-              <a:t>We </a:t>
-            </a:r>
-            <a:r>
-              <a:rPr lang="en-US" dirty="0"/>
-              <a:t>can add arguments</a:t>
+              <a:t>We can add arguments</a:t>
             </a:r>
           </a:p>
           <a:p>
@@ -24708,7 +24704,7 @@
         <p:spPr/>
         <p:txBody>
           <a:bodyPr>
-            <a:normAutofit/>
+            <a:normAutofit fontScale="62500" lnSpcReduction="20000"/>
           </a:bodyPr>
           <a:lstStyle/>
           <a:p>
@@ -24732,17 +24728,145 @@
             </a:r>
           </a:p>
           <a:p>
+            <a:pPr lvl="2"/>
+            <a:r>
+              <a:rPr lang="en-US" dirty="0" smtClean="0"/>
+              <a:t>Create a user name</a:t>
+            </a:r>
+          </a:p>
+          <a:p>
+            <a:pPr lvl="2"/>
+            <a:r>
+              <a:rPr lang="en-US" dirty="0" smtClean="0"/>
+              <a:t>Enter your email (ask if you can use your parents)</a:t>
+            </a:r>
+          </a:p>
+          <a:p>
+            <a:pPr lvl="2"/>
+            <a:r>
+              <a:rPr lang="en-US" dirty="0" smtClean="0"/>
+              <a:t>Create a password you can remember</a:t>
+            </a:r>
+          </a:p>
+          <a:p>
+            <a:pPr lvl="2"/>
+            <a:r>
+              <a:rPr lang="en-US" dirty="0" smtClean="0"/>
+              <a:t>Click “Sign up for free”</a:t>
+            </a:r>
+          </a:p>
+          <a:p>
             <a:pPr lvl="1"/>
             <a:r>
               <a:rPr lang="en-US" dirty="0" smtClean="0"/>
-              <a:t>Need an email (can use your parents)</a:t>
+              <a:t>Setup </a:t>
+            </a:r>
+            <a:r>
+              <a:rPr lang="en-US" dirty="0" err="1" smtClean="0"/>
+              <a:t>GitHub</a:t>
+            </a:r>
+            <a:endParaRPr lang="en-US" dirty="0" smtClean="0"/>
+          </a:p>
+          <a:p>
+            <a:pPr lvl="2"/>
+            <a:r>
+              <a:rPr lang="en-US" dirty="0" smtClean="0"/>
+              <a:t>Click on “Set Up </a:t>
+            </a:r>
+            <a:r>
+              <a:rPr lang="en-US" dirty="0" err="1" smtClean="0"/>
+              <a:t>Git</a:t>
+            </a:r>
+            <a:r>
+              <a:rPr lang="en-US" dirty="0" smtClean="0"/>
+              <a:t>”</a:t>
+            </a:r>
+          </a:p>
+          <a:p>
+            <a:pPr lvl="2"/>
+            <a:r>
+              <a:rPr lang="en-US" dirty="0" smtClean="0"/>
+              <a:t>Click on “Download </a:t>
+            </a:r>
+            <a:r>
+              <a:rPr lang="en-US" dirty="0" err="1" smtClean="0"/>
+              <a:t>Github</a:t>
+            </a:r>
+            <a:r>
+              <a:rPr lang="en-US" dirty="0" smtClean="0"/>
+              <a:t> for Windows”</a:t>
+            </a:r>
+          </a:p>
+          <a:p>
+            <a:pPr lvl="2"/>
+            <a:r>
+              <a:rPr lang="en-US" dirty="0" smtClean="0"/>
+              <a:t>In the download popup, click “Run” </a:t>
+            </a:r>
+          </a:p>
+          <a:p>
+            <a:pPr lvl="2"/>
+            <a:r>
+              <a:rPr lang="en-US" dirty="0" smtClean="0"/>
+              <a:t>In the security warning popup, click “Install” and wait for the download to complete</a:t>
+            </a:r>
+          </a:p>
+          <a:p>
+            <a:pPr lvl="2"/>
+            <a:r>
+              <a:rPr lang="en-US" dirty="0" err="1" smtClean="0"/>
+              <a:t>GitHub</a:t>
+            </a:r>
+            <a:r>
+              <a:rPr lang="en-US" dirty="0" smtClean="0"/>
+              <a:t> tool launches automatically</a:t>
+            </a:r>
+          </a:p>
+          <a:p>
+            <a:r>
+              <a:rPr lang="en-US" dirty="0" smtClean="0"/>
+              <a:t>Run the </a:t>
+            </a:r>
+            <a:r>
+              <a:rPr lang="en-US" dirty="0" err="1" smtClean="0"/>
+              <a:t>GitHub</a:t>
+            </a:r>
+            <a:r>
+              <a:rPr lang="en-US" dirty="0" smtClean="0"/>
+              <a:t> windows tool</a:t>
             </a:r>
           </a:p>
           <a:p>
             <a:pPr lvl="1"/>
             <a:r>
               <a:rPr lang="en-US" dirty="0" smtClean="0"/>
-              <a:t>Go to </a:t>
+              <a:t>Sign in using your new username and password</a:t>
+            </a:r>
+          </a:p>
+          <a:p>
+            <a:pPr lvl="1"/>
+            <a:r>
+              <a:rPr lang="en-US" dirty="0" smtClean="0"/>
+              <a:t>On the configure page, enter your first and last name and email </a:t>
+            </a:r>
+            <a:r>
+              <a:rPr lang="en-US" dirty="0" smtClean="0"/>
+              <a:t>address</a:t>
+            </a:r>
+            <a:endParaRPr lang="en-US" dirty="0" smtClean="0"/>
+          </a:p>
+          <a:p>
+            <a:r>
+              <a:rPr lang="en-US" dirty="0" smtClean="0"/>
+              <a:t>In Internet Explorer, </a:t>
+            </a:r>
+            <a:r>
+              <a:rPr lang="en-US" dirty="0"/>
+              <a:t>g</a:t>
+            </a:r>
+            <a:r>
+              <a:rPr lang="en-US" dirty="0" smtClean="0"/>
+              <a:t>o to </a:t>
             </a:r>
             <a:r>
               <a:rPr lang="en-US" dirty="0" smtClean="0">
@@ -24768,47 +24892,26 @@
             <a:pPr lvl="2"/>
             <a:r>
               <a:rPr lang="en-US" dirty="0" smtClean="0"/>
+              <a:t>Click Fork</a:t>
+            </a:r>
+          </a:p>
+          <a:p>
+            <a:pPr lvl="2"/>
+            <a:r>
+              <a:rPr lang="en-US" dirty="0" smtClean="0"/>
               <a:t>Click Clone in Windows</a:t>
             </a:r>
-          </a:p>
-          <a:p>
-            <a:pPr lvl="2"/>
-            <a:r>
-              <a:rPr lang="en-US" dirty="0" smtClean="0"/>
-              <a:t>Download the Windows </a:t>
-            </a:r>
-            <a:r>
-              <a:rPr lang="en-US" dirty="0" err="1" smtClean="0"/>
-              <a:t>GitHub</a:t>
-            </a:r>
-            <a:r>
-              <a:rPr lang="en-US" dirty="0" smtClean="0"/>
-              <a:t> </a:t>
-            </a:r>
-            <a:r>
-              <a:rPr lang="en-US" dirty="0" smtClean="0"/>
-              <a:t>tool</a:t>
-            </a:r>
-          </a:p>
-          <a:p>
-            <a:pPr lvl="2"/>
-            <a:r>
-              <a:rPr lang="en-US" dirty="0" smtClean="0"/>
-              <a:t>Sign In</a:t>
-            </a:r>
-          </a:p>
-          <a:p>
-            <a:pPr lvl="2"/>
-            <a:r>
-              <a:rPr lang="en-US" dirty="0" smtClean="0"/>
-              <a:t>Clone Repository</a:t>
-            </a:r>
+            <a:endParaRPr lang="en-US" dirty="0" smtClean="0"/>
           </a:p>
           <a:p>
             <a:pPr lvl="3"/>
             <a:r>
               <a:rPr lang="en-US" dirty="0" smtClean="0"/>
-              <a:t>You can view these slides, and examples</a:t>
+              <a:t>You </a:t>
+            </a:r>
+            <a:r>
+              <a:rPr lang="en-US" dirty="0" smtClean="0"/>
+              <a:t>can view these slides, and examples</a:t>
             </a:r>
           </a:p>
           <a:p>
@@ -24822,11 +24925,12 @@
             <a:pPr lvl="3"/>
             <a:r>
               <a:rPr lang="en-US" dirty="0" smtClean="0"/>
-              <a:t>I will post homework solutions</a:t>
-            </a:r>
-            <a:endParaRPr lang="en-US" dirty="0" smtClean="0"/>
-          </a:p>
-          <a:p>
+              <a:t>I will post homework </a:t>
+            </a:r>
+            <a:r>
+              <a:rPr lang="en-US" dirty="0" smtClean="0"/>
+              <a:t>solutions</a:t>
+            </a:r>
             <a:endParaRPr lang="en-US" dirty="0" smtClean="0"/>
           </a:p>
         </p:txBody>
@@ -25114,7 +25218,11 @@
             </a:r>
             <a:r>
               <a:rPr lang="en-US" dirty="0"/>
-              <a:t>in C:\Users\Dad\Documents\GitHub\JavaClass_2013_Summer</a:t>
+              <a:t>in C:\</a:t>
+            </a:r>
+            <a:r>
+              <a:rPr lang="en-US" dirty="0" smtClean="0"/>
+              <a:t>Users\&lt;UserName&gt;\Documents\GitHub\JavaClass_2013_Summer</a:t>
             </a:r>
             <a:endParaRPr lang="en-US" dirty="0" smtClean="0"/>
           </a:p>
@@ -25134,15 +25242,7 @@
             </a:r>
             <a:r>
               <a:rPr lang="en-US" dirty="0" smtClean="0"/>
-              <a:t>project, u</a:t>
-            </a:r>
-            <a:r>
-              <a:rPr lang="en-US" dirty="0" smtClean="0"/>
-              <a:t>sing </a:t>
-            </a:r>
-            <a:r>
-              <a:rPr lang="en-US" dirty="0" smtClean="0"/>
-              <a:t>the Root application as a guide, create a </a:t>
+              <a:t>project, using the Root application as a guide, create a </a:t>
             </a:r>
             <a:r>
               <a:rPr lang="en-US" dirty="0" err="1" smtClean="0"/>
@@ -25150,11 +25250,7 @@
             </a:r>
             <a:r>
               <a:rPr lang="en-US" dirty="0" smtClean="0"/>
-              <a:t> application that can display the square root of </a:t>
-            </a:r>
-            <a:r>
-              <a:rPr lang="en-US" dirty="0" smtClean="0"/>
-              <a:t>625</a:t>
+              <a:t> application that can display the square root of 625</a:t>
             </a:r>
           </a:p>
           <a:p>
@@ -25259,11 +25355,7 @@
           <a:p>
             <a:r>
               <a:rPr lang="en-US" dirty="0" smtClean="0"/>
-              <a:t>Hour </a:t>
-            </a:r>
-            <a:r>
-              <a:rPr lang="en-US" dirty="0" smtClean="0"/>
-              <a:t>5</a:t>
+              <a:t>Hour 5</a:t>
             </a:r>
             <a:endParaRPr lang="en-US" dirty="0"/>
           </a:p>
@@ -25448,13 +25540,8 @@
           <a:p>
             <a:r>
               <a:rPr lang="en-US" dirty="0" smtClean="0"/>
-              <a:t>What are the two types of </a:t>
-            </a:r>
-            <a:r>
-              <a:rPr lang="en-US" dirty="0" smtClean="0"/>
-              <a:t>java programs?</a:t>
-            </a:r>
-            <a:endParaRPr lang="en-US" dirty="0" smtClean="0"/>
+              <a:t>What are the two types of java programs?</a:t>
+            </a:r>
           </a:p>
           <a:p>
             <a:pPr lvl="1"/>
@@ -25462,7 +25549,6 @@
               <a:rPr lang="en-US" dirty="0" smtClean="0"/>
               <a:t>Applications</a:t>
             </a:r>
-            <a:endParaRPr lang="en-US" dirty="0" smtClean="0"/>
           </a:p>
           <a:p>
             <a:pPr lvl="1"/>
@@ -25543,7 +25629,6 @@
               <a:rPr lang="en-US" dirty="0" smtClean="0"/>
               <a:t>Applet viewer</a:t>
             </a:r>
-            <a:endParaRPr lang="en-US" dirty="0" smtClean="0"/>
           </a:p>
           <a:p>
             <a:endParaRPr lang="en-US" dirty="0"/>
@@ -25663,11 +25748,6 @@
               </a:rPr>
               <a:t>import</a:t>
             </a:r>
-            <a:endParaRPr lang="en-US" dirty="0" smtClean="0">
-              <a:solidFill>
-                <a:srgbClr val="FF0000"/>
-              </a:solidFill>
-            </a:endParaRPr>
           </a:p>
           <a:p>
             <a:pPr lvl="1"/>
@@ -25714,11 +25794,7 @@
             <a:pPr lvl="1"/>
             <a:r>
               <a:rPr lang="en-US" dirty="0" smtClean="0"/>
-              <a:t>[ </a:t>
-            </a:r>
-            <a:r>
-              <a:rPr lang="en-US" dirty="0" smtClean="0"/>
-              <a:t>]</a:t>
+              <a:t>[ ]</a:t>
             </a:r>
           </a:p>
           <a:p>
